--- a/Database Final Presentation.pptx
+++ b/Database Final Presentation.pptx
@@ -169,7 +169,7 @@
           <a:noFill/>
           <a:extLst>
             <a:ext uri="{909E8E84-426E-40dd-AFC4-6F175D3DCCD1}">
-              <a14:hiddenFill xmlns:a14="http://schemas.microsoft.com/office/drawing/2010/main" xmlns="">
+              <a14:hiddenFill xmlns="" xmlns:a14="http://schemas.microsoft.com/office/drawing/2010/main">
                 <a:solidFill>
                   <a:srgbClr val="FFFFFF"/>
                 </a:solidFill>
@@ -229,7 +229,7 @@
             </a:ln>
             <a:extLst>
               <a:ext uri="{91240B29-F687-4f45-9708-019B960494DF}">
-                <a14:hiddenLine xmlns:a14="http://schemas.microsoft.com/office/drawing/2010/main" xmlns="" w="9525">
+                <a14:hiddenLine xmlns="" xmlns:a14="http://schemas.microsoft.com/office/drawing/2010/main" w="9525">
                   <a:solidFill>
                     <a:srgbClr val="000000"/>
                   </a:solidFill>
@@ -319,7 +319,7 @@
             </a:ln>
             <a:extLst>
               <a:ext uri="{91240B29-F687-4f45-9708-019B960494DF}">
-                <a14:hiddenLine xmlns:a14="http://schemas.microsoft.com/office/drawing/2010/main" xmlns="" w="9525">
+                <a14:hiddenLine xmlns="" xmlns:a14="http://schemas.microsoft.com/office/drawing/2010/main" w="9525">
                   <a:solidFill>
                     <a:srgbClr val="000000"/>
                   </a:solidFill>
@@ -409,7 +409,7 @@
             </a:ln>
             <a:extLst>
               <a:ext uri="{91240B29-F687-4f45-9708-019B960494DF}">
-                <a14:hiddenLine xmlns:a14="http://schemas.microsoft.com/office/drawing/2010/main" xmlns="" w="9525">
+                <a14:hiddenLine xmlns="" xmlns:a14="http://schemas.microsoft.com/office/drawing/2010/main" w="9525">
                   <a:solidFill>
                     <a:srgbClr val="000000"/>
                   </a:solidFill>
@@ -443,7 +443,7 @@
             </a:ln>
             <a:extLst>
               <a:ext uri="{91240B29-F687-4f45-9708-019B960494DF}">
-                <a14:hiddenLine xmlns:a14="http://schemas.microsoft.com/office/drawing/2010/main" xmlns="" w="9525">
+                <a14:hiddenLine xmlns="" xmlns:a14="http://schemas.microsoft.com/office/drawing/2010/main" w="9525">
                   <a:solidFill>
                     <a:srgbClr val="000000"/>
                   </a:solidFill>
@@ -533,7 +533,7 @@
             </a:ln>
             <a:extLst>
               <a:ext uri="{91240B29-F687-4f45-9708-019B960494DF}">
-                <a14:hiddenLine xmlns:a14="http://schemas.microsoft.com/office/drawing/2010/main" xmlns="" w="9525">
+                <a14:hiddenLine xmlns="" xmlns:a14="http://schemas.microsoft.com/office/drawing/2010/main" w="9525">
                   <a:solidFill>
                     <a:srgbClr val="000000"/>
                   </a:solidFill>
@@ -595,7 +595,7 @@
             </a:ln>
             <a:extLst>
               <a:ext uri="{91240B29-F687-4f45-9708-019B960494DF}">
-                <a14:hiddenLine xmlns:a14="http://schemas.microsoft.com/office/drawing/2010/main" xmlns="" w="9525">
+                <a14:hiddenLine xmlns="" xmlns:a14="http://schemas.microsoft.com/office/drawing/2010/main" w="9525">
                   <a:solidFill>
                     <a:srgbClr val="000000"/>
                   </a:solidFill>
@@ -657,7 +657,7 @@
             </a:ln>
             <a:extLst>
               <a:ext uri="{91240B29-F687-4f45-9708-019B960494DF}">
-                <a14:hiddenLine xmlns:a14="http://schemas.microsoft.com/office/drawing/2010/main" xmlns="" w="9525">
+                <a14:hiddenLine xmlns="" xmlns:a14="http://schemas.microsoft.com/office/drawing/2010/main" w="9525">
                   <a:solidFill>
                     <a:srgbClr val="000000"/>
                   </a:solidFill>
@@ -747,7 +747,7 @@
             </a:ln>
             <a:extLst>
               <a:ext uri="{91240B29-F687-4f45-9708-019B960494DF}">
-                <a14:hiddenLine xmlns:a14="http://schemas.microsoft.com/office/drawing/2010/main" xmlns="" w="9525">
+                <a14:hiddenLine xmlns="" xmlns:a14="http://schemas.microsoft.com/office/drawing/2010/main" w="9525">
                   <a:solidFill>
                     <a:srgbClr val="000000"/>
                   </a:solidFill>
@@ -809,7 +809,7 @@
             </a:ln>
             <a:extLst>
               <a:ext uri="{91240B29-F687-4f45-9708-019B960494DF}">
-                <a14:hiddenLine xmlns:a14="http://schemas.microsoft.com/office/drawing/2010/main" xmlns="" w="9525">
+                <a14:hiddenLine xmlns="" xmlns:a14="http://schemas.microsoft.com/office/drawing/2010/main" w="9525">
                   <a:solidFill>
                     <a:srgbClr val="000000"/>
                   </a:solidFill>
@@ -871,7 +871,7 @@
             </a:ln>
             <a:extLst>
               <a:ext uri="{91240B29-F687-4f45-9708-019B960494DF}">
-                <a14:hiddenLine xmlns:a14="http://schemas.microsoft.com/office/drawing/2010/main" xmlns="" w="9525">
+                <a14:hiddenLine xmlns="" xmlns:a14="http://schemas.microsoft.com/office/drawing/2010/main" w="9525">
                   <a:solidFill>
                     <a:srgbClr val="000000"/>
                   </a:solidFill>
@@ -961,7 +961,7 @@
             </a:ln>
             <a:extLst>
               <a:ext uri="{91240B29-F687-4f45-9708-019B960494DF}">
-                <a14:hiddenLine xmlns:a14="http://schemas.microsoft.com/office/drawing/2010/main" xmlns="" w="9525">
+                <a14:hiddenLine xmlns="" xmlns:a14="http://schemas.microsoft.com/office/drawing/2010/main" w="9525">
                   <a:solidFill>
                     <a:srgbClr val="000000"/>
                   </a:solidFill>
@@ -1051,7 +1051,7 @@
             </a:ln>
             <a:extLst>
               <a:ext uri="{91240B29-F687-4f45-9708-019B960494DF}">
-                <a14:hiddenLine xmlns:a14="http://schemas.microsoft.com/office/drawing/2010/main" xmlns="" w="9525">
+                <a14:hiddenLine xmlns="" xmlns:a14="http://schemas.microsoft.com/office/drawing/2010/main" w="9525">
                   <a:solidFill>
                     <a:srgbClr val="000000"/>
                   </a:solidFill>
@@ -1113,7 +1113,7 @@
             </a:ln>
             <a:extLst>
               <a:ext uri="{91240B29-F687-4f45-9708-019B960494DF}">
-                <a14:hiddenLine xmlns:a14="http://schemas.microsoft.com/office/drawing/2010/main" xmlns="" w="9525">
+                <a14:hiddenLine xmlns="" xmlns:a14="http://schemas.microsoft.com/office/drawing/2010/main" w="9525">
                   <a:solidFill>
                     <a:srgbClr val="000000"/>
                   </a:solidFill>
@@ -1223,7 +1223,7 @@
             </a:ln>
             <a:extLst>
               <a:ext uri="{91240B29-F687-4f45-9708-019B960494DF}">
-                <a14:hiddenLine xmlns:a14="http://schemas.microsoft.com/office/drawing/2010/main" xmlns="" w="9525">
+                <a14:hiddenLine xmlns="" xmlns:a14="http://schemas.microsoft.com/office/drawing/2010/main" w="9525">
                   <a:solidFill>
                     <a:srgbClr val="000000"/>
                   </a:solidFill>
@@ -1285,7 +1285,7 @@
             </a:ln>
             <a:extLst>
               <a:ext uri="{91240B29-F687-4f45-9708-019B960494DF}">
-                <a14:hiddenLine xmlns:a14="http://schemas.microsoft.com/office/drawing/2010/main" xmlns="" w="9525">
+                <a14:hiddenLine xmlns="" xmlns:a14="http://schemas.microsoft.com/office/drawing/2010/main" w="9525">
                   <a:solidFill>
                     <a:srgbClr val="000000"/>
                   </a:solidFill>
@@ -1375,7 +1375,7 @@
             </a:ln>
             <a:extLst>
               <a:ext uri="{91240B29-F687-4f45-9708-019B960494DF}">
-                <a14:hiddenLine xmlns:a14="http://schemas.microsoft.com/office/drawing/2010/main" xmlns="" w="9525">
+                <a14:hiddenLine xmlns="" xmlns:a14="http://schemas.microsoft.com/office/drawing/2010/main" w="9525">
                   <a:solidFill>
                     <a:srgbClr val="000000"/>
                   </a:solidFill>
@@ -1465,7 +1465,7 @@
             </a:ln>
             <a:extLst>
               <a:ext uri="{91240B29-F687-4f45-9708-019B960494DF}">
-                <a14:hiddenLine xmlns:a14="http://schemas.microsoft.com/office/drawing/2010/main" xmlns="" w="9525">
+                <a14:hiddenLine xmlns="" xmlns:a14="http://schemas.microsoft.com/office/drawing/2010/main" w="9525">
                   <a:solidFill>
                     <a:srgbClr val="000000"/>
                   </a:solidFill>
@@ -1527,7 +1527,7 @@
             </a:ln>
             <a:extLst>
               <a:ext uri="{91240B29-F687-4f45-9708-019B960494DF}">
-                <a14:hiddenLine xmlns:a14="http://schemas.microsoft.com/office/drawing/2010/main" xmlns="" w="9525">
+                <a14:hiddenLine xmlns="" xmlns:a14="http://schemas.microsoft.com/office/drawing/2010/main" w="9525">
                   <a:solidFill>
                     <a:srgbClr val="000000"/>
                   </a:solidFill>
@@ -1617,7 +1617,7 @@
             </a:ln>
             <a:extLst>
               <a:ext uri="{91240B29-F687-4f45-9708-019B960494DF}">
-                <a14:hiddenLine xmlns:a14="http://schemas.microsoft.com/office/drawing/2010/main" xmlns="" w="9525">
+                <a14:hiddenLine xmlns="" xmlns:a14="http://schemas.microsoft.com/office/drawing/2010/main" w="9525">
                   <a:solidFill>
                     <a:srgbClr val="000000"/>
                   </a:solidFill>
@@ -1707,7 +1707,7 @@
             </a:ln>
             <a:extLst>
               <a:ext uri="{91240B29-F687-4f45-9708-019B960494DF}">
-                <a14:hiddenLine xmlns:a14="http://schemas.microsoft.com/office/drawing/2010/main" xmlns="" w="9525">
+                <a14:hiddenLine xmlns="" xmlns:a14="http://schemas.microsoft.com/office/drawing/2010/main" w="9525">
                   <a:solidFill>
                     <a:srgbClr val="000000"/>
                   </a:solidFill>
@@ -1763,7 +1763,7 @@
             </a:ln>
             <a:extLst>
               <a:ext uri="{91240B29-F687-4f45-9708-019B960494DF}">
-                <a14:hiddenLine xmlns:a14="http://schemas.microsoft.com/office/drawing/2010/main" xmlns="" w="9525">
+                <a14:hiddenLine xmlns="" xmlns:a14="http://schemas.microsoft.com/office/drawing/2010/main" w="9525">
                   <a:solidFill>
                     <a:srgbClr val="000000"/>
                   </a:solidFill>
@@ -1853,7 +1853,7 @@
             </a:ln>
             <a:extLst>
               <a:ext uri="{91240B29-F687-4f45-9708-019B960494DF}">
-                <a14:hiddenLine xmlns:a14="http://schemas.microsoft.com/office/drawing/2010/main" xmlns="" w="9525">
+                <a14:hiddenLine xmlns="" xmlns:a14="http://schemas.microsoft.com/office/drawing/2010/main" w="9525">
                   <a:solidFill>
                     <a:srgbClr val="000000"/>
                   </a:solidFill>
@@ -1909,7 +1909,7 @@
             </a:ln>
             <a:extLst>
               <a:ext uri="{91240B29-F687-4f45-9708-019B960494DF}">
-                <a14:hiddenLine xmlns:a14="http://schemas.microsoft.com/office/drawing/2010/main" xmlns="" w="9525">
+                <a14:hiddenLine xmlns="" xmlns:a14="http://schemas.microsoft.com/office/drawing/2010/main" w="9525">
                   <a:solidFill>
                     <a:srgbClr val="000000"/>
                   </a:solidFill>
@@ -1999,7 +1999,7 @@
             </a:ln>
             <a:extLst>
               <a:ext uri="{91240B29-F687-4f45-9708-019B960494DF}">
-                <a14:hiddenLine xmlns:a14="http://schemas.microsoft.com/office/drawing/2010/main" xmlns="" w="9525">
+                <a14:hiddenLine xmlns="" xmlns:a14="http://schemas.microsoft.com/office/drawing/2010/main" w="9525">
                   <a:solidFill>
                     <a:srgbClr val="000000"/>
                   </a:solidFill>
@@ -2067,7 +2067,7 @@
             </a:ln>
             <a:extLst>
               <a:ext uri="{91240B29-F687-4f45-9708-019B960494DF}">
-                <a14:hiddenLine xmlns:a14="http://schemas.microsoft.com/office/drawing/2010/main" xmlns="" w="9525">
+                <a14:hiddenLine xmlns="" xmlns:a14="http://schemas.microsoft.com/office/drawing/2010/main" w="9525">
                   <a:solidFill>
                     <a:srgbClr val="000000"/>
                   </a:solidFill>
@@ -2157,7 +2157,7 @@
             </a:ln>
             <a:extLst>
               <a:ext uri="{91240B29-F687-4f45-9708-019B960494DF}">
-                <a14:hiddenLine xmlns:a14="http://schemas.microsoft.com/office/drawing/2010/main" xmlns="" w="9525">
+                <a14:hiddenLine xmlns="" xmlns:a14="http://schemas.microsoft.com/office/drawing/2010/main" w="9525">
                   <a:solidFill>
                     <a:srgbClr val="000000"/>
                   </a:solidFill>
@@ -2225,7 +2225,7 @@
             </a:ln>
             <a:extLst>
               <a:ext uri="{91240B29-F687-4f45-9708-019B960494DF}">
-                <a14:hiddenLine xmlns:a14="http://schemas.microsoft.com/office/drawing/2010/main" xmlns="" w="9525">
+                <a14:hiddenLine xmlns="" xmlns:a14="http://schemas.microsoft.com/office/drawing/2010/main" w="9525">
                   <a:solidFill>
                     <a:srgbClr val="000000"/>
                   </a:solidFill>
@@ -2315,7 +2315,7 @@
             </a:ln>
             <a:extLst>
               <a:ext uri="{91240B29-F687-4f45-9708-019B960494DF}">
-                <a14:hiddenLine xmlns:a14="http://schemas.microsoft.com/office/drawing/2010/main" xmlns="" w="9525">
+                <a14:hiddenLine xmlns="" xmlns:a14="http://schemas.microsoft.com/office/drawing/2010/main" w="9525">
                   <a:solidFill>
                     <a:srgbClr val="000000"/>
                   </a:solidFill>
@@ -2349,7 +2349,7 @@
             </a:ln>
             <a:extLst>
               <a:ext uri="{91240B29-F687-4f45-9708-019B960494DF}">
-                <a14:hiddenLine xmlns:a14="http://schemas.microsoft.com/office/drawing/2010/main" xmlns="" w="9525">
+                <a14:hiddenLine xmlns="" xmlns:a14="http://schemas.microsoft.com/office/drawing/2010/main" w="9525">
                   <a:solidFill>
                     <a:srgbClr val="000000"/>
                   </a:solidFill>
@@ -2439,7 +2439,7 @@
             </a:ln>
             <a:extLst>
               <a:ext uri="{91240B29-F687-4f45-9708-019B960494DF}">
-                <a14:hiddenLine xmlns:a14="http://schemas.microsoft.com/office/drawing/2010/main" xmlns="" w="9525">
+                <a14:hiddenLine xmlns="" xmlns:a14="http://schemas.microsoft.com/office/drawing/2010/main" w="9525">
                   <a:solidFill>
                     <a:srgbClr val="000000"/>
                   </a:solidFill>
@@ -2501,7 +2501,7 @@
             </a:ln>
             <a:extLst>
               <a:ext uri="{91240B29-F687-4f45-9708-019B960494DF}">
-                <a14:hiddenLine xmlns:a14="http://schemas.microsoft.com/office/drawing/2010/main" xmlns="" w="9525">
+                <a14:hiddenLine xmlns="" xmlns:a14="http://schemas.microsoft.com/office/drawing/2010/main" w="9525">
                   <a:solidFill>
                     <a:srgbClr val="000000"/>
                   </a:solidFill>
@@ -2563,7 +2563,7 @@
             </a:ln>
             <a:extLst>
               <a:ext uri="{91240B29-F687-4f45-9708-019B960494DF}">
-                <a14:hiddenLine xmlns:a14="http://schemas.microsoft.com/office/drawing/2010/main" xmlns="" w="9525">
+                <a14:hiddenLine xmlns="" xmlns:a14="http://schemas.microsoft.com/office/drawing/2010/main" w="9525">
                   <a:solidFill>
                     <a:srgbClr val="000000"/>
                   </a:solidFill>
@@ -2653,7 +2653,7 @@
             </a:ln>
             <a:extLst>
               <a:ext uri="{91240B29-F687-4f45-9708-019B960494DF}">
-                <a14:hiddenLine xmlns:a14="http://schemas.microsoft.com/office/drawing/2010/main" xmlns="" w="9525">
+                <a14:hiddenLine xmlns="" xmlns:a14="http://schemas.microsoft.com/office/drawing/2010/main" w="9525">
                   <a:solidFill>
                     <a:srgbClr val="000000"/>
                   </a:solidFill>
@@ -2721,7 +2721,7 @@
             </a:ln>
             <a:extLst>
               <a:ext uri="{91240B29-F687-4f45-9708-019B960494DF}">
-                <a14:hiddenLine xmlns:a14="http://schemas.microsoft.com/office/drawing/2010/main" xmlns="" w="9525">
+                <a14:hiddenLine xmlns="" xmlns:a14="http://schemas.microsoft.com/office/drawing/2010/main" w="9525">
                   <a:solidFill>
                     <a:srgbClr val="000000"/>
                   </a:solidFill>
@@ -2783,7 +2783,7 @@
             </a:ln>
             <a:extLst>
               <a:ext uri="{91240B29-F687-4f45-9708-019B960494DF}">
-                <a14:hiddenLine xmlns:a14="http://schemas.microsoft.com/office/drawing/2010/main" xmlns="" w="9525">
+                <a14:hiddenLine xmlns="" xmlns:a14="http://schemas.microsoft.com/office/drawing/2010/main" w="9525">
                   <a:solidFill>
                     <a:srgbClr val="000000"/>
                   </a:solidFill>
@@ -2873,7 +2873,7 @@
             </a:ln>
             <a:extLst>
               <a:ext uri="{91240B29-F687-4f45-9708-019B960494DF}">
-                <a14:hiddenLine xmlns:a14="http://schemas.microsoft.com/office/drawing/2010/main" xmlns="" w="9525">
+                <a14:hiddenLine xmlns="" xmlns:a14="http://schemas.microsoft.com/office/drawing/2010/main" w="9525">
                   <a:solidFill>
                     <a:srgbClr val="000000"/>
                   </a:solidFill>
@@ -2935,7 +2935,7 @@
             </a:ln>
             <a:extLst>
               <a:ext uri="{91240B29-F687-4f45-9708-019B960494DF}">
-                <a14:hiddenLine xmlns:a14="http://schemas.microsoft.com/office/drawing/2010/main" xmlns="" w="9525">
+                <a14:hiddenLine xmlns="" xmlns:a14="http://schemas.microsoft.com/office/drawing/2010/main" w="9525">
                   <a:solidFill>
                     <a:srgbClr val="000000"/>
                   </a:solidFill>
@@ -3025,7 +3025,7 @@
             </a:ln>
             <a:extLst>
               <a:ext uri="{91240B29-F687-4f45-9708-019B960494DF}">
-                <a14:hiddenLine xmlns:a14="http://schemas.microsoft.com/office/drawing/2010/main" xmlns="" w="9525">
+                <a14:hiddenLine xmlns="" xmlns:a14="http://schemas.microsoft.com/office/drawing/2010/main" w="9525">
                   <a:solidFill>
                     <a:srgbClr val="000000"/>
                   </a:solidFill>
@@ -3087,7 +3087,7 @@
             </a:ln>
             <a:extLst>
               <a:ext uri="{91240B29-F687-4f45-9708-019B960494DF}">
-                <a14:hiddenLine xmlns:a14="http://schemas.microsoft.com/office/drawing/2010/main" xmlns="" w="9525">
+                <a14:hiddenLine xmlns="" xmlns:a14="http://schemas.microsoft.com/office/drawing/2010/main" w="9525">
                   <a:solidFill>
                     <a:srgbClr val="000000"/>
                   </a:solidFill>
@@ -3177,7 +3177,7 @@
             </a:ln>
             <a:extLst>
               <a:ext uri="{91240B29-F687-4f45-9708-019B960494DF}">
-                <a14:hiddenLine xmlns:a14="http://schemas.microsoft.com/office/drawing/2010/main" xmlns="" w="9525">
+                <a14:hiddenLine xmlns="" xmlns:a14="http://schemas.microsoft.com/office/drawing/2010/main" w="9525">
                   <a:solidFill>
                     <a:srgbClr val="000000"/>
                   </a:solidFill>
@@ -3211,7 +3211,7 @@
             </a:ln>
             <a:extLst>
               <a:ext uri="{91240B29-F687-4f45-9708-019B960494DF}">
-                <a14:hiddenLine xmlns:a14="http://schemas.microsoft.com/office/drawing/2010/main" xmlns="" w="9525">
+                <a14:hiddenLine xmlns="" xmlns:a14="http://schemas.microsoft.com/office/drawing/2010/main" w="9525">
                   <a:solidFill>
                     <a:srgbClr val="000000"/>
                   </a:solidFill>
@@ -3276,7 +3276,7 @@
             </a:ln>
             <a:extLst>
               <a:ext uri="{91240B29-F687-4f45-9708-019B960494DF}">
-                <a14:hiddenLine xmlns:a14="http://schemas.microsoft.com/office/drawing/2010/main" xmlns="" w="9525">
+                <a14:hiddenLine xmlns="" xmlns:a14="http://schemas.microsoft.com/office/drawing/2010/main" w="9525">
                   <a:solidFill>
                     <a:srgbClr val="000000"/>
                   </a:solidFill>
@@ -3366,7 +3366,7 @@
             </a:ln>
             <a:extLst>
               <a:ext uri="{91240B29-F687-4f45-9708-019B960494DF}">
-                <a14:hiddenLine xmlns:a14="http://schemas.microsoft.com/office/drawing/2010/main" xmlns="" w="9525">
+                <a14:hiddenLine xmlns="" xmlns:a14="http://schemas.microsoft.com/office/drawing/2010/main" w="9525">
                   <a:solidFill>
                     <a:srgbClr val="000000"/>
                   </a:solidFill>
@@ -3428,7 +3428,7 @@
             </a:ln>
             <a:extLst>
               <a:ext uri="{91240B29-F687-4f45-9708-019B960494DF}">
-                <a14:hiddenLine xmlns:a14="http://schemas.microsoft.com/office/drawing/2010/main" xmlns="" w="9525">
+                <a14:hiddenLine xmlns="" xmlns:a14="http://schemas.microsoft.com/office/drawing/2010/main" w="9525">
                   <a:solidFill>
                     <a:srgbClr val="000000"/>
                   </a:solidFill>
@@ -3518,7 +3518,7 @@
             </a:ln>
             <a:extLst>
               <a:ext uri="{91240B29-F687-4f45-9708-019B960494DF}">
-                <a14:hiddenLine xmlns:a14="http://schemas.microsoft.com/office/drawing/2010/main" xmlns="" w="9525">
+                <a14:hiddenLine xmlns="" xmlns:a14="http://schemas.microsoft.com/office/drawing/2010/main" w="9525">
                   <a:solidFill>
                     <a:srgbClr val="000000"/>
                   </a:solidFill>
@@ -3608,7 +3608,7 @@
             </a:ln>
             <a:extLst>
               <a:ext uri="{91240B29-F687-4f45-9708-019B960494DF}">
-                <a14:hiddenLine xmlns:a14="http://schemas.microsoft.com/office/drawing/2010/main" xmlns="" w="9525">
+                <a14:hiddenLine xmlns="" xmlns:a14="http://schemas.microsoft.com/office/drawing/2010/main" w="9525">
                   <a:solidFill>
                     <a:srgbClr val="000000"/>
                   </a:solidFill>
@@ -3673,7 +3673,7 @@
             </a:ln>
             <a:extLst>
               <a:ext uri="{91240B29-F687-4f45-9708-019B960494DF}">
-                <a14:hiddenLine xmlns:a14="http://schemas.microsoft.com/office/drawing/2010/main" xmlns="" w="9525">
+                <a14:hiddenLine xmlns="" xmlns:a14="http://schemas.microsoft.com/office/drawing/2010/main" w="9525">
                   <a:solidFill>
                     <a:srgbClr val="000000"/>
                   </a:solidFill>
@@ -3735,7 +3735,7 @@
             </a:ln>
             <a:extLst>
               <a:ext uri="{91240B29-F687-4f45-9708-019B960494DF}">
-                <a14:hiddenLine xmlns:a14="http://schemas.microsoft.com/office/drawing/2010/main" xmlns="" w="9525">
+                <a14:hiddenLine xmlns="" xmlns:a14="http://schemas.microsoft.com/office/drawing/2010/main" w="9525">
                   <a:solidFill>
                     <a:srgbClr val="000000"/>
                   </a:solidFill>
@@ -3825,7 +3825,7 @@
             </a:ln>
             <a:extLst>
               <a:ext uri="{91240B29-F687-4f45-9708-019B960494DF}">
-                <a14:hiddenLine xmlns:a14="http://schemas.microsoft.com/office/drawing/2010/main" xmlns="" w="9525">
+                <a14:hiddenLine xmlns="" xmlns:a14="http://schemas.microsoft.com/office/drawing/2010/main" w="9525">
                   <a:solidFill>
                     <a:srgbClr val="000000"/>
                   </a:solidFill>
@@ -3915,7 +3915,7 @@
             </a:ln>
             <a:extLst>
               <a:ext uri="{91240B29-F687-4f45-9708-019B960494DF}">
-                <a14:hiddenLine xmlns:a14="http://schemas.microsoft.com/office/drawing/2010/main" xmlns="" w="9525">
+                <a14:hiddenLine xmlns="" xmlns:a14="http://schemas.microsoft.com/office/drawing/2010/main" w="9525">
                   <a:solidFill>
                     <a:srgbClr val="000000"/>
                   </a:solidFill>
@@ -3977,7 +3977,7 @@
             </a:ln>
             <a:extLst>
               <a:ext uri="{91240B29-F687-4f45-9708-019B960494DF}">
-                <a14:hiddenLine xmlns:a14="http://schemas.microsoft.com/office/drawing/2010/main" xmlns="" w="9525">
+                <a14:hiddenLine xmlns="" xmlns:a14="http://schemas.microsoft.com/office/drawing/2010/main" w="9525">
                   <a:solidFill>
                     <a:srgbClr val="000000"/>
                   </a:solidFill>
@@ -4097,7 +4097,7 @@
             </a:ln>
             <a:extLst>
               <a:ext uri="{91240B29-F687-4f45-9708-019B960494DF}">
-                <a14:hiddenLine xmlns:a14="http://schemas.microsoft.com/office/drawing/2010/main" xmlns="" w="9525">
+                <a14:hiddenLine xmlns="" xmlns:a14="http://schemas.microsoft.com/office/drawing/2010/main" w="9525">
                   <a:solidFill>
                     <a:srgbClr val="000000"/>
                   </a:solidFill>
@@ -4165,7 +4165,7 @@
             </a:ln>
             <a:extLst>
               <a:ext uri="{91240B29-F687-4f45-9708-019B960494DF}">
-                <a14:hiddenLine xmlns:a14="http://schemas.microsoft.com/office/drawing/2010/main" xmlns="" w="9525">
+                <a14:hiddenLine xmlns="" xmlns:a14="http://schemas.microsoft.com/office/drawing/2010/main" w="9525">
                   <a:solidFill>
                     <a:srgbClr val="000000"/>
                   </a:solidFill>
@@ -4255,7 +4255,7 @@
             </a:ln>
             <a:extLst>
               <a:ext uri="{91240B29-F687-4f45-9708-019B960494DF}">
-                <a14:hiddenLine xmlns:a14="http://schemas.microsoft.com/office/drawing/2010/main" xmlns="" w="9525">
+                <a14:hiddenLine xmlns="" xmlns:a14="http://schemas.microsoft.com/office/drawing/2010/main" w="9525">
                   <a:solidFill>
                     <a:srgbClr val="000000"/>
                   </a:solidFill>
@@ -4395,7 +4395,7 @@
           <a:p>
             <a:fld id="{F368A0E5-C8DF-46E7-BA4B-3611D1C8E144}" type="datetimeFigureOut">
               <a:rPr lang="en-US" smtClean="0"/>
-              <a:t>12/7/2016</a:t>
+              <a:t>12/8/2016</a:t>
             </a:fld>
             <a:endParaRPr lang="en-US"/>
           </a:p>
@@ -4662,7 +4662,7 @@
           <a:p>
             <a:fld id="{F368A0E5-C8DF-46E7-BA4B-3611D1C8E144}" type="datetimeFigureOut">
               <a:rPr lang="en-US" smtClean="0"/>
-              <a:t>12/7/2016</a:t>
+              <a:t>12/8/2016</a:t>
             </a:fld>
             <a:endParaRPr lang="en-US"/>
           </a:p>
@@ -4858,7 +4858,7 @@
           <a:p>
             <a:fld id="{F368A0E5-C8DF-46E7-BA4B-3611D1C8E144}" type="datetimeFigureOut">
               <a:rPr lang="en-US" smtClean="0"/>
-              <a:t>12/7/2016</a:t>
+              <a:t>12/8/2016</a:t>
             </a:fld>
             <a:endParaRPr lang="en-US"/>
           </a:p>
@@ -5121,7 +5121,7 @@
           <a:p>
             <a:fld id="{F368A0E5-C8DF-46E7-BA4B-3611D1C8E144}" type="datetimeFigureOut">
               <a:rPr lang="en-US" smtClean="0"/>
-              <a:t>12/7/2016</a:t>
+              <a:t>12/8/2016</a:t>
             </a:fld>
             <a:endParaRPr lang="en-US"/>
           </a:p>
@@ -5555,7 +5555,7 @@
           <a:p>
             <a:fld id="{F368A0E5-C8DF-46E7-BA4B-3611D1C8E144}" type="datetimeFigureOut">
               <a:rPr lang="en-US" smtClean="0"/>
-              <a:t>12/7/2016</a:t>
+              <a:t>12/8/2016</a:t>
             </a:fld>
             <a:endParaRPr lang="en-US"/>
           </a:p>
@@ -6101,7 +6101,7 @@
           <a:p>
             <a:fld id="{F368A0E5-C8DF-46E7-BA4B-3611D1C8E144}" type="datetimeFigureOut">
               <a:rPr lang="en-US" smtClean="0"/>
-              <a:t>12/7/2016</a:t>
+              <a:t>12/8/2016</a:t>
             </a:fld>
             <a:endParaRPr lang="en-US"/>
           </a:p>
@@ -6821,7 +6821,7 @@
           <a:p>
             <a:fld id="{F368A0E5-C8DF-46E7-BA4B-3611D1C8E144}" type="datetimeFigureOut">
               <a:rPr lang="en-US" smtClean="0"/>
-              <a:t>12/7/2016</a:t>
+              <a:t>12/8/2016</a:t>
             </a:fld>
             <a:endParaRPr lang="en-US"/>
           </a:p>
@@ -6991,7 +6991,7 @@
           <a:p>
             <a:fld id="{F368A0E5-C8DF-46E7-BA4B-3611D1C8E144}" type="datetimeFigureOut">
               <a:rPr lang="en-US" smtClean="0"/>
-              <a:t>12/7/2016</a:t>
+              <a:t>12/8/2016</a:t>
             </a:fld>
             <a:endParaRPr lang="en-US"/>
           </a:p>
@@ -7171,7 +7171,7 @@
           <a:p>
             <a:fld id="{F368A0E5-C8DF-46E7-BA4B-3611D1C8E144}" type="datetimeFigureOut">
               <a:rPr lang="en-US" smtClean="0"/>
-              <a:t>12/7/2016</a:t>
+              <a:t>12/8/2016</a:t>
             </a:fld>
             <a:endParaRPr lang="en-US"/>
           </a:p>
@@ -7341,7 +7341,7 @@
           <a:p>
             <a:fld id="{F368A0E5-C8DF-46E7-BA4B-3611D1C8E144}" type="datetimeFigureOut">
               <a:rPr lang="en-US" smtClean="0"/>
-              <a:t>12/7/2016</a:t>
+              <a:t>12/8/2016</a:t>
             </a:fld>
             <a:endParaRPr lang="en-US"/>
           </a:p>
@@ -7591,7 +7591,7 @@
           <a:p>
             <a:fld id="{F368A0E5-C8DF-46E7-BA4B-3611D1C8E144}" type="datetimeFigureOut">
               <a:rPr lang="en-US" smtClean="0"/>
-              <a:t>12/7/2016</a:t>
+              <a:t>12/8/2016</a:t>
             </a:fld>
             <a:endParaRPr lang="en-US"/>
           </a:p>
@@ -7823,7 +7823,7 @@
           <a:p>
             <a:fld id="{F368A0E5-C8DF-46E7-BA4B-3611D1C8E144}" type="datetimeFigureOut">
               <a:rPr lang="en-US" smtClean="0"/>
-              <a:t>12/7/2016</a:t>
+              <a:t>12/8/2016</a:t>
             </a:fld>
             <a:endParaRPr lang="en-US"/>
           </a:p>
@@ -8204,7 +8204,7 @@
           <a:p>
             <a:fld id="{F368A0E5-C8DF-46E7-BA4B-3611D1C8E144}" type="datetimeFigureOut">
               <a:rPr lang="en-US" smtClean="0"/>
-              <a:t>12/7/2016</a:t>
+              <a:t>12/8/2016</a:t>
             </a:fld>
             <a:endParaRPr lang="en-US"/>
           </a:p>
@@ -8322,7 +8322,7 @@
           <a:p>
             <a:fld id="{F368A0E5-C8DF-46E7-BA4B-3611D1C8E144}" type="datetimeFigureOut">
               <a:rPr lang="en-US" smtClean="0"/>
-              <a:t>12/7/2016</a:t>
+              <a:t>12/8/2016</a:t>
             </a:fld>
             <a:endParaRPr lang="en-US"/>
           </a:p>
@@ -8417,7 +8417,7 @@
           <a:p>
             <a:fld id="{F368A0E5-C8DF-46E7-BA4B-3611D1C8E144}" type="datetimeFigureOut">
               <a:rPr lang="en-US" smtClean="0"/>
-              <a:t>12/7/2016</a:t>
+              <a:t>12/8/2016</a:t>
             </a:fld>
             <a:endParaRPr lang="en-US"/>
           </a:p>
@@ -8666,7 +8666,7 @@
           <a:p>
             <a:fld id="{F368A0E5-C8DF-46E7-BA4B-3611D1C8E144}" type="datetimeFigureOut">
               <a:rPr lang="en-US" smtClean="0"/>
-              <a:t>12/7/2016</a:t>
+              <a:t>12/8/2016</a:t>
             </a:fld>
             <a:endParaRPr lang="en-US"/>
           </a:p>
@@ -8946,7 +8946,7 @@
           <a:p>
             <a:fld id="{F368A0E5-C8DF-46E7-BA4B-3611D1C8E144}" type="datetimeFigureOut">
               <a:rPr lang="en-US" smtClean="0"/>
-              <a:t>12/7/2016</a:t>
+              <a:t>12/8/2016</a:t>
             </a:fld>
             <a:endParaRPr lang="en-US"/>
           </a:p>
@@ -9062,7 +9062,7 @@
           <a:noFill/>
           <a:extLst>
             <a:ext uri="{909E8E84-426E-40dd-AFC4-6F175D3DCCD1}">
-              <a14:hiddenFill xmlns:a14="http://schemas.microsoft.com/office/drawing/2010/main" xmlns="">
+              <a14:hiddenFill xmlns="" xmlns:a14="http://schemas.microsoft.com/office/drawing/2010/main">
                 <a:solidFill>
                   <a:srgbClr val="FFFFFF"/>
                 </a:solidFill>
@@ -9136,7 +9136,7 @@
               </a:ln>
               <a:extLst>
                 <a:ext uri="{91240B29-F687-4f45-9708-019B960494DF}">
-                  <a14:hiddenLine xmlns:a14="http://schemas.microsoft.com/office/drawing/2010/main" xmlns="" w="9525">
+                  <a14:hiddenLine xmlns="" xmlns:a14="http://schemas.microsoft.com/office/drawing/2010/main" w="9525">
                     <a:solidFill>
                       <a:srgbClr val="000000"/>
                     </a:solidFill>
@@ -9226,7 +9226,7 @@
               </a:ln>
               <a:extLst>
                 <a:ext uri="{91240B29-F687-4f45-9708-019B960494DF}">
-                  <a14:hiddenLine xmlns:a14="http://schemas.microsoft.com/office/drawing/2010/main" xmlns="" w="9525">
+                  <a14:hiddenLine xmlns="" xmlns:a14="http://schemas.microsoft.com/office/drawing/2010/main" w="9525">
                     <a:solidFill>
                       <a:srgbClr val="000000"/>
                     </a:solidFill>
@@ -9316,7 +9316,7 @@
               </a:ln>
               <a:extLst>
                 <a:ext uri="{91240B29-F687-4f45-9708-019B960494DF}">
-                  <a14:hiddenLine xmlns:a14="http://schemas.microsoft.com/office/drawing/2010/main" xmlns="" w="9525">
+                  <a14:hiddenLine xmlns="" xmlns:a14="http://schemas.microsoft.com/office/drawing/2010/main" w="9525">
                     <a:solidFill>
                       <a:srgbClr val="000000"/>
                     </a:solidFill>
@@ -9378,7 +9378,7 @@
               </a:ln>
               <a:extLst>
                 <a:ext uri="{91240B29-F687-4f45-9708-019B960494DF}">
-                  <a14:hiddenLine xmlns:a14="http://schemas.microsoft.com/office/drawing/2010/main" xmlns="" w="9525">
+                  <a14:hiddenLine xmlns="" xmlns:a14="http://schemas.microsoft.com/office/drawing/2010/main" w="9525">
                     <a:solidFill>
                       <a:srgbClr val="000000"/>
                     </a:solidFill>
@@ -9468,7 +9468,7 @@
               </a:ln>
               <a:extLst>
                 <a:ext uri="{91240B29-F687-4f45-9708-019B960494DF}">
-                  <a14:hiddenLine xmlns:a14="http://schemas.microsoft.com/office/drawing/2010/main" xmlns="" w="9525">
+                  <a14:hiddenLine xmlns="" xmlns:a14="http://schemas.microsoft.com/office/drawing/2010/main" w="9525">
                     <a:solidFill>
                       <a:srgbClr val="000000"/>
                     </a:solidFill>
@@ -9530,7 +9530,7 @@
               </a:ln>
               <a:extLst>
                 <a:ext uri="{91240B29-F687-4f45-9708-019B960494DF}">
-                  <a14:hiddenLine xmlns:a14="http://schemas.microsoft.com/office/drawing/2010/main" xmlns="" w="9525">
+                  <a14:hiddenLine xmlns="" xmlns:a14="http://schemas.microsoft.com/office/drawing/2010/main" w="9525">
                     <a:solidFill>
                       <a:srgbClr val="000000"/>
                     </a:solidFill>
@@ -9592,7 +9592,7 @@
               </a:ln>
               <a:extLst>
                 <a:ext uri="{91240B29-F687-4f45-9708-019B960494DF}">
-                  <a14:hiddenLine xmlns:a14="http://schemas.microsoft.com/office/drawing/2010/main" xmlns="" w="9525">
+                  <a14:hiddenLine xmlns="" xmlns:a14="http://schemas.microsoft.com/office/drawing/2010/main" w="9525">
                     <a:solidFill>
                       <a:srgbClr val="000000"/>
                     </a:solidFill>
@@ -9682,7 +9682,7 @@
               </a:ln>
               <a:extLst>
                 <a:ext uri="{91240B29-F687-4f45-9708-019B960494DF}">
-                  <a14:hiddenLine xmlns:a14="http://schemas.microsoft.com/office/drawing/2010/main" xmlns="" w="9525">
+                  <a14:hiddenLine xmlns="" xmlns:a14="http://schemas.microsoft.com/office/drawing/2010/main" w="9525">
                     <a:solidFill>
                       <a:srgbClr val="000000"/>
                     </a:solidFill>
@@ -9772,7 +9772,7 @@
               </a:ln>
               <a:extLst>
                 <a:ext uri="{91240B29-F687-4f45-9708-019B960494DF}">
-                  <a14:hiddenLine xmlns:a14="http://schemas.microsoft.com/office/drawing/2010/main" xmlns="" w="9525">
+                  <a14:hiddenLine xmlns="" xmlns:a14="http://schemas.microsoft.com/office/drawing/2010/main" w="9525">
                     <a:solidFill>
                       <a:srgbClr val="000000"/>
                     </a:solidFill>
@@ -9834,7 +9834,7 @@
               </a:ln>
               <a:extLst>
                 <a:ext uri="{91240B29-F687-4f45-9708-019B960494DF}">
-                  <a14:hiddenLine xmlns:a14="http://schemas.microsoft.com/office/drawing/2010/main" xmlns="" w="9525">
+                  <a14:hiddenLine xmlns="" xmlns:a14="http://schemas.microsoft.com/office/drawing/2010/main" w="9525">
                     <a:solidFill>
                       <a:srgbClr val="000000"/>
                     </a:solidFill>
@@ -9944,7 +9944,7 @@
               </a:ln>
               <a:extLst>
                 <a:ext uri="{91240B29-F687-4f45-9708-019B960494DF}">
-                  <a14:hiddenLine xmlns:a14="http://schemas.microsoft.com/office/drawing/2010/main" xmlns="" w="9525">
+                  <a14:hiddenLine xmlns="" xmlns:a14="http://schemas.microsoft.com/office/drawing/2010/main" w="9525">
                     <a:solidFill>
                       <a:srgbClr val="000000"/>
                     </a:solidFill>
@@ -10028,7 +10028,7 @@
               </a:ln>
               <a:extLst>
                 <a:ext uri="{91240B29-F687-4f45-9708-019B960494DF}">
-                  <a14:hiddenLine xmlns:a14="http://schemas.microsoft.com/office/drawing/2010/main" xmlns="" w="9525">
+                  <a14:hiddenLine xmlns="" xmlns:a14="http://schemas.microsoft.com/office/drawing/2010/main" w="9525">
                     <a:solidFill>
                       <a:srgbClr val="000000"/>
                     </a:solidFill>
@@ -10090,7 +10090,7 @@
               </a:ln>
               <a:extLst>
                 <a:ext uri="{91240B29-F687-4f45-9708-019B960494DF}">
-                  <a14:hiddenLine xmlns:a14="http://schemas.microsoft.com/office/drawing/2010/main" xmlns="" w="9525">
+                  <a14:hiddenLine xmlns="" xmlns:a14="http://schemas.microsoft.com/office/drawing/2010/main" w="9525">
                     <a:solidFill>
                       <a:srgbClr val="000000"/>
                     </a:solidFill>
@@ -10152,7 +10152,7 @@
               </a:ln>
               <a:extLst>
                 <a:ext uri="{91240B29-F687-4f45-9708-019B960494DF}">
-                  <a14:hiddenLine xmlns:a14="http://schemas.microsoft.com/office/drawing/2010/main" xmlns="" w="9525">
+                  <a14:hiddenLine xmlns="" xmlns:a14="http://schemas.microsoft.com/office/drawing/2010/main" w="9525">
                     <a:solidFill>
                       <a:srgbClr val="000000"/>
                     </a:solidFill>
@@ -10242,7 +10242,7 @@
               </a:ln>
               <a:extLst>
                 <a:ext uri="{91240B29-F687-4f45-9708-019B960494DF}">
-                  <a14:hiddenLine xmlns:a14="http://schemas.microsoft.com/office/drawing/2010/main" xmlns="" w="9525">
+                  <a14:hiddenLine xmlns="" xmlns:a14="http://schemas.microsoft.com/office/drawing/2010/main" w="9525">
                     <a:solidFill>
                       <a:srgbClr val="000000"/>
                     </a:solidFill>
@@ -10276,7 +10276,7 @@
               </a:ln>
               <a:extLst>
                 <a:ext uri="{91240B29-F687-4f45-9708-019B960494DF}">
-                  <a14:hiddenLine xmlns:a14="http://schemas.microsoft.com/office/drawing/2010/main" xmlns="" w="9525">
+                  <a14:hiddenLine xmlns="" xmlns:a14="http://schemas.microsoft.com/office/drawing/2010/main" w="9525">
                     <a:solidFill>
                       <a:srgbClr val="000000"/>
                     </a:solidFill>
@@ -10341,7 +10341,7 @@
               </a:ln>
               <a:extLst>
                 <a:ext uri="{91240B29-F687-4f45-9708-019B960494DF}">
-                  <a14:hiddenLine xmlns:a14="http://schemas.microsoft.com/office/drawing/2010/main" xmlns="" w="9525">
+                  <a14:hiddenLine xmlns="" xmlns:a14="http://schemas.microsoft.com/office/drawing/2010/main" w="9525">
                     <a:solidFill>
                       <a:srgbClr val="000000"/>
                     </a:solidFill>
@@ -10431,7 +10431,7 @@
               </a:ln>
               <a:extLst>
                 <a:ext uri="{91240B29-F687-4f45-9708-019B960494DF}">
-                  <a14:hiddenLine xmlns:a14="http://schemas.microsoft.com/office/drawing/2010/main" xmlns="" w="9525">
+                  <a14:hiddenLine xmlns="" xmlns:a14="http://schemas.microsoft.com/office/drawing/2010/main" w="9525">
                     <a:solidFill>
                       <a:srgbClr val="000000"/>
                     </a:solidFill>
@@ -10493,7 +10493,7 @@
               </a:ln>
               <a:extLst>
                 <a:ext uri="{91240B29-F687-4f45-9708-019B960494DF}">
-                  <a14:hiddenLine xmlns:a14="http://schemas.microsoft.com/office/drawing/2010/main" xmlns="" w="9525">
+                  <a14:hiddenLine xmlns="" xmlns:a14="http://schemas.microsoft.com/office/drawing/2010/main" w="9525">
                     <a:solidFill>
                       <a:srgbClr val="000000"/>
                     </a:solidFill>
@@ -10583,7 +10583,7 @@
               </a:ln>
               <a:extLst>
                 <a:ext uri="{91240B29-F687-4f45-9708-019B960494DF}">
-                  <a14:hiddenLine xmlns:a14="http://schemas.microsoft.com/office/drawing/2010/main" xmlns="" w="9525">
+                  <a14:hiddenLine xmlns="" xmlns:a14="http://schemas.microsoft.com/office/drawing/2010/main" w="9525">
                     <a:solidFill>
                       <a:srgbClr val="000000"/>
                     </a:solidFill>
@@ -10648,7 +10648,7 @@
               </a:ln>
               <a:extLst>
                 <a:ext uri="{91240B29-F687-4f45-9708-019B960494DF}">
-                  <a14:hiddenLine xmlns:a14="http://schemas.microsoft.com/office/drawing/2010/main" xmlns="" w="9525">
+                  <a14:hiddenLine xmlns="" xmlns:a14="http://schemas.microsoft.com/office/drawing/2010/main" w="9525">
                     <a:solidFill>
                       <a:srgbClr val="000000"/>
                     </a:solidFill>
@@ -10710,7 +10710,7 @@
               </a:ln>
               <a:extLst>
                 <a:ext uri="{91240B29-F687-4f45-9708-019B960494DF}">
-                  <a14:hiddenLine xmlns:a14="http://schemas.microsoft.com/office/drawing/2010/main" xmlns="" w="9525">
+                  <a14:hiddenLine xmlns="" xmlns:a14="http://schemas.microsoft.com/office/drawing/2010/main" w="9525">
                     <a:solidFill>
                       <a:srgbClr val="000000"/>
                     </a:solidFill>
@@ -10800,7 +10800,7 @@
               </a:ln>
               <a:extLst>
                 <a:ext uri="{91240B29-F687-4f45-9708-019B960494DF}">
-                  <a14:hiddenLine xmlns:a14="http://schemas.microsoft.com/office/drawing/2010/main" xmlns="" w="9525">
+                  <a14:hiddenLine xmlns="" xmlns:a14="http://schemas.microsoft.com/office/drawing/2010/main" w="9525">
                     <a:solidFill>
                       <a:srgbClr val="000000"/>
                     </a:solidFill>
@@ -10890,7 +10890,7 @@
               </a:ln>
               <a:extLst>
                 <a:ext uri="{91240B29-F687-4f45-9708-019B960494DF}">
-                  <a14:hiddenLine xmlns:a14="http://schemas.microsoft.com/office/drawing/2010/main" xmlns="" w="9525">
+                  <a14:hiddenLine xmlns="" xmlns:a14="http://schemas.microsoft.com/office/drawing/2010/main" w="9525">
                     <a:solidFill>
                       <a:srgbClr val="000000"/>
                     </a:solidFill>
@@ -10955,7 +10955,7 @@
               </a:ln>
               <a:extLst>
                 <a:ext uri="{91240B29-F687-4f45-9708-019B960494DF}">
-                  <a14:hiddenLine xmlns:a14="http://schemas.microsoft.com/office/drawing/2010/main" xmlns="" w="9525">
+                  <a14:hiddenLine xmlns="" xmlns:a14="http://schemas.microsoft.com/office/drawing/2010/main" w="9525">
                     <a:solidFill>
                       <a:srgbClr val="000000"/>
                     </a:solidFill>
@@ -11075,7 +11075,7 @@
               </a:ln>
               <a:extLst>
                 <a:ext uri="{91240B29-F687-4f45-9708-019B960494DF}">
-                  <a14:hiddenLine xmlns:a14="http://schemas.microsoft.com/office/drawing/2010/main" xmlns="" w="9525">
+                  <a14:hiddenLine xmlns="" xmlns:a14="http://schemas.microsoft.com/office/drawing/2010/main" w="9525">
                     <a:solidFill>
                       <a:srgbClr val="000000"/>
                     </a:solidFill>
@@ -11173,7 +11173,7 @@
               </a:ln>
               <a:extLst>
                 <a:ext uri="{91240B29-F687-4f45-9708-019B960494DF}">
-                  <a14:hiddenLine xmlns:a14="http://schemas.microsoft.com/office/drawing/2010/main" xmlns="" w="9525">
+                  <a14:hiddenLine xmlns="" xmlns:a14="http://schemas.microsoft.com/office/drawing/2010/main" w="9525">
                     <a:solidFill>
                       <a:srgbClr val="000000"/>
                     </a:solidFill>
@@ -11288,7 +11288,7 @@
               </a:ln>
               <a:extLst>
                 <a:ext uri="{91240B29-F687-4f45-9708-019B960494DF}">
-                  <a14:hiddenLine xmlns:a14="http://schemas.microsoft.com/office/drawing/2010/main" xmlns="" w="9525">
+                  <a14:hiddenLine xmlns="" xmlns:a14="http://schemas.microsoft.com/office/drawing/2010/main" w="9525">
                     <a:solidFill>
                       <a:srgbClr val="000000"/>
                     </a:solidFill>
@@ -11378,7 +11378,7 @@
               </a:ln>
               <a:extLst>
                 <a:ext uri="{91240B29-F687-4f45-9708-019B960494DF}">
-                  <a14:hiddenLine xmlns:a14="http://schemas.microsoft.com/office/drawing/2010/main" xmlns="" w="9525">
+                  <a14:hiddenLine xmlns="" xmlns:a14="http://schemas.microsoft.com/office/drawing/2010/main" w="9525">
                     <a:solidFill>
                       <a:srgbClr val="000000"/>
                     </a:solidFill>
@@ -11443,7 +11443,7 @@
               </a:ln>
               <a:extLst>
                 <a:ext uri="{91240B29-F687-4f45-9708-019B960494DF}">
-                  <a14:hiddenLine xmlns:a14="http://schemas.microsoft.com/office/drawing/2010/main" xmlns="" w="9525">
+                  <a14:hiddenLine xmlns="" xmlns:a14="http://schemas.microsoft.com/office/drawing/2010/main" w="9525">
                     <a:solidFill>
                       <a:srgbClr val="000000"/>
                     </a:solidFill>
@@ -11533,7 +11533,7 @@
               </a:ln>
               <a:extLst>
                 <a:ext uri="{91240B29-F687-4f45-9708-019B960494DF}">
-                  <a14:hiddenLine xmlns:a14="http://schemas.microsoft.com/office/drawing/2010/main" xmlns="" w="9525">
+                  <a14:hiddenLine xmlns="" xmlns:a14="http://schemas.microsoft.com/office/drawing/2010/main" w="9525">
                     <a:solidFill>
                       <a:srgbClr val="000000"/>
                     </a:solidFill>
@@ -11601,7 +11601,7 @@
               </a:ln>
               <a:extLst>
                 <a:ext uri="{91240B29-F687-4f45-9708-019B960494DF}">
-                  <a14:hiddenLine xmlns:a14="http://schemas.microsoft.com/office/drawing/2010/main" xmlns="" w="9525">
+                  <a14:hiddenLine xmlns="" xmlns:a14="http://schemas.microsoft.com/office/drawing/2010/main" w="9525">
                     <a:solidFill>
                       <a:srgbClr val="000000"/>
                     </a:solidFill>
@@ -11691,7 +11691,7 @@
               </a:ln>
               <a:extLst>
                 <a:ext uri="{91240B29-F687-4f45-9708-019B960494DF}">
-                  <a14:hiddenLine xmlns:a14="http://schemas.microsoft.com/office/drawing/2010/main" xmlns="" w="9525">
+                  <a14:hiddenLine xmlns="" xmlns:a14="http://schemas.microsoft.com/office/drawing/2010/main" w="9525">
                     <a:solidFill>
                       <a:srgbClr val="000000"/>
                     </a:solidFill>
@@ -11759,7 +11759,7 @@
               </a:ln>
               <a:extLst>
                 <a:ext uri="{91240B29-F687-4f45-9708-019B960494DF}">
-                  <a14:hiddenLine xmlns:a14="http://schemas.microsoft.com/office/drawing/2010/main" xmlns="" w="9525">
+                  <a14:hiddenLine xmlns="" xmlns:a14="http://schemas.microsoft.com/office/drawing/2010/main" w="9525">
                     <a:solidFill>
                       <a:srgbClr val="000000"/>
                     </a:solidFill>
@@ -11849,7 +11849,7 @@
               </a:ln>
               <a:extLst>
                 <a:ext uri="{91240B29-F687-4f45-9708-019B960494DF}">
-                  <a14:hiddenLine xmlns:a14="http://schemas.microsoft.com/office/drawing/2010/main" xmlns="" w="9525">
+                  <a14:hiddenLine xmlns="" xmlns:a14="http://schemas.microsoft.com/office/drawing/2010/main" w="9525">
                     <a:solidFill>
                       <a:srgbClr val="000000"/>
                     </a:solidFill>
@@ -11883,7 +11883,7 @@
               </a:ln>
               <a:extLst>
                 <a:ext uri="{91240B29-F687-4f45-9708-019B960494DF}">
-                  <a14:hiddenLine xmlns:a14="http://schemas.microsoft.com/office/drawing/2010/main" xmlns="" w="9525">
+                  <a14:hiddenLine xmlns="" xmlns:a14="http://schemas.microsoft.com/office/drawing/2010/main" w="9525">
                     <a:solidFill>
                       <a:srgbClr val="000000"/>
                     </a:solidFill>
@@ -12023,7 +12023,7 @@
           <a:p>
             <a:fld id="{F368A0E5-C8DF-46E7-BA4B-3611D1C8E144}" type="datetimeFigureOut">
               <a:rPr lang="en-US" smtClean="0"/>
-              <a:t>12/7/2016</a:t>
+              <a:t>12/8/2016</a:t>
             </a:fld>
             <a:endParaRPr lang="en-US"/>
           </a:p>
@@ -12443,62 +12443,133 @@
           <a:chExt cx="0" cy="0"/>
         </a:xfrm>
       </p:grpSpPr>
-      <p:sp>
-        <p:nvSpPr>
-          <p:cNvPr id="2" name="Title 1"/>
-          <p:cNvSpPr>
-            <a:spLocks noGrp="1"/>
-          </p:cNvSpPr>
+      <p:grpSp>
+        <p:nvGrpSpPr>
+          <p:cNvPr id="94" name="Group 67"/>
+          <p:cNvGrpSpPr>
+            <a:grpSpLocks noGrp="1" noUngrp="1" noRot="1" noChangeAspect="1" noMove="1" noResize="1"/>
+          </p:cNvGrpSpPr>
           <p:nvPr>
-            <p:ph type="ctrTitle"/>
+            <p:extLst>
+              <p:ext uri="{386F3935-93C4-4BCD-93E2-E3B085C9AB24}">
+                <p16:designElem xmlns:p16="http://schemas.microsoft.com/office/powerpoint/2015/main" val="1"/>
+              </p:ext>
+            </p:extLst>
           </p:nvPr>
-        </p:nvSpPr>
-        <p:spPr>
+        </p:nvGrpSpPr>
+        <p:grpSpPr>
           <a:xfrm>
-            <a:off x="2752532" y="82128"/>
-            <a:ext cx="9232540" cy="776288"/>
+            <a:off x="0" y="-1"/>
+            <a:ext cx="12192003" cy="6858001"/>
+            <a:chOff x="0" y="-1"/>
+            <a:chExt cx="12192003" cy="6858001"/>
           </a:xfrm>
-        </p:spPr>
-        <p:txBody>
-          <a:bodyPr>
-            <a:normAutofit/>
-          </a:bodyPr>
-          <a:lstStyle/>
-          <a:p>
-            <a:r>
-              <a:rPr lang="en-US" dirty="0"/>
-              <a:t>Database Final Presentation</a:t>
-            </a:r>
-          </a:p>
-        </p:txBody>
-      </p:sp>
-      <p:sp>
-        <p:nvSpPr>
-          <p:cNvPr id="3" name="Subtitle 2"/>
-          <p:cNvSpPr>
-            <a:spLocks noGrp="1"/>
-          </p:cNvSpPr>
-          <p:nvPr>
-            <p:ph type="subTitle" idx="1"/>
-          </p:nvPr>
-        </p:nvSpPr>
-        <p:spPr>
-          <a:xfrm>
-            <a:off x="6501467" y="6018067"/>
-            <a:ext cx="5483604" cy="558901"/>
-          </a:xfrm>
-        </p:spPr>
-        <p:txBody>
-          <a:bodyPr/>
-          <a:lstStyle/>
-          <a:p>
-            <a:r>
-              <a:rPr lang="en-US" dirty="0"/>
-              <a:t>Andrew, Alex, and Kathleen</a:t>
-            </a:r>
-          </a:p>
-        </p:txBody>
-      </p:sp>
+        </p:grpSpPr>
+        <p:sp useBgFill="1">
+          <p:nvSpPr>
+            <p:cNvPr id="69" name="Rectangle 68"/>
+            <p:cNvSpPr/>
+            <p:nvPr>
+              <p:extLst>
+                <p:ext uri="{386F3935-93C4-4BCD-93E2-E3B085C9AB24}">
+                  <p16:designElem xmlns:p16="http://schemas.microsoft.com/office/powerpoint/2015/main" val="1"/>
+                </p:ext>
+              </p:extLst>
+            </p:nvPr>
+          </p:nvSpPr>
+          <p:spPr>
+            <a:xfrm>
+              <a:off x="1" y="-1"/>
+              <a:ext cx="12192000" cy="6858000"/>
+            </a:xfrm>
+            <a:prstGeom prst="rect">
+              <a:avLst/>
+            </a:prstGeom>
+            <a:ln>
+              <a:noFill/>
+            </a:ln>
+          </p:spPr>
+          <p:style>
+            <a:lnRef idx="2">
+              <a:schemeClr val="accent1">
+                <a:shade val="50000"/>
+              </a:schemeClr>
+            </a:lnRef>
+            <a:fillRef idx="1">
+              <a:schemeClr val="accent1"/>
+            </a:fillRef>
+            <a:effectRef idx="0">
+              <a:schemeClr val="accent1"/>
+            </a:effectRef>
+            <a:fontRef idx="minor">
+              <a:schemeClr val="lt1"/>
+            </a:fontRef>
+          </p:style>
+          <p:txBody>
+            <a:bodyPr rtlCol="0" anchor="ctr"/>
+            <a:lstStyle/>
+            <a:p>
+              <a:pPr algn="ctr"/>
+              <a:endParaRPr lang="en-US"/>
+            </a:p>
+          </p:txBody>
+        </p:sp>
+        <p:pic>
+          <p:nvPicPr>
+            <p:cNvPr id="70" name="Picture 2"/>
+            <p:cNvPicPr>
+              <a:picLocks noChangeAspect="1" noChangeArrowheads="1"/>
+            </p:cNvPicPr>
+            <p:nvPr>
+              <p:extLst>
+                <p:ext uri="{386F3935-93C4-4BCD-93E2-E3B085C9AB24}">
+                  <p16:designElem xmlns:p16="http://schemas.microsoft.com/office/powerpoint/2015/main" val="1"/>
+                </p:ext>
+              </p:extLst>
+            </p:nvPr>
+          </p:nvPicPr>
+          <p:blipFill>
+            <a:blip r:embed="rId2">
+              <a:alphaModFix amt="30000"/>
+              <a:duotone>
+                <a:prstClr val="black"/>
+                <a:schemeClr val="tx2">
+                  <a:tint val="45000"/>
+                  <a:satMod val="400000"/>
+                </a:schemeClr>
+              </a:duotone>
+              <a:extLst>
+                <a:ext uri="{28A0092B-C50C-407E-A947-70E740481C1C}">
+                  <a14:useLocalDpi xmlns:a14="http://schemas.microsoft.com/office/drawing/2010/main" val="0"/>
+                </a:ext>
+              </a:extLst>
+            </a:blip>
+            <a:srcRect/>
+            <a:stretch>
+              <a:fillRect/>
+            </a:stretch>
+          </p:blipFill>
+          <p:spPr bwMode="auto">
+            <a:xfrm>
+              <a:off x="0" y="-1"/>
+              <a:ext cx="12192003" cy="6858001"/>
+            </a:xfrm>
+            <a:prstGeom prst="rect">
+              <a:avLst/>
+            </a:prstGeom>
+            <a:noFill/>
+            <a:extLst>
+              <a:ext uri="{909E8E84-426E-40dd-AFC4-6F175D3DCCD1}">
+                <a14:hiddenFill xmlns:a14="http://schemas.microsoft.com/office/drawing/2010/main" xmlns="">
+                  <a:solidFill>
+                    <a:srgbClr val="FFFFFF"/>
+                  </a:solidFill>
+                </a14:hiddenFill>
+              </a:ext>
+            </a:extLst>
+          </p:spPr>
+        </p:pic>
+      </p:grpSp>
       <p:pic>
         <p:nvPicPr>
           <p:cNvPr id="1026" name="Picture 2" descr="Image result for Google Datacenter"/>
@@ -12507,23 +12578,22 @@
           </p:cNvPicPr>
           <p:nvPr/>
         </p:nvPicPr>
-        <p:blipFill>
-          <a:blip r:embed="rId2" cstate="print">
+        <p:blipFill rotWithShape="1">
+          <a:blip r:embed="rId3" cstate="print">
+            <a:alphaModFix/>
             <a:extLst>
               <a:ext uri="{28A0092B-C50C-407E-A947-70E740481C1C}">
                 <a14:useLocalDpi xmlns:a14="http://schemas.microsoft.com/office/drawing/2010/main" val="0"/>
               </a:ext>
             </a:extLst>
           </a:blip>
-          <a:srcRect/>
-          <a:stretch>
-            <a:fillRect/>
-          </a:stretch>
+          <a:srcRect t="15705"/>
+          <a:stretch/>
         </p:blipFill>
         <p:spPr bwMode="auto">
           <a:xfrm>
-            <a:off x="2806134" y="1158370"/>
-            <a:ext cx="6838560" cy="4559743"/>
+            <a:off x="3611" y="10"/>
+            <a:ext cx="12188389" cy="6857990"/>
           </a:xfrm>
           <a:prstGeom prst="rect">
             <a:avLst/>
@@ -12540,6 +12610,1853 @@
           </a:extLst>
         </p:spPr>
       </p:pic>
+      <p:grpSp>
+        <p:nvGrpSpPr>
+          <p:cNvPr id="95" name="Group 70"/>
+          <p:cNvGrpSpPr>
+            <a:grpSpLocks noGrp="1" noUngrp="1" noRot="1" noChangeAspect="1" noMove="1" noResize="1"/>
+          </p:cNvGrpSpPr>
+          <p:nvPr>
+            <p:extLst>
+              <p:ext uri="{386F3935-93C4-4BCD-93E2-E3B085C9AB24}">
+                <p16:designElem xmlns:p16="http://schemas.microsoft.com/office/powerpoint/2015/main" val="1"/>
+              </p:ext>
+            </p:extLst>
+          </p:nvPr>
+        </p:nvGrpSpPr>
+        <p:grpSpPr>
+          <a:xfrm>
+            <a:off x="605895" y="2235200"/>
+            <a:ext cx="10982062" cy="2396067"/>
+            <a:chOff x="605895" y="2235200"/>
+            <a:chExt cx="10982062" cy="2396067"/>
+          </a:xfrm>
+        </p:grpSpPr>
+        <p:sp>
+          <p:nvSpPr>
+            <p:cNvPr id="72" name="Round Diagonal Corner Rectangle 7"/>
+            <p:cNvSpPr/>
+            <p:nvPr>
+              <p:extLst>
+                <p:ext uri="{386F3935-93C4-4BCD-93E2-E3B085C9AB24}">
+                  <p16:designElem xmlns:p16="http://schemas.microsoft.com/office/powerpoint/2015/main" val="1"/>
+                </p:ext>
+              </p:extLst>
+            </p:nvPr>
+          </p:nvSpPr>
+          <p:spPr>
+            <a:xfrm>
+              <a:off x="2582333" y="2235200"/>
+              <a:ext cx="7027334" cy="2396067"/>
+            </a:xfrm>
+            <a:prstGeom prst="round2DiagRect">
+              <a:avLst>
+                <a:gd name="adj1" fmla="val 9246"/>
+                <a:gd name="adj2" fmla="val 0"/>
+              </a:avLst>
+            </a:prstGeom>
+            <a:solidFill>
+              <a:schemeClr val="bg1">
+                <a:alpha val="80000"/>
+              </a:schemeClr>
+            </a:solidFill>
+            <a:ln w="19050" cap="sq">
+              <a:solidFill>
+                <a:schemeClr val="tx2">
+                  <a:alpha val="60000"/>
+                </a:schemeClr>
+              </a:solidFill>
+              <a:miter lim="800000"/>
+            </a:ln>
+            <a:effectLst>
+              <a:outerShdw blurRad="88900" dist="38100" dir="5400000" algn="t" rotWithShape="0">
+                <a:prstClr val="black">
+                  <a:alpha val="40000"/>
+                </a:prstClr>
+              </a:outerShdw>
+            </a:effectLst>
+          </p:spPr>
+          <p:style>
+            <a:lnRef idx="1">
+              <a:schemeClr val="accent1"/>
+            </a:lnRef>
+            <a:fillRef idx="3">
+              <a:schemeClr val="accent1"/>
+            </a:fillRef>
+            <a:effectRef idx="2">
+              <a:schemeClr val="accent1"/>
+            </a:effectRef>
+            <a:fontRef idx="minor">
+              <a:schemeClr val="lt1"/>
+            </a:fontRef>
+          </p:style>
+          <p:txBody>
+            <a:bodyPr rtlCol="0" anchor="ctr"/>
+            <a:lstStyle/>
+            <a:p>
+              <a:pPr algn="ctr"/>
+              <a:endParaRPr lang="en-US"/>
+            </a:p>
+          </p:txBody>
+        </p:sp>
+        <p:grpSp>
+          <p:nvGrpSpPr>
+            <p:cNvPr id="73" name="Group 72"/>
+            <p:cNvGrpSpPr/>
+            <p:nvPr>
+              <p:extLst>
+                <p:ext uri="{386F3935-93C4-4BCD-93E2-E3B085C9AB24}">
+                  <p16:designElem xmlns:p16="http://schemas.microsoft.com/office/powerpoint/2015/main" val="1"/>
+                </p:ext>
+              </p:extLst>
+            </p:nvPr>
+          </p:nvGrpSpPr>
+          <p:grpSpPr>
+            <a:xfrm>
+              <a:off x="605895" y="2900097"/>
+              <a:ext cx="10982062" cy="1211524"/>
+              <a:chOff x="605895" y="2900097"/>
+              <a:chExt cx="10982062" cy="1211524"/>
+            </a:xfrm>
+          </p:grpSpPr>
+          <p:sp>
+            <p:nvSpPr>
+              <p:cNvPr id="74" name="Freeform 32"/>
+              <p:cNvSpPr/>
+              <p:nvPr>
+                <p:extLst>
+                  <p:ext uri="{386F3935-93C4-4BCD-93E2-E3B085C9AB24}">
+                    <p16:designElem xmlns:p16="http://schemas.microsoft.com/office/powerpoint/2015/main" val="1"/>
+                  </p:ext>
+                </p:extLst>
+              </p:nvPr>
+            </p:nvSpPr>
+            <p:spPr bwMode="auto">
+              <a:xfrm rot="5400000" flipV="1">
+                <a:off x="9653587" y="3379784"/>
+                <a:ext cx="417513" cy="512763"/>
+              </a:xfrm>
+              <a:custGeom>
+                <a:avLst/>
+                <a:gdLst/>
+                <a:ahLst/>
+                <a:cxnLst/>
+                <a:rect l="0" t="0" r="r" b="b"/>
+                <a:pathLst>
+                  <a:path w="263" h="323">
+                    <a:moveTo>
+                      <a:pt x="12" y="323"/>
+                    </a:moveTo>
+                    <a:lnTo>
+                      <a:pt x="0" y="314"/>
+                    </a:lnTo>
+                    <a:lnTo>
+                      <a:pt x="203" y="108"/>
+                    </a:lnTo>
+                    <a:lnTo>
+                      <a:pt x="248" y="0"/>
+                    </a:lnTo>
+                    <a:lnTo>
+                      <a:pt x="263" y="6"/>
+                    </a:lnTo>
+                    <a:lnTo>
+                      <a:pt x="218" y="117"/>
+                    </a:lnTo>
+                    <a:lnTo>
+                      <a:pt x="218" y="117"/>
+                    </a:lnTo>
+                    <a:lnTo>
+                      <a:pt x="12" y="323"/>
+                    </a:lnTo>
+                    <a:close/>
+                  </a:path>
+                </a:pathLst>
+              </a:custGeom>
+              <a:solidFill>
+                <a:schemeClr val="tx2">
+                  <a:alpha val="60000"/>
+                </a:schemeClr>
+              </a:solidFill>
+              <a:ln>
+                <a:noFill/>
+              </a:ln>
+              <a:effectLst>
+                <a:outerShdw blurRad="50800" dist="38100" dir="2700000" algn="tl" rotWithShape="0">
+                  <a:srgbClr val="000000">
+                    <a:alpha val="58000"/>
+                  </a:srgbClr>
+                </a:outerShdw>
+              </a:effectLst>
+              <a:extLst/>
+            </p:spPr>
+          </p:sp>
+          <p:sp>
+            <p:nvSpPr>
+              <p:cNvPr id="75" name="Freeform 33"/>
+              <p:cNvSpPr>
+                <a:spLocks noEditPoints="1"/>
+              </p:cNvSpPr>
+              <p:nvPr>
+                <p:extLst>
+                  <p:ext uri="{386F3935-93C4-4BCD-93E2-E3B085C9AB24}">
+                    <p16:designElem xmlns:p16="http://schemas.microsoft.com/office/powerpoint/2015/main" val="1"/>
+                  </p:ext>
+                </p:extLst>
+              </p:nvPr>
+            </p:nvSpPr>
+            <p:spPr bwMode="auto">
+              <a:xfrm rot="5400000" flipV="1">
+                <a:off x="10078244" y="3310728"/>
+                <a:ext cx="157163" cy="152400"/>
+              </a:xfrm>
+              <a:custGeom>
+                <a:avLst/>
+                <a:gdLst/>
+                <a:ahLst/>
+                <a:cxnLst/>
+                <a:rect l="0" t="0" r="r" b="b"/>
+                <a:pathLst>
+                  <a:path w="33" h="32">
+                    <a:moveTo>
+                      <a:pt x="17" y="32"/>
+                    </a:moveTo>
+                    <a:cubicBezTo>
+                      <a:pt x="13" y="32"/>
+                      <a:pt x="9" y="30"/>
+                      <a:pt x="6" y="27"/>
+                    </a:cubicBezTo>
+                    <a:cubicBezTo>
+                      <a:pt x="0" y="21"/>
+                      <a:pt x="0" y="11"/>
+                      <a:pt x="6" y="5"/>
+                    </a:cubicBezTo>
+                    <a:cubicBezTo>
+                      <a:pt x="9" y="2"/>
+                      <a:pt x="13" y="0"/>
+                      <a:pt x="17" y="0"/>
+                    </a:cubicBezTo>
+                    <a:cubicBezTo>
+                      <a:pt x="21" y="0"/>
+                      <a:pt x="25" y="2"/>
+                      <a:pt x="28" y="5"/>
+                    </a:cubicBezTo>
+                    <a:cubicBezTo>
+                      <a:pt x="31" y="8"/>
+                      <a:pt x="33" y="12"/>
+                      <a:pt x="33" y="16"/>
+                    </a:cubicBezTo>
+                    <a:cubicBezTo>
+                      <a:pt x="33" y="20"/>
+                      <a:pt x="31" y="24"/>
+                      <a:pt x="28" y="27"/>
+                    </a:cubicBezTo>
+                    <a:cubicBezTo>
+                      <a:pt x="25" y="30"/>
+                      <a:pt x="21" y="32"/>
+                      <a:pt x="17" y="32"/>
+                    </a:cubicBezTo>
+                    <a:close/>
+                    <a:moveTo>
+                      <a:pt x="17" y="4"/>
+                    </a:moveTo>
+                    <a:cubicBezTo>
+                      <a:pt x="14" y="4"/>
+                      <a:pt x="11" y="6"/>
+                      <a:pt x="9" y="8"/>
+                    </a:cubicBezTo>
+                    <a:cubicBezTo>
+                      <a:pt x="4" y="12"/>
+                      <a:pt x="4" y="20"/>
+                      <a:pt x="9" y="24"/>
+                    </a:cubicBezTo>
+                    <a:cubicBezTo>
+                      <a:pt x="11" y="27"/>
+                      <a:pt x="14" y="28"/>
+                      <a:pt x="17" y="28"/>
+                    </a:cubicBezTo>
+                    <a:cubicBezTo>
+                      <a:pt x="20" y="28"/>
+                      <a:pt x="23" y="27"/>
+                      <a:pt x="26" y="24"/>
+                    </a:cubicBezTo>
+                    <a:cubicBezTo>
+                      <a:pt x="30" y="20"/>
+                      <a:pt x="30" y="12"/>
+                      <a:pt x="26" y="8"/>
+                    </a:cubicBezTo>
+                    <a:cubicBezTo>
+                      <a:pt x="23" y="6"/>
+                      <a:pt x="20" y="4"/>
+                      <a:pt x="17" y="4"/>
+                    </a:cubicBezTo>
+                    <a:close/>
+                  </a:path>
+                </a:pathLst>
+              </a:custGeom>
+              <a:solidFill>
+                <a:schemeClr val="tx2">
+                  <a:alpha val="60000"/>
+                </a:schemeClr>
+              </a:solidFill>
+              <a:ln>
+                <a:noFill/>
+              </a:ln>
+              <a:effectLst>
+                <a:outerShdw blurRad="50800" dist="38100" dir="2700000" algn="tl" rotWithShape="0">
+                  <a:srgbClr val="000000">
+                    <a:alpha val="58000"/>
+                  </a:srgbClr>
+                </a:outerShdw>
+              </a:effectLst>
+              <a:extLst/>
+            </p:spPr>
+          </p:sp>
+          <p:sp>
+            <p:nvSpPr>
+              <p:cNvPr id="76" name="Freeform 34"/>
+              <p:cNvSpPr>
+                <a:spLocks noEditPoints="1"/>
+              </p:cNvSpPr>
+              <p:nvPr>
+                <p:extLst>
+                  <p:ext uri="{386F3935-93C4-4BCD-93E2-E3B085C9AB24}">
+                    <p16:designElem xmlns:p16="http://schemas.microsoft.com/office/powerpoint/2015/main" val="1"/>
+                  </p:ext>
+                </p:extLst>
+              </p:nvPr>
+            </p:nvSpPr>
+            <p:spPr bwMode="auto">
+              <a:xfrm rot="5400000" flipV="1">
+                <a:off x="11146631" y="3574253"/>
+                <a:ext cx="188913" cy="190500"/>
+              </a:xfrm>
+              <a:custGeom>
+                <a:avLst/>
+                <a:gdLst/>
+                <a:ahLst/>
+                <a:cxnLst/>
+                <a:rect l="0" t="0" r="r" b="b"/>
+                <a:pathLst>
+                  <a:path w="40" h="40">
+                    <a:moveTo>
+                      <a:pt x="20" y="40"/>
+                    </a:moveTo>
+                    <a:cubicBezTo>
+                      <a:pt x="9" y="40"/>
+                      <a:pt x="0" y="31"/>
+                      <a:pt x="0" y="20"/>
+                    </a:cubicBezTo>
+                    <a:cubicBezTo>
+                      <a:pt x="0" y="9"/>
+                      <a:pt x="9" y="0"/>
+                      <a:pt x="20" y="0"/>
+                    </a:cubicBezTo>
+                    <a:cubicBezTo>
+                      <a:pt x="31" y="0"/>
+                      <a:pt x="40" y="9"/>
+                      <a:pt x="40" y="20"/>
+                    </a:cubicBezTo>
+                    <a:cubicBezTo>
+                      <a:pt x="40" y="31"/>
+                      <a:pt x="31" y="40"/>
+                      <a:pt x="20" y="40"/>
+                    </a:cubicBezTo>
+                    <a:close/>
+                    <a:moveTo>
+                      <a:pt x="20" y="4"/>
+                    </a:moveTo>
+                    <a:cubicBezTo>
+                      <a:pt x="11" y="4"/>
+                      <a:pt x="4" y="11"/>
+                      <a:pt x="4" y="20"/>
+                    </a:cubicBezTo>
+                    <a:cubicBezTo>
+                      <a:pt x="4" y="29"/>
+                      <a:pt x="11" y="36"/>
+                      <a:pt x="20" y="36"/>
+                    </a:cubicBezTo>
+                    <a:cubicBezTo>
+                      <a:pt x="29" y="36"/>
+                      <a:pt x="36" y="29"/>
+                      <a:pt x="36" y="20"/>
+                    </a:cubicBezTo>
+                    <a:cubicBezTo>
+                      <a:pt x="36" y="11"/>
+                      <a:pt x="29" y="4"/>
+                      <a:pt x="20" y="4"/>
+                    </a:cubicBezTo>
+                    <a:close/>
+                  </a:path>
+                </a:pathLst>
+              </a:custGeom>
+              <a:solidFill>
+                <a:schemeClr val="tx2">
+                  <a:alpha val="60000"/>
+                </a:schemeClr>
+              </a:solidFill>
+              <a:ln>
+                <a:noFill/>
+              </a:ln>
+              <a:effectLst>
+                <a:outerShdw blurRad="50800" dist="38100" dir="2700000" algn="tl" rotWithShape="0">
+                  <a:srgbClr val="000000">
+                    <a:alpha val="58000"/>
+                  </a:srgbClr>
+                </a:outerShdw>
+              </a:effectLst>
+              <a:extLst/>
+            </p:spPr>
+          </p:sp>
+          <p:sp>
+            <p:nvSpPr>
+              <p:cNvPr id="77" name="Freeform 37"/>
+              <p:cNvSpPr/>
+              <p:nvPr>
+                <p:extLst>
+                  <p:ext uri="{386F3935-93C4-4BCD-93E2-E3B085C9AB24}">
+                    <p16:designElem xmlns:p16="http://schemas.microsoft.com/office/powerpoint/2015/main" val="1"/>
+                  </p:ext>
+                </p:extLst>
+              </p:nvPr>
+            </p:nvSpPr>
+            <p:spPr bwMode="auto">
+              <a:xfrm rot="5400000" flipV="1">
+                <a:off x="10230644" y="3034502"/>
+                <a:ext cx="304800" cy="1544638"/>
+              </a:xfrm>
+              <a:custGeom>
+                <a:avLst/>
+                <a:gdLst/>
+                <a:ahLst/>
+                <a:cxnLst/>
+                <a:rect l="0" t="0" r="r" b="b"/>
+                <a:pathLst>
+                  <a:path w="192" h="973">
+                    <a:moveTo>
+                      <a:pt x="15" y="973"/>
+                    </a:moveTo>
+                    <a:lnTo>
+                      <a:pt x="0" y="973"/>
+                    </a:lnTo>
+                    <a:lnTo>
+                      <a:pt x="0" y="790"/>
+                    </a:lnTo>
+                    <a:lnTo>
+                      <a:pt x="174" y="614"/>
+                    </a:lnTo>
+                    <a:lnTo>
+                      <a:pt x="174" y="0"/>
+                    </a:lnTo>
+                    <a:lnTo>
+                      <a:pt x="192" y="0"/>
+                    </a:lnTo>
+                    <a:lnTo>
+                      <a:pt x="192" y="620"/>
+                    </a:lnTo>
+                    <a:lnTo>
+                      <a:pt x="15" y="796"/>
+                    </a:lnTo>
+                    <a:lnTo>
+                      <a:pt x="15" y="973"/>
+                    </a:lnTo>
+                    <a:close/>
+                  </a:path>
+                </a:pathLst>
+              </a:custGeom>
+              <a:solidFill>
+                <a:schemeClr val="tx2">
+                  <a:alpha val="60000"/>
+                </a:schemeClr>
+              </a:solidFill>
+              <a:ln>
+                <a:noFill/>
+              </a:ln>
+              <a:effectLst>
+                <a:outerShdw blurRad="50800" dist="38100" dir="2700000" algn="tl" rotWithShape="0">
+                  <a:srgbClr val="000000">
+                    <a:alpha val="58000"/>
+                  </a:srgbClr>
+                </a:outerShdw>
+              </a:effectLst>
+              <a:extLst/>
+            </p:spPr>
+          </p:sp>
+          <p:sp>
+            <p:nvSpPr>
+              <p:cNvPr id="78" name="Freeform 35"/>
+              <p:cNvSpPr/>
+              <p:nvPr>
+                <p:extLst>
+                  <p:ext uri="{386F3935-93C4-4BCD-93E2-E3B085C9AB24}">
+                    <p16:designElem xmlns:p16="http://schemas.microsoft.com/office/powerpoint/2015/main" val="1"/>
+                  </p:ext>
+                </p:extLst>
+              </p:nvPr>
+            </p:nvSpPr>
+            <p:spPr bwMode="auto">
+              <a:xfrm rot="5400000">
+                <a:off x="10034587" y="2562753"/>
+                <a:ext cx="298450" cy="1154113"/>
+              </a:xfrm>
+              <a:custGeom>
+                <a:avLst/>
+                <a:gdLst/>
+                <a:ahLst/>
+                <a:cxnLst/>
+                <a:rect l="0" t="0" r="r" b="b"/>
+                <a:pathLst>
+                  <a:path w="188" h="727">
+                    <a:moveTo>
+                      <a:pt x="15" y="727"/>
+                    </a:moveTo>
+                    <a:lnTo>
+                      <a:pt x="0" y="727"/>
+                    </a:lnTo>
+                    <a:lnTo>
+                      <a:pt x="0" y="407"/>
+                    </a:lnTo>
+                    <a:lnTo>
+                      <a:pt x="0" y="407"/>
+                    </a:lnTo>
+                    <a:lnTo>
+                      <a:pt x="176" y="0"/>
+                    </a:lnTo>
+                    <a:lnTo>
+                      <a:pt x="188" y="6"/>
+                    </a:lnTo>
+                    <a:lnTo>
+                      <a:pt x="15" y="410"/>
+                    </a:lnTo>
+                    <a:lnTo>
+                      <a:pt x="15" y="727"/>
+                    </a:lnTo>
+                    <a:close/>
+                  </a:path>
+                </a:pathLst>
+              </a:custGeom>
+              <a:solidFill>
+                <a:schemeClr val="tx2">
+                  <a:alpha val="60000"/>
+                </a:schemeClr>
+              </a:solidFill>
+              <a:ln>
+                <a:noFill/>
+              </a:ln>
+              <a:effectLst>
+                <a:outerShdw blurRad="50800" dist="38100" dir="2700000" algn="tl" rotWithShape="0">
+                  <a:srgbClr val="000000">
+                    <a:alpha val="58000"/>
+                  </a:srgbClr>
+                </a:outerShdw>
+              </a:effectLst>
+              <a:extLst/>
+            </p:spPr>
+          </p:sp>
+          <p:sp>
+            <p:nvSpPr>
+              <p:cNvPr id="79" name="Freeform 36"/>
+              <p:cNvSpPr>
+                <a:spLocks noEditPoints="1"/>
+              </p:cNvSpPr>
+              <p:nvPr>
+                <p:extLst>
+                  <p:ext uri="{386F3935-93C4-4BCD-93E2-E3B085C9AB24}">
+                    <p16:designElem xmlns:p16="http://schemas.microsoft.com/office/powerpoint/2015/main" val="1"/>
+                  </p:ext>
+                </p:extLst>
+              </p:nvPr>
+            </p:nvSpPr>
+            <p:spPr bwMode="auto">
+              <a:xfrm rot="5400000">
+                <a:off x="10747375" y="3232679"/>
+                <a:ext cx="157163" cy="155575"/>
+              </a:xfrm>
+              <a:custGeom>
+                <a:avLst/>
+                <a:gdLst/>
+                <a:ahLst/>
+                <a:cxnLst/>
+                <a:rect l="0" t="0" r="r" b="b"/>
+                <a:pathLst>
+                  <a:path w="33" h="33">
+                    <a:moveTo>
+                      <a:pt x="17" y="33"/>
+                    </a:moveTo>
+                    <a:cubicBezTo>
+                      <a:pt x="8" y="33"/>
+                      <a:pt x="0" y="25"/>
+                      <a:pt x="0" y="16"/>
+                    </a:cubicBezTo>
+                    <a:cubicBezTo>
+                      <a:pt x="0" y="7"/>
+                      <a:pt x="8" y="0"/>
+                      <a:pt x="17" y="0"/>
+                    </a:cubicBezTo>
+                    <a:cubicBezTo>
+                      <a:pt x="26" y="0"/>
+                      <a:pt x="33" y="7"/>
+                      <a:pt x="33" y="16"/>
+                    </a:cubicBezTo>
+                    <a:cubicBezTo>
+                      <a:pt x="33" y="25"/>
+                      <a:pt x="26" y="33"/>
+                      <a:pt x="17" y="33"/>
+                    </a:cubicBezTo>
+                    <a:close/>
+                    <a:moveTo>
+                      <a:pt x="17" y="4"/>
+                    </a:moveTo>
+                    <a:cubicBezTo>
+                      <a:pt x="10" y="4"/>
+                      <a:pt x="4" y="9"/>
+                      <a:pt x="4" y="16"/>
+                    </a:cubicBezTo>
+                    <a:cubicBezTo>
+                      <a:pt x="4" y="23"/>
+                      <a:pt x="10" y="29"/>
+                      <a:pt x="17" y="29"/>
+                    </a:cubicBezTo>
+                    <a:cubicBezTo>
+                      <a:pt x="23" y="29"/>
+                      <a:pt x="29" y="23"/>
+                      <a:pt x="29" y="16"/>
+                    </a:cubicBezTo>
+                    <a:cubicBezTo>
+                      <a:pt x="29" y="9"/>
+                      <a:pt x="23" y="4"/>
+                      <a:pt x="17" y="4"/>
+                    </a:cubicBezTo>
+                    <a:close/>
+                  </a:path>
+                </a:pathLst>
+              </a:custGeom>
+              <a:solidFill>
+                <a:schemeClr val="tx2">
+                  <a:alpha val="60000"/>
+                </a:schemeClr>
+              </a:solidFill>
+              <a:ln>
+                <a:noFill/>
+              </a:ln>
+              <a:effectLst>
+                <a:outerShdw blurRad="50800" dist="38100" dir="2700000" algn="tl" rotWithShape="0">
+                  <a:srgbClr val="000000">
+                    <a:alpha val="58000"/>
+                  </a:srgbClr>
+                </a:outerShdw>
+              </a:effectLst>
+              <a:extLst/>
+            </p:spPr>
+          </p:sp>
+          <p:sp>
+            <p:nvSpPr>
+              <p:cNvPr id="80" name="Freeform 38"/>
+              <p:cNvSpPr>
+                <a:spLocks noEditPoints="1"/>
+              </p:cNvSpPr>
+              <p:nvPr>
+                <p:extLst>
+                  <p:ext uri="{386F3935-93C4-4BCD-93E2-E3B085C9AB24}">
+                    <p16:designElem xmlns:p16="http://schemas.microsoft.com/office/powerpoint/2015/main" val="1"/>
+                  </p:ext>
+                </p:extLst>
+              </p:nvPr>
+            </p:nvSpPr>
+            <p:spPr bwMode="auto">
+              <a:xfrm rot="5400000">
+                <a:off x="11399044" y="3095360"/>
+                <a:ext cx="188913" cy="188913"/>
+              </a:xfrm>
+              <a:custGeom>
+                <a:avLst/>
+                <a:gdLst/>
+                <a:ahLst/>
+                <a:cxnLst/>
+                <a:rect l="0" t="0" r="r" b="b"/>
+                <a:pathLst>
+                  <a:path w="40" h="40">
+                    <a:moveTo>
+                      <a:pt x="20" y="40"/>
+                    </a:moveTo>
+                    <a:cubicBezTo>
+                      <a:pt x="9" y="40"/>
+                      <a:pt x="0" y="31"/>
+                      <a:pt x="0" y="20"/>
+                    </a:cubicBezTo>
+                    <a:cubicBezTo>
+                      <a:pt x="0" y="9"/>
+                      <a:pt x="9" y="0"/>
+                      <a:pt x="20" y="0"/>
+                    </a:cubicBezTo>
+                    <a:cubicBezTo>
+                      <a:pt x="31" y="0"/>
+                      <a:pt x="40" y="9"/>
+                      <a:pt x="40" y="20"/>
+                    </a:cubicBezTo>
+                    <a:cubicBezTo>
+                      <a:pt x="40" y="31"/>
+                      <a:pt x="31" y="40"/>
+                      <a:pt x="20" y="40"/>
+                    </a:cubicBezTo>
+                    <a:close/>
+                    <a:moveTo>
+                      <a:pt x="20" y="4"/>
+                    </a:moveTo>
+                    <a:cubicBezTo>
+                      <a:pt x="11" y="4"/>
+                      <a:pt x="4" y="11"/>
+                      <a:pt x="4" y="20"/>
+                    </a:cubicBezTo>
+                    <a:cubicBezTo>
+                      <a:pt x="4" y="29"/>
+                      <a:pt x="11" y="36"/>
+                      <a:pt x="20" y="36"/>
+                    </a:cubicBezTo>
+                    <a:cubicBezTo>
+                      <a:pt x="29" y="36"/>
+                      <a:pt x="36" y="29"/>
+                      <a:pt x="36" y="20"/>
+                    </a:cubicBezTo>
+                    <a:cubicBezTo>
+                      <a:pt x="36" y="11"/>
+                      <a:pt x="29" y="4"/>
+                      <a:pt x="20" y="4"/>
+                    </a:cubicBezTo>
+                    <a:close/>
+                  </a:path>
+                </a:pathLst>
+              </a:custGeom>
+              <a:solidFill>
+                <a:schemeClr val="tx2">
+                  <a:alpha val="60000"/>
+                </a:schemeClr>
+              </a:solidFill>
+              <a:ln>
+                <a:noFill/>
+              </a:ln>
+              <a:effectLst>
+                <a:outerShdw blurRad="50800" dist="38100" dir="2700000" algn="tl" rotWithShape="0">
+                  <a:srgbClr val="000000">
+                    <a:alpha val="58000"/>
+                  </a:srgbClr>
+                </a:outerShdw>
+              </a:effectLst>
+              <a:extLst/>
+            </p:spPr>
+          </p:sp>
+          <p:sp>
+            <p:nvSpPr>
+              <p:cNvPr id="81" name="Freeform 39"/>
+              <p:cNvSpPr/>
+              <p:nvPr>
+                <p:extLst>
+                  <p:ext uri="{386F3935-93C4-4BCD-93E2-E3B085C9AB24}">
+                    <p16:designElem xmlns:p16="http://schemas.microsoft.com/office/powerpoint/2015/main" val="1"/>
+                  </p:ext>
+                </p:extLst>
+              </p:nvPr>
+            </p:nvSpPr>
+            <p:spPr bwMode="auto">
+              <a:xfrm rot="5400000">
+                <a:off x="10353675" y="2153178"/>
+                <a:ext cx="307975" cy="1801813"/>
+              </a:xfrm>
+              <a:custGeom>
+                <a:avLst/>
+                <a:gdLst/>
+                <a:ahLst/>
+                <a:cxnLst/>
+                <a:rect l="0" t="0" r="r" b="b"/>
+                <a:pathLst>
+                  <a:path w="194" h="1135">
+                    <a:moveTo>
+                      <a:pt x="18" y="1135"/>
+                    </a:moveTo>
+                    <a:lnTo>
+                      <a:pt x="0" y="1135"/>
+                    </a:lnTo>
+                    <a:lnTo>
+                      <a:pt x="0" y="354"/>
+                    </a:lnTo>
+                    <a:lnTo>
+                      <a:pt x="176" y="177"/>
+                    </a:lnTo>
+                    <a:lnTo>
+                      <a:pt x="176" y="0"/>
+                    </a:lnTo>
+                    <a:lnTo>
+                      <a:pt x="194" y="0"/>
+                    </a:lnTo>
+                    <a:lnTo>
+                      <a:pt x="194" y="183"/>
+                    </a:lnTo>
+                    <a:lnTo>
+                      <a:pt x="18" y="360"/>
+                    </a:lnTo>
+                    <a:lnTo>
+                      <a:pt x="18" y="1135"/>
+                    </a:lnTo>
+                    <a:close/>
+                  </a:path>
+                </a:pathLst>
+              </a:custGeom>
+              <a:solidFill>
+                <a:schemeClr val="tx2">
+                  <a:alpha val="60000"/>
+                </a:schemeClr>
+              </a:solidFill>
+              <a:ln>
+                <a:noFill/>
+              </a:ln>
+              <a:effectLst>
+                <a:outerShdw blurRad="50800" dist="38100" dir="2700000" algn="tl" rotWithShape="0">
+                  <a:srgbClr val="000000">
+                    <a:alpha val="58000"/>
+                  </a:srgbClr>
+                </a:outerShdw>
+              </a:effectLst>
+              <a:extLst/>
+            </p:spPr>
+          </p:sp>
+          <p:sp>
+            <p:nvSpPr>
+              <p:cNvPr id="82" name="Freeform 40"/>
+              <p:cNvSpPr>
+                <a:spLocks noEditPoints="1"/>
+              </p:cNvSpPr>
+              <p:nvPr>
+                <p:extLst>
+                  <p:ext uri="{386F3935-93C4-4BCD-93E2-E3B085C9AB24}">
+                    <p16:designElem xmlns:p16="http://schemas.microsoft.com/office/powerpoint/2015/main" val="1"/>
+                  </p:ext>
+                </p:extLst>
+              </p:nvPr>
+            </p:nvSpPr>
+            <p:spPr bwMode="auto">
+              <a:xfrm rot="5400000">
+                <a:off x="9848850" y="3308878"/>
+                <a:ext cx="190500" cy="188913"/>
+              </a:xfrm>
+              <a:custGeom>
+                <a:avLst/>
+                <a:gdLst/>
+                <a:ahLst/>
+                <a:cxnLst/>
+                <a:rect l="0" t="0" r="r" b="b"/>
+                <a:pathLst>
+                  <a:path w="40" h="40">
+                    <a:moveTo>
+                      <a:pt x="20" y="40"/>
+                    </a:moveTo>
+                    <a:cubicBezTo>
+                      <a:pt x="9" y="40"/>
+                      <a:pt x="0" y="31"/>
+                      <a:pt x="0" y="20"/>
+                    </a:cubicBezTo>
+                    <a:cubicBezTo>
+                      <a:pt x="0" y="9"/>
+                      <a:pt x="9" y="0"/>
+                      <a:pt x="20" y="0"/>
+                    </a:cubicBezTo>
+                    <a:cubicBezTo>
+                      <a:pt x="31" y="0"/>
+                      <a:pt x="40" y="9"/>
+                      <a:pt x="40" y="20"/>
+                    </a:cubicBezTo>
+                    <a:cubicBezTo>
+                      <a:pt x="40" y="31"/>
+                      <a:pt x="31" y="40"/>
+                      <a:pt x="20" y="40"/>
+                    </a:cubicBezTo>
+                    <a:close/>
+                    <a:moveTo>
+                      <a:pt x="20" y="4"/>
+                    </a:moveTo>
+                    <a:cubicBezTo>
+                      <a:pt x="12" y="4"/>
+                      <a:pt x="4" y="11"/>
+                      <a:pt x="4" y="20"/>
+                    </a:cubicBezTo>
+                    <a:cubicBezTo>
+                      <a:pt x="4" y="29"/>
+                      <a:pt x="12" y="36"/>
+                      <a:pt x="20" y="36"/>
+                    </a:cubicBezTo>
+                    <a:cubicBezTo>
+                      <a:pt x="29" y="36"/>
+                      <a:pt x="36" y="29"/>
+                      <a:pt x="36" y="20"/>
+                    </a:cubicBezTo>
+                    <a:cubicBezTo>
+                      <a:pt x="36" y="11"/>
+                      <a:pt x="29" y="4"/>
+                      <a:pt x="20" y="4"/>
+                    </a:cubicBezTo>
+                    <a:close/>
+                  </a:path>
+                </a:pathLst>
+              </a:custGeom>
+              <a:solidFill>
+                <a:schemeClr val="tx2">
+                  <a:alpha val="60000"/>
+                </a:schemeClr>
+              </a:solidFill>
+              <a:ln>
+                <a:noFill/>
+              </a:ln>
+              <a:effectLst>
+                <a:outerShdw blurRad="50800" dist="38100" dir="2700000" algn="tl" rotWithShape="0">
+                  <a:srgbClr val="000000">
+                    <a:alpha val="58000"/>
+                  </a:srgbClr>
+                </a:outerShdw>
+              </a:effectLst>
+              <a:extLst/>
+            </p:spPr>
+          </p:sp>
+          <p:sp>
+            <p:nvSpPr>
+              <p:cNvPr id="83" name="Rectangle 41"/>
+              <p:cNvSpPr>
+                <a:spLocks noChangeArrowheads="1"/>
+              </p:cNvSpPr>
+              <p:nvPr>
+                <p:extLst>
+                  <p:ext uri="{386F3935-93C4-4BCD-93E2-E3B085C9AB24}">
+                    <p16:designElem xmlns:p16="http://schemas.microsoft.com/office/powerpoint/2015/main" val="1"/>
+                  </p:ext>
+                </p:extLst>
+              </p:nvPr>
+            </p:nvSpPr>
+            <p:spPr bwMode="auto">
+              <a:xfrm rot="5400000">
+                <a:off x="9721056" y="3284272"/>
+                <a:ext cx="23813" cy="252413"/>
+              </a:xfrm>
+              <a:prstGeom prst="rect">
+                <a:avLst/>
+              </a:prstGeom>
+              <a:solidFill>
+                <a:schemeClr val="tx2">
+                  <a:alpha val="60000"/>
+                </a:schemeClr>
+              </a:solidFill>
+              <a:ln>
+                <a:noFill/>
+              </a:ln>
+              <a:effectLst>
+                <a:outerShdw blurRad="50800" dist="38100" dir="2700000" algn="tl" rotWithShape="0">
+                  <a:srgbClr val="000000">
+                    <a:alpha val="58000"/>
+                  </a:srgbClr>
+                </a:outerShdw>
+              </a:effectLst>
+              <a:extLst/>
+            </p:spPr>
+          </p:sp>
+          <p:sp>
+            <p:nvSpPr>
+              <p:cNvPr id="84" name="Freeform 32"/>
+              <p:cNvSpPr/>
+              <p:nvPr>
+                <p:extLst>
+                  <p:ext uri="{386F3935-93C4-4BCD-93E2-E3B085C9AB24}">
+                    <p16:designElem xmlns:p16="http://schemas.microsoft.com/office/powerpoint/2015/main" val="1"/>
+                  </p:ext>
+                </p:extLst>
+              </p:nvPr>
+            </p:nvSpPr>
+            <p:spPr bwMode="auto">
+              <a:xfrm rot="16200000" flipH="1" flipV="1">
+                <a:off x="2122751" y="3532184"/>
+                <a:ext cx="417513" cy="512763"/>
+              </a:xfrm>
+              <a:custGeom>
+                <a:avLst/>
+                <a:gdLst/>
+                <a:ahLst/>
+                <a:cxnLst/>
+                <a:rect l="0" t="0" r="r" b="b"/>
+                <a:pathLst>
+                  <a:path w="263" h="323">
+                    <a:moveTo>
+                      <a:pt x="12" y="323"/>
+                    </a:moveTo>
+                    <a:lnTo>
+                      <a:pt x="0" y="314"/>
+                    </a:lnTo>
+                    <a:lnTo>
+                      <a:pt x="203" y="108"/>
+                    </a:lnTo>
+                    <a:lnTo>
+                      <a:pt x="248" y="0"/>
+                    </a:lnTo>
+                    <a:lnTo>
+                      <a:pt x="263" y="6"/>
+                    </a:lnTo>
+                    <a:lnTo>
+                      <a:pt x="218" y="117"/>
+                    </a:lnTo>
+                    <a:lnTo>
+                      <a:pt x="218" y="117"/>
+                    </a:lnTo>
+                    <a:lnTo>
+                      <a:pt x="12" y="323"/>
+                    </a:lnTo>
+                    <a:close/>
+                  </a:path>
+                </a:pathLst>
+              </a:custGeom>
+              <a:solidFill>
+                <a:schemeClr val="tx2">
+                  <a:alpha val="60000"/>
+                </a:schemeClr>
+              </a:solidFill>
+              <a:ln>
+                <a:noFill/>
+              </a:ln>
+              <a:effectLst>
+                <a:outerShdw blurRad="50800" dist="38100" dir="2700000" algn="tl" rotWithShape="0">
+                  <a:srgbClr val="000000">
+                    <a:alpha val="58000"/>
+                  </a:srgbClr>
+                </a:outerShdw>
+              </a:effectLst>
+              <a:extLst/>
+            </p:spPr>
+          </p:sp>
+          <p:sp>
+            <p:nvSpPr>
+              <p:cNvPr id="85" name="Freeform 33"/>
+              <p:cNvSpPr>
+                <a:spLocks noEditPoints="1"/>
+              </p:cNvSpPr>
+              <p:nvPr>
+                <p:extLst>
+                  <p:ext uri="{386F3935-93C4-4BCD-93E2-E3B085C9AB24}">
+                    <p16:designElem xmlns:p16="http://schemas.microsoft.com/office/powerpoint/2015/main" val="1"/>
+                  </p:ext>
+                </p:extLst>
+              </p:nvPr>
+            </p:nvSpPr>
+            <p:spPr bwMode="auto">
+              <a:xfrm rot="16200000" flipH="1" flipV="1">
+                <a:off x="1958445" y="3463128"/>
+                <a:ext cx="157163" cy="152400"/>
+              </a:xfrm>
+              <a:custGeom>
+                <a:avLst/>
+                <a:gdLst/>
+                <a:ahLst/>
+                <a:cxnLst/>
+                <a:rect l="0" t="0" r="r" b="b"/>
+                <a:pathLst>
+                  <a:path w="33" h="32">
+                    <a:moveTo>
+                      <a:pt x="17" y="32"/>
+                    </a:moveTo>
+                    <a:cubicBezTo>
+                      <a:pt x="13" y="32"/>
+                      <a:pt x="9" y="30"/>
+                      <a:pt x="6" y="27"/>
+                    </a:cubicBezTo>
+                    <a:cubicBezTo>
+                      <a:pt x="0" y="21"/>
+                      <a:pt x="0" y="11"/>
+                      <a:pt x="6" y="5"/>
+                    </a:cubicBezTo>
+                    <a:cubicBezTo>
+                      <a:pt x="9" y="2"/>
+                      <a:pt x="13" y="0"/>
+                      <a:pt x="17" y="0"/>
+                    </a:cubicBezTo>
+                    <a:cubicBezTo>
+                      <a:pt x="21" y="0"/>
+                      <a:pt x="25" y="2"/>
+                      <a:pt x="28" y="5"/>
+                    </a:cubicBezTo>
+                    <a:cubicBezTo>
+                      <a:pt x="31" y="8"/>
+                      <a:pt x="33" y="12"/>
+                      <a:pt x="33" y="16"/>
+                    </a:cubicBezTo>
+                    <a:cubicBezTo>
+                      <a:pt x="33" y="20"/>
+                      <a:pt x="31" y="24"/>
+                      <a:pt x="28" y="27"/>
+                    </a:cubicBezTo>
+                    <a:cubicBezTo>
+                      <a:pt x="25" y="30"/>
+                      <a:pt x="21" y="32"/>
+                      <a:pt x="17" y="32"/>
+                    </a:cubicBezTo>
+                    <a:close/>
+                    <a:moveTo>
+                      <a:pt x="17" y="4"/>
+                    </a:moveTo>
+                    <a:cubicBezTo>
+                      <a:pt x="14" y="4"/>
+                      <a:pt x="11" y="6"/>
+                      <a:pt x="9" y="8"/>
+                    </a:cubicBezTo>
+                    <a:cubicBezTo>
+                      <a:pt x="4" y="12"/>
+                      <a:pt x="4" y="20"/>
+                      <a:pt x="9" y="24"/>
+                    </a:cubicBezTo>
+                    <a:cubicBezTo>
+                      <a:pt x="11" y="27"/>
+                      <a:pt x="14" y="28"/>
+                      <a:pt x="17" y="28"/>
+                    </a:cubicBezTo>
+                    <a:cubicBezTo>
+                      <a:pt x="20" y="28"/>
+                      <a:pt x="23" y="27"/>
+                      <a:pt x="26" y="24"/>
+                    </a:cubicBezTo>
+                    <a:cubicBezTo>
+                      <a:pt x="30" y="20"/>
+                      <a:pt x="30" y="12"/>
+                      <a:pt x="26" y="8"/>
+                    </a:cubicBezTo>
+                    <a:cubicBezTo>
+                      <a:pt x="23" y="6"/>
+                      <a:pt x="20" y="4"/>
+                      <a:pt x="17" y="4"/>
+                    </a:cubicBezTo>
+                    <a:close/>
+                  </a:path>
+                </a:pathLst>
+              </a:custGeom>
+              <a:solidFill>
+                <a:schemeClr val="tx2">
+                  <a:alpha val="60000"/>
+                </a:schemeClr>
+              </a:solidFill>
+              <a:ln>
+                <a:noFill/>
+              </a:ln>
+              <a:effectLst>
+                <a:outerShdw blurRad="50800" dist="38100" dir="2700000" algn="tl" rotWithShape="0">
+                  <a:srgbClr val="000000">
+                    <a:alpha val="58000"/>
+                  </a:srgbClr>
+                </a:outerShdw>
+              </a:effectLst>
+              <a:extLst/>
+            </p:spPr>
+          </p:sp>
+          <p:sp>
+            <p:nvSpPr>
+              <p:cNvPr id="86" name="Freeform 34"/>
+              <p:cNvSpPr>
+                <a:spLocks noEditPoints="1"/>
+              </p:cNvSpPr>
+              <p:nvPr>
+                <p:extLst>
+                  <p:ext uri="{386F3935-93C4-4BCD-93E2-E3B085C9AB24}">
+                    <p16:designElem xmlns:p16="http://schemas.microsoft.com/office/powerpoint/2015/main" val="1"/>
+                  </p:ext>
+                </p:extLst>
+              </p:nvPr>
+            </p:nvSpPr>
+            <p:spPr bwMode="auto">
+              <a:xfrm rot="16200000" flipH="1" flipV="1">
+                <a:off x="858308" y="3726653"/>
+                <a:ext cx="188913" cy="190500"/>
+              </a:xfrm>
+              <a:custGeom>
+                <a:avLst/>
+                <a:gdLst/>
+                <a:ahLst/>
+                <a:cxnLst/>
+                <a:rect l="0" t="0" r="r" b="b"/>
+                <a:pathLst>
+                  <a:path w="40" h="40">
+                    <a:moveTo>
+                      <a:pt x="20" y="40"/>
+                    </a:moveTo>
+                    <a:cubicBezTo>
+                      <a:pt x="9" y="40"/>
+                      <a:pt x="0" y="31"/>
+                      <a:pt x="0" y="20"/>
+                    </a:cubicBezTo>
+                    <a:cubicBezTo>
+                      <a:pt x="0" y="9"/>
+                      <a:pt x="9" y="0"/>
+                      <a:pt x="20" y="0"/>
+                    </a:cubicBezTo>
+                    <a:cubicBezTo>
+                      <a:pt x="31" y="0"/>
+                      <a:pt x="40" y="9"/>
+                      <a:pt x="40" y="20"/>
+                    </a:cubicBezTo>
+                    <a:cubicBezTo>
+                      <a:pt x="40" y="31"/>
+                      <a:pt x="31" y="40"/>
+                      <a:pt x="20" y="40"/>
+                    </a:cubicBezTo>
+                    <a:close/>
+                    <a:moveTo>
+                      <a:pt x="20" y="4"/>
+                    </a:moveTo>
+                    <a:cubicBezTo>
+                      <a:pt x="11" y="4"/>
+                      <a:pt x="4" y="11"/>
+                      <a:pt x="4" y="20"/>
+                    </a:cubicBezTo>
+                    <a:cubicBezTo>
+                      <a:pt x="4" y="29"/>
+                      <a:pt x="11" y="36"/>
+                      <a:pt x="20" y="36"/>
+                    </a:cubicBezTo>
+                    <a:cubicBezTo>
+                      <a:pt x="29" y="36"/>
+                      <a:pt x="36" y="29"/>
+                      <a:pt x="36" y="20"/>
+                    </a:cubicBezTo>
+                    <a:cubicBezTo>
+                      <a:pt x="36" y="11"/>
+                      <a:pt x="29" y="4"/>
+                      <a:pt x="20" y="4"/>
+                    </a:cubicBezTo>
+                    <a:close/>
+                  </a:path>
+                </a:pathLst>
+              </a:custGeom>
+              <a:solidFill>
+                <a:schemeClr val="tx2">
+                  <a:alpha val="60000"/>
+                </a:schemeClr>
+              </a:solidFill>
+              <a:ln>
+                <a:noFill/>
+              </a:ln>
+              <a:effectLst>
+                <a:outerShdw blurRad="50800" dist="38100" dir="2700000" algn="tl" rotWithShape="0">
+                  <a:srgbClr val="000000">
+                    <a:alpha val="58000"/>
+                  </a:srgbClr>
+                </a:outerShdw>
+              </a:effectLst>
+              <a:extLst/>
+            </p:spPr>
+          </p:sp>
+          <p:sp>
+            <p:nvSpPr>
+              <p:cNvPr id="87" name="Freeform 37"/>
+              <p:cNvSpPr/>
+              <p:nvPr>
+                <p:extLst>
+                  <p:ext uri="{386F3935-93C4-4BCD-93E2-E3B085C9AB24}">
+                    <p16:designElem xmlns:p16="http://schemas.microsoft.com/office/powerpoint/2015/main" val="1"/>
+                  </p:ext>
+                </p:extLst>
+              </p:nvPr>
+            </p:nvSpPr>
+            <p:spPr bwMode="auto">
+              <a:xfrm rot="16200000" flipH="1" flipV="1">
+                <a:off x="1658407" y="3186902"/>
+                <a:ext cx="304800" cy="1544638"/>
+              </a:xfrm>
+              <a:custGeom>
+                <a:avLst/>
+                <a:gdLst/>
+                <a:ahLst/>
+                <a:cxnLst/>
+                <a:rect l="0" t="0" r="r" b="b"/>
+                <a:pathLst>
+                  <a:path w="192" h="973">
+                    <a:moveTo>
+                      <a:pt x="15" y="973"/>
+                    </a:moveTo>
+                    <a:lnTo>
+                      <a:pt x="0" y="973"/>
+                    </a:lnTo>
+                    <a:lnTo>
+                      <a:pt x="0" y="790"/>
+                    </a:lnTo>
+                    <a:lnTo>
+                      <a:pt x="174" y="614"/>
+                    </a:lnTo>
+                    <a:lnTo>
+                      <a:pt x="174" y="0"/>
+                    </a:lnTo>
+                    <a:lnTo>
+                      <a:pt x="192" y="0"/>
+                    </a:lnTo>
+                    <a:lnTo>
+                      <a:pt x="192" y="620"/>
+                    </a:lnTo>
+                    <a:lnTo>
+                      <a:pt x="15" y="796"/>
+                    </a:lnTo>
+                    <a:lnTo>
+                      <a:pt x="15" y="973"/>
+                    </a:lnTo>
+                    <a:close/>
+                  </a:path>
+                </a:pathLst>
+              </a:custGeom>
+              <a:solidFill>
+                <a:schemeClr val="tx2">
+                  <a:alpha val="60000"/>
+                </a:schemeClr>
+              </a:solidFill>
+              <a:ln>
+                <a:noFill/>
+              </a:ln>
+              <a:effectLst>
+                <a:outerShdw blurRad="50800" dist="38100" dir="2700000" algn="tl" rotWithShape="0">
+                  <a:srgbClr val="000000">
+                    <a:alpha val="58000"/>
+                  </a:srgbClr>
+                </a:outerShdw>
+              </a:effectLst>
+              <a:extLst/>
+            </p:spPr>
+          </p:sp>
+          <p:sp>
+            <p:nvSpPr>
+              <p:cNvPr id="88" name="Freeform 35"/>
+              <p:cNvSpPr/>
+              <p:nvPr>
+                <p:extLst>
+                  <p:ext uri="{386F3935-93C4-4BCD-93E2-E3B085C9AB24}">
+                    <p16:designElem xmlns:p16="http://schemas.microsoft.com/office/powerpoint/2015/main" val="1"/>
+                  </p:ext>
+                </p:extLst>
+              </p:nvPr>
+            </p:nvSpPr>
+            <p:spPr bwMode="auto">
+              <a:xfrm rot="16200000" flipH="1">
+                <a:off x="1860814" y="2715153"/>
+                <a:ext cx="298450" cy="1154113"/>
+              </a:xfrm>
+              <a:custGeom>
+                <a:avLst/>
+                <a:gdLst/>
+                <a:ahLst/>
+                <a:cxnLst/>
+                <a:rect l="0" t="0" r="r" b="b"/>
+                <a:pathLst>
+                  <a:path w="188" h="727">
+                    <a:moveTo>
+                      <a:pt x="15" y="727"/>
+                    </a:moveTo>
+                    <a:lnTo>
+                      <a:pt x="0" y="727"/>
+                    </a:lnTo>
+                    <a:lnTo>
+                      <a:pt x="0" y="407"/>
+                    </a:lnTo>
+                    <a:lnTo>
+                      <a:pt x="0" y="407"/>
+                    </a:lnTo>
+                    <a:lnTo>
+                      <a:pt x="176" y="0"/>
+                    </a:lnTo>
+                    <a:lnTo>
+                      <a:pt x="188" y="6"/>
+                    </a:lnTo>
+                    <a:lnTo>
+                      <a:pt x="15" y="410"/>
+                    </a:lnTo>
+                    <a:lnTo>
+                      <a:pt x="15" y="727"/>
+                    </a:lnTo>
+                    <a:close/>
+                  </a:path>
+                </a:pathLst>
+              </a:custGeom>
+              <a:solidFill>
+                <a:schemeClr val="tx2">
+                  <a:alpha val="60000"/>
+                </a:schemeClr>
+              </a:solidFill>
+              <a:ln>
+                <a:noFill/>
+              </a:ln>
+              <a:effectLst>
+                <a:outerShdw blurRad="50800" dist="38100" dir="2700000" algn="tl" rotWithShape="0">
+                  <a:srgbClr val="000000">
+                    <a:alpha val="58000"/>
+                  </a:srgbClr>
+                </a:outerShdw>
+              </a:effectLst>
+              <a:extLst/>
+            </p:spPr>
+          </p:sp>
+          <p:sp>
+            <p:nvSpPr>
+              <p:cNvPr id="89" name="Freeform 36"/>
+              <p:cNvSpPr>
+                <a:spLocks noEditPoints="1"/>
+              </p:cNvSpPr>
+              <p:nvPr>
+                <p:extLst>
+                  <p:ext uri="{386F3935-93C4-4BCD-93E2-E3B085C9AB24}">
+                    <p16:designElem xmlns:p16="http://schemas.microsoft.com/office/powerpoint/2015/main" val="1"/>
+                  </p:ext>
+                </p:extLst>
+              </p:nvPr>
+            </p:nvSpPr>
+            <p:spPr bwMode="auto">
+              <a:xfrm rot="16200000" flipH="1">
+                <a:off x="1289314" y="3385079"/>
+                <a:ext cx="157163" cy="155575"/>
+              </a:xfrm>
+              <a:custGeom>
+                <a:avLst/>
+                <a:gdLst/>
+                <a:ahLst/>
+                <a:cxnLst/>
+                <a:rect l="0" t="0" r="r" b="b"/>
+                <a:pathLst>
+                  <a:path w="33" h="33">
+                    <a:moveTo>
+                      <a:pt x="17" y="33"/>
+                    </a:moveTo>
+                    <a:cubicBezTo>
+                      <a:pt x="8" y="33"/>
+                      <a:pt x="0" y="25"/>
+                      <a:pt x="0" y="16"/>
+                    </a:cubicBezTo>
+                    <a:cubicBezTo>
+                      <a:pt x="0" y="7"/>
+                      <a:pt x="8" y="0"/>
+                      <a:pt x="17" y="0"/>
+                    </a:cubicBezTo>
+                    <a:cubicBezTo>
+                      <a:pt x="26" y="0"/>
+                      <a:pt x="33" y="7"/>
+                      <a:pt x="33" y="16"/>
+                    </a:cubicBezTo>
+                    <a:cubicBezTo>
+                      <a:pt x="33" y="25"/>
+                      <a:pt x="26" y="33"/>
+                      <a:pt x="17" y="33"/>
+                    </a:cubicBezTo>
+                    <a:close/>
+                    <a:moveTo>
+                      <a:pt x="17" y="4"/>
+                    </a:moveTo>
+                    <a:cubicBezTo>
+                      <a:pt x="10" y="4"/>
+                      <a:pt x="4" y="9"/>
+                      <a:pt x="4" y="16"/>
+                    </a:cubicBezTo>
+                    <a:cubicBezTo>
+                      <a:pt x="4" y="23"/>
+                      <a:pt x="10" y="29"/>
+                      <a:pt x="17" y="29"/>
+                    </a:cubicBezTo>
+                    <a:cubicBezTo>
+                      <a:pt x="23" y="29"/>
+                      <a:pt x="29" y="23"/>
+                      <a:pt x="29" y="16"/>
+                    </a:cubicBezTo>
+                    <a:cubicBezTo>
+                      <a:pt x="29" y="9"/>
+                      <a:pt x="23" y="4"/>
+                      <a:pt x="17" y="4"/>
+                    </a:cubicBezTo>
+                    <a:close/>
+                  </a:path>
+                </a:pathLst>
+              </a:custGeom>
+              <a:solidFill>
+                <a:schemeClr val="tx2">
+                  <a:alpha val="60000"/>
+                </a:schemeClr>
+              </a:solidFill>
+              <a:ln>
+                <a:noFill/>
+              </a:ln>
+              <a:effectLst>
+                <a:outerShdw blurRad="50800" dist="38100" dir="2700000" algn="tl" rotWithShape="0">
+                  <a:srgbClr val="000000">
+                    <a:alpha val="58000"/>
+                  </a:srgbClr>
+                </a:outerShdw>
+              </a:effectLst>
+              <a:extLst/>
+            </p:spPr>
+          </p:sp>
+          <p:sp>
+            <p:nvSpPr>
+              <p:cNvPr id="90" name="Freeform 38"/>
+              <p:cNvSpPr>
+                <a:spLocks noEditPoints="1"/>
+              </p:cNvSpPr>
+              <p:nvPr>
+                <p:extLst>
+                  <p:ext uri="{386F3935-93C4-4BCD-93E2-E3B085C9AB24}">
+                    <p16:designElem xmlns:p16="http://schemas.microsoft.com/office/powerpoint/2015/main" val="1"/>
+                  </p:ext>
+                </p:extLst>
+              </p:nvPr>
+            </p:nvSpPr>
+            <p:spPr bwMode="auto">
+              <a:xfrm rot="16200000" flipH="1">
+                <a:off x="605895" y="3247760"/>
+                <a:ext cx="188913" cy="188913"/>
+              </a:xfrm>
+              <a:custGeom>
+                <a:avLst/>
+                <a:gdLst/>
+                <a:ahLst/>
+                <a:cxnLst/>
+                <a:rect l="0" t="0" r="r" b="b"/>
+                <a:pathLst>
+                  <a:path w="40" h="40">
+                    <a:moveTo>
+                      <a:pt x="20" y="40"/>
+                    </a:moveTo>
+                    <a:cubicBezTo>
+                      <a:pt x="9" y="40"/>
+                      <a:pt x="0" y="31"/>
+                      <a:pt x="0" y="20"/>
+                    </a:cubicBezTo>
+                    <a:cubicBezTo>
+                      <a:pt x="0" y="9"/>
+                      <a:pt x="9" y="0"/>
+                      <a:pt x="20" y="0"/>
+                    </a:cubicBezTo>
+                    <a:cubicBezTo>
+                      <a:pt x="31" y="0"/>
+                      <a:pt x="40" y="9"/>
+                      <a:pt x="40" y="20"/>
+                    </a:cubicBezTo>
+                    <a:cubicBezTo>
+                      <a:pt x="40" y="31"/>
+                      <a:pt x="31" y="40"/>
+                      <a:pt x="20" y="40"/>
+                    </a:cubicBezTo>
+                    <a:close/>
+                    <a:moveTo>
+                      <a:pt x="20" y="4"/>
+                    </a:moveTo>
+                    <a:cubicBezTo>
+                      <a:pt x="11" y="4"/>
+                      <a:pt x="4" y="11"/>
+                      <a:pt x="4" y="20"/>
+                    </a:cubicBezTo>
+                    <a:cubicBezTo>
+                      <a:pt x="4" y="29"/>
+                      <a:pt x="11" y="36"/>
+                      <a:pt x="20" y="36"/>
+                    </a:cubicBezTo>
+                    <a:cubicBezTo>
+                      <a:pt x="29" y="36"/>
+                      <a:pt x="36" y="29"/>
+                      <a:pt x="36" y="20"/>
+                    </a:cubicBezTo>
+                    <a:cubicBezTo>
+                      <a:pt x="36" y="11"/>
+                      <a:pt x="29" y="4"/>
+                      <a:pt x="20" y="4"/>
+                    </a:cubicBezTo>
+                    <a:close/>
+                  </a:path>
+                </a:pathLst>
+              </a:custGeom>
+              <a:solidFill>
+                <a:schemeClr val="tx2">
+                  <a:alpha val="60000"/>
+                </a:schemeClr>
+              </a:solidFill>
+              <a:ln>
+                <a:noFill/>
+              </a:ln>
+              <a:effectLst>
+                <a:outerShdw blurRad="50800" dist="38100" dir="2700000" algn="tl" rotWithShape="0">
+                  <a:srgbClr val="000000">
+                    <a:alpha val="58000"/>
+                  </a:srgbClr>
+                </a:outerShdw>
+              </a:effectLst>
+              <a:extLst/>
+            </p:spPr>
+          </p:sp>
+          <p:sp>
+            <p:nvSpPr>
+              <p:cNvPr id="91" name="Freeform 39"/>
+              <p:cNvSpPr/>
+              <p:nvPr>
+                <p:extLst>
+                  <p:ext uri="{386F3935-93C4-4BCD-93E2-E3B085C9AB24}">
+                    <p16:designElem xmlns:p16="http://schemas.microsoft.com/office/powerpoint/2015/main" val="1"/>
+                  </p:ext>
+                </p:extLst>
+              </p:nvPr>
+            </p:nvSpPr>
+            <p:spPr bwMode="auto">
+              <a:xfrm rot="16200000" flipH="1">
+                <a:off x="1532202" y="2305578"/>
+                <a:ext cx="307975" cy="1801813"/>
+              </a:xfrm>
+              <a:custGeom>
+                <a:avLst/>
+                <a:gdLst/>
+                <a:ahLst/>
+                <a:cxnLst/>
+                <a:rect l="0" t="0" r="r" b="b"/>
+                <a:pathLst>
+                  <a:path w="194" h="1135">
+                    <a:moveTo>
+                      <a:pt x="18" y="1135"/>
+                    </a:moveTo>
+                    <a:lnTo>
+                      <a:pt x="0" y="1135"/>
+                    </a:lnTo>
+                    <a:lnTo>
+                      <a:pt x="0" y="354"/>
+                    </a:lnTo>
+                    <a:lnTo>
+                      <a:pt x="176" y="177"/>
+                    </a:lnTo>
+                    <a:lnTo>
+                      <a:pt x="176" y="0"/>
+                    </a:lnTo>
+                    <a:lnTo>
+                      <a:pt x="194" y="0"/>
+                    </a:lnTo>
+                    <a:lnTo>
+                      <a:pt x="194" y="183"/>
+                    </a:lnTo>
+                    <a:lnTo>
+                      <a:pt x="18" y="360"/>
+                    </a:lnTo>
+                    <a:lnTo>
+                      <a:pt x="18" y="1135"/>
+                    </a:lnTo>
+                    <a:close/>
+                  </a:path>
+                </a:pathLst>
+              </a:custGeom>
+              <a:solidFill>
+                <a:schemeClr val="tx2">
+                  <a:alpha val="60000"/>
+                </a:schemeClr>
+              </a:solidFill>
+              <a:ln>
+                <a:noFill/>
+              </a:ln>
+              <a:effectLst>
+                <a:outerShdw blurRad="50800" dist="38100" dir="2700000" algn="tl" rotWithShape="0">
+                  <a:srgbClr val="000000">
+                    <a:alpha val="58000"/>
+                  </a:srgbClr>
+                </a:outerShdw>
+              </a:effectLst>
+              <a:extLst/>
+            </p:spPr>
+          </p:sp>
+          <p:sp>
+            <p:nvSpPr>
+              <p:cNvPr id="92" name="Freeform 40"/>
+              <p:cNvSpPr>
+                <a:spLocks noEditPoints="1"/>
+              </p:cNvSpPr>
+              <p:nvPr>
+                <p:extLst>
+                  <p:ext uri="{386F3935-93C4-4BCD-93E2-E3B085C9AB24}">
+                    <p16:designElem xmlns:p16="http://schemas.microsoft.com/office/powerpoint/2015/main" val="1"/>
+                  </p:ext>
+                </p:extLst>
+              </p:nvPr>
+            </p:nvSpPr>
+            <p:spPr bwMode="auto">
+              <a:xfrm rot="16200000" flipH="1">
+                <a:off x="2154501" y="3461278"/>
+                <a:ext cx="190500" cy="188913"/>
+              </a:xfrm>
+              <a:custGeom>
+                <a:avLst/>
+                <a:gdLst/>
+                <a:ahLst/>
+                <a:cxnLst/>
+                <a:rect l="0" t="0" r="r" b="b"/>
+                <a:pathLst>
+                  <a:path w="40" h="40">
+                    <a:moveTo>
+                      <a:pt x="20" y="40"/>
+                    </a:moveTo>
+                    <a:cubicBezTo>
+                      <a:pt x="9" y="40"/>
+                      <a:pt x="0" y="31"/>
+                      <a:pt x="0" y="20"/>
+                    </a:cubicBezTo>
+                    <a:cubicBezTo>
+                      <a:pt x="0" y="9"/>
+                      <a:pt x="9" y="0"/>
+                      <a:pt x="20" y="0"/>
+                    </a:cubicBezTo>
+                    <a:cubicBezTo>
+                      <a:pt x="31" y="0"/>
+                      <a:pt x="40" y="9"/>
+                      <a:pt x="40" y="20"/>
+                    </a:cubicBezTo>
+                    <a:cubicBezTo>
+                      <a:pt x="40" y="31"/>
+                      <a:pt x="31" y="40"/>
+                      <a:pt x="20" y="40"/>
+                    </a:cubicBezTo>
+                    <a:close/>
+                    <a:moveTo>
+                      <a:pt x="20" y="4"/>
+                    </a:moveTo>
+                    <a:cubicBezTo>
+                      <a:pt x="12" y="4"/>
+                      <a:pt x="4" y="11"/>
+                      <a:pt x="4" y="20"/>
+                    </a:cubicBezTo>
+                    <a:cubicBezTo>
+                      <a:pt x="4" y="29"/>
+                      <a:pt x="12" y="36"/>
+                      <a:pt x="20" y="36"/>
+                    </a:cubicBezTo>
+                    <a:cubicBezTo>
+                      <a:pt x="29" y="36"/>
+                      <a:pt x="36" y="29"/>
+                      <a:pt x="36" y="20"/>
+                    </a:cubicBezTo>
+                    <a:cubicBezTo>
+                      <a:pt x="36" y="11"/>
+                      <a:pt x="29" y="4"/>
+                      <a:pt x="20" y="4"/>
+                    </a:cubicBezTo>
+                    <a:close/>
+                  </a:path>
+                </a:pathLst>
+              </a:custGeom>
+              <a:solidFill>
+                <a:schemeClr val="tx2">
+                  <a:alpha val="60000"/>
+                </a:schemeClr>
+              </a:solidFill>
+              <a:ln>
+                <a:noFill/>
+              </a:ln>
+              <a:effectLst>
+                <a:outerShdw blurRad="50800" dist="38100" dir="2700000" algn="tl" rotWithShape="0">
+                  <a:srgbClr val="000000">
+                    <a:alpha val="58000"/>
+                  </a:srgbClr>
+                </a:outerShdw>
+              </a:effectLst>
+              <a:extLst/>
+            </p:spPr>
+          </p:sp>
+          <p:sp>
+            <p:nvSpPr>
+              <p:cNvPr id="93" name="Rectangle 41"/>
+              <p:cNvSpPr>
+                <a:spLocks noChangeArrowheads="1"/>
+              </p:cNvSpPr>
+              <p:nvPr>
+                <p:extLst>
+                  <p:ext uri="{386F3935-93C4-4BCD-93E2-E3B085C9AB24}">
+                    <p16:designElem xmlns:p16="http://schemas.microsoft.com/office/powerpoint/2015/main" val="1"/>
+                  </p:ext>
+                </p:extLst>
+              </p:nvPr>
+            </p:nvSpPr>
+            <p:spPr bwMode="auto">
+              <a:xfrm rot="16200000" flipH="1">
+                <a:off x="2448983" y="3436672"/>
+                <a:ext cx="23813" cy="252413"/>
+              </a:xfrm>
+              <a:prstGeom prst="rect">
+                <a:avLst/>
+              </a:prstGeom>
+              <a:solidFill>
+                <a:schemeClr val="tx2">
+                  <a:alpha val="60000"/>
+                </a:schemeClr>
+              </a:solidFill>
+              <a:ln>
+                <a:noFill/>
+              </a:ln>
+              <a:effectLst>
+                <a:outerShdw blurRad="50800" dist="38100" dir="2700000" algn="tl" rotWithShape="0">
+                  <a:srgbClr val="000000">
+                    <a:alpha val="58000"/>
+                  </a:srgbClr>
+                </a:outerShdw>
+              </a:effectLst>
+              <a:extLst/>
+            </p:spPr>
+          </p:sp>
+        </p:grpSp>
+      </p:grpSp>
+      <p:sp>
+        <p:nvSpPr>
+          <p:cNvPr id="2" name="Title 1"/>
+          <p:cNvSpPr>
+            <a:spLocks noGrp="1"/>
+          </p:cNvSpPr>
+          <p:nvPr>
+            <p:ph type="ctrTitle"/>
+          </p:nvPr>
+        </p:nvSpPr>
+        <p:spPr>
+          <a:xfrm>
+            <a:off x="2667000" y="2328334"/>
+            <a:ext cx="6858000" cy="1367896"/>
+          </a:xfrm>
+        </p:spPr>
+        <p:txBody>
+          <a:bodyPr>
+            <a:normAutofit/>
+          </a:bodyPr>
+          <a:lstStyle/>
+          <a:p>
+            <a:pPr algn="ctr">
+              <a:lnSpc>
+                <a:spcPct val="80000"/>
+              </a:lnSpc>
+            </a:pPr>
+            <a:r>
+              <a:rPr lang="en-US" dirty="0"/>
+              <a:t>Database Final Presentation</a:t>
+            </a:r>
+            <a:endParaRPr lang="en-US"/>
+          </a:p>
+        </p:txBody>
+      </p:sp>
+      <p:sp>
+        <p:nvSpPr>
+          <p:cNvPr id="3" name="Subtitle 2"/>
+          <p:cNvSpPr>
+            <a:spLocks noGrp="1"/>
+          </p:cNvSpPr>
+          <p:nvPr>
+            <p:ph type="subTitle" idx="1"/>
+          </p:nvPr>
+        </p:nvSpPr>
+        <p:spPr>
+          <a:xfrm>
+            <a:off x="2667001" y="3602038"/>
+            <a:ext cx="6857999" cy="953029"/>
+          </a:xfrm>
+        </p:spPr>
+        <p:txBody>
+          <a:bodyPr>
+            <a:normAutofit/>
+          </a:bodyPr>
+          <a:lstStyle/>
+          <a:p>
+            <a:pPr algn="ctr"/>
+            <a:r>
+              <a:rPr lang="en-US" dirty="0"/>
+              <a:t>Andrew, Alex, and Kathleen</a:t>
+            </a:r>
+            <a:endParaRPr lang="en-US"/>
+          </a:p>
+        </p:txBody>
+      </p:sp>
     </p:spTree>
     <p:extLst>
       <p:ext uri="{BB962C8B-B14F-4D97-AF65-F5344CB8AC3E}">
@@ -12650,33 +14567,6 @@
           <a:chExt cx="0" cy="0"/>
         </a:xfrm>
       </p:grpSpPr>
-      <p:sp>
-        <p:nvSpPr>
-          <p:cNvPr id="2" name="Title 1"/>
-          <p:cNvSpPr>
-            <a:spLocks noGrp="1"/>
-          </p:cNvSpPr>
-          <p:nvPr>
-            <p:ph type="title"/>
-          </p:nvPr>
-        </p:nvSpPr>
-        <p:spPr>
-          <a:xfrm>
-            <a:off x="1333002" y="148255"/>
-            <a:ext cx="3866015" cy="1478570"/>
-          </a:xfrm>
-        </p:spPr>
-        <p:txBody>
-          <a:bodyPr/>
-          <a:lstStyle/>
-          <a:p>
-            <a:r>
-              <a:rPr lang="en-US" dirty="0"/>
-              <a:t>UML Diagram</a:t>
-            </a:r>
-          </a:p>
-        </p:txBody>
-      </p:sp>
       <p:pic>
         <p:nvPicPr>
           <p:cNvPr id="2050" name="Picture 2" descr="Movie Theater UML.png"/>
@@ -12685,7 +14575,7 @@
           </p:cNvPicPr>
           <p:nvPr/>
         </p:nvPicPr>
-        <p:blipFill>
+        <p:blipFill rotWithShape="1">
           <a:blip r:embed="rId2">
             <a:extLst>
               <a:ext uri="{28A0092B-C50C-407E-A947-70E740481C1C}">
@@ -12693,20 +14583,38 @@
               </a:ext>
             </a:extLst>
           </a:blip>
-          <a:srcRect/>
-          <a:stretch>
-            <a:fillRect/>
-          </a:stretch>
+          <a:srcRect l="1113" r="7873" b="-2"/>
+          <a:stretch/>
         </p:blipFill>
         <p:spPr bwMode="auto">
           <a:xfrm>
-            <a:off x="5199017" y="1306285"/>
-            <a:ext cx="8076613" cy="4922965"/>
+            <a:off x="1141412" y="2497720"/>
+            <a:ext cx="4662140" cy="3047892"/>
           </a:xfrm>
-          <a:prstGeom prst="rect">
-            <a:avLst/>
+          <a:prstGeom prst="round2DiagRect">
+            <a:avLst>
+              <a:gd name="adj1" fmla="val 4860"/>
+              <a:gd name="adj2" fmla="val 0"/>
+            </a:avLst>
           </a:prstGeom>
           <a:noFill/>
+          <a:ln w="19050" cap="sq">
+            <a:solidFill>
+              <a:schemeClr val="tx2">
+                <a:lumMod val="60000"/>
+                <a:lumOff val="40000"/>
+                <a:alpha val="60000"/>
+              </a:schemeClr>
+            </a:solidFill>
+            <a:miter lim="800000"/>
+          </a:ln>
+          <a:effectLst>
+            <a:outerShdw blurRad="88900" dist="38100" dir="5400000" algn="t" rotWithShape="0">
+              <a:prstClr val="black">
+                <a:alpha val="40000"/>
+              </a:prstClr>
+            </a:outerShdw>
+          </a:effectLst>
           <a:extLst>
             <a:ext uri="{909E8E84-426E-40DD-AFC4-6F175D3DCCD1}">
               <a14:hiddenFill xmlns:a14="http://schemas.microsoft.com/office/drawing/2010/main">
@@ -12720,39 +14628,95 @@
       </p:pic>
       <p:sp>
         <p:nvSpPr>
+          <p:cNvPr id="2" name="Title 1"/>
+          <p:cNvSpPr>
+            <a:spLocks noGrp="1"/>
+          </p:cNvSpPr>
+          <p:nvPr>
+            <p:ph type="title"/>
+          </p:nvPr>
+        </p:nvSpPr>
+        <p:spPr>
+          <a:xfrm>
+            <a:off x="1141413" y="618518"/>
+            <a:ext cx="9905998" cy="1478570"/>
+          </a:xfrm>
+        </p:spPr>
+        <p:txBody>
+          <a:bodyPr vert="horz" lIns="91440" tIns="45720" rIns="91440" bIns="45720" rtlCol="0" anchor="ctr">
+            <a:normAutofit/>
+          </a:bodyPr>
+          <a:lstStyle/>
+          <a:p>
+            <a:pPr algn="ctr"/>
+            <a:r>
+              <a:rPr lang="en-US" dirty="0"/>
+              <a:t>UML Diagram</a:t>
+            </a:r>
+            <a:endParaRPr lang="en-US"/>
+          </a:p>
+        </p:txBody>
+      </p:sp>
+      <p:sp>
+        <p:nvSpPr>
           <p:cNvPr id="4" name="TextBox 3"/>
           <p:cNvSpPr txBox="1"/>
           <p:nvPr/>
         </p:nvSpPr>
         <p:spPr>
           <a:xfrm>
-            <a:off x="1846217" y="1889760"/>
-            <a:ext cx="2812869" cy="2862322"/>
+            <a:off x="6204479" y="2249487"/>
+            <a:ext cx="4844521" cy="3541714"/>
           </a:xfrm>
           <a:prstGeom prst="rect">
             <a:avLst/>
           </a:prstGeom>
-          <a:noFill/>
         </p:spPr>
         <p:txBody>
-          <a:bodyPr wrap="square" rtlCol="0">
-            <a:spAutoFit/>
+          <a:bodyPr vert="horz" lIns="91440" tIns="45720" rIns="91440" bIns="45720" rtlCol="0" anchor="ctr">
+            <a:normAutofit/>
           </a:bodyPr>
           <a:lstStyle/>
           <a:p>
+            <a:pPr indent="-228600" defTabSz="914400">
+              <a:lnSpc>
+                <a:spcPct val="120000"/>
+              </a:lnSpc>
+              <a:buSzPct val="125000"/>
+              <a:buFont typeface="Arial" panose="020B0604020202020204" pitchFamily="34" charset="0"/>
+              <a:buChar char="•"/>
+            </a:pPr>
             <a:r>
               <a:rPr lang="en-US" dirty="0"/>
               <a:t>The Menu and Concessions schema were merged in our final database to reduce redundancy.</a:t>
             </a:r>
-          </a:p>
-          <a:p>
-            <a:endParaRPr lang="en-US" dirty="0"/>
-          </a:p>
-          <a:p>
+            <a:endParaRPr lang="en-US"/>
+          </a:p>
+          <a:p>
+            <a:pPr indent="-228600" defTabSz="914400">
+              <a:lnSpc>
+                <a:spcPct val="120000"/>
+              </a:lnSpc>
+              <a:buSzPct val="125000"/>
+              <a:buFont typeface="Arial" panose="020B0604020202020204" pitchFamily="34" charset="0"/>
+              <a:buChar char="•"/>
+            </a:pPr>
+            <a:endParaRPr lang="en-US"/>
+          </a:p>
+          <a:p>
+            <a:pPr indent="-228600" defTabSz="914400">
+              <a:lnSpc>
+                <a:spcPct val="120000"/>
+              </a:lnSpc>
+              <a:buSzPct val="125000"/>
+              <a:buFont typeface="Arial" panose="020B0604020202020204" pitchFamily="34" charset="0"/>
+              <a:buChar char="•"/>
+            </a:pPr>
             <a:r>
               <a:rPr lang="en-US" dirty="0"/>
               <a:t>Also The Calendar is part of the Schedule schema so that it made the database easier to access for dates and times.</a:t>
             </a:r>
+            <a:endParaRPr lang="en-US"/>
           </a:p>
         </p:txBody>
       </p:sp>
@@ -13169,7 +15133,12 @@
             <p:ph type="title"/>
           </p:nvPr>
         </p:nvSpPr>
-        <p:spPr/>
+        <p:spPr>
+          <a:xfrm>
+            <a:off x="1568795" y="160337"/>
+            <a:ext cx="4931396" cy="1068020"/>
+          </a:xfrm>
+        </p:spPr>
         <p:txBody>
           <a:bodyPr/>
           <a:lstStyle/>
@@ -13193,13 +15162,13 @@
         </p:nvSpPr>
         <p:spPr>
           <a:xfrm>
-            <a:off x="1141412" y="2249487"/>
-            <a:ext cx="9905999" cy="3776844"/>
+            <a:off x="1141412" y="1177787"/>
+            <a:ext cx="7416179" cy="5431735"/>
           </a:xfrm>
         </p:spPr>
         <p:txBody>
           <a:bodyPr>
-            <a:normAutofit fontScale="85000" lnSpcReduction="10000"/>
+            <a:normAutofit fontScale="92500"/>
           </a:bodyPr>
           <a:lstStyle/>
           <a:p>
@@ -13265,8 +15234,8 @@
         </p:blipFill>
         <p:spPr bwMode="auto">
           <a:xfrm>
-            <a:off x="6949439" y="539932"/>
-            <a:ext cx="3030583" cy="2272937"/>
+            <a:off x="8730756" y="572876"/>
+            <a:ext cx="2218774" cy="1664080"/>
           </a:xfrm>
           <a:prstGeom prst="rect">
             <a:avLst/>
@@ -13281,6 +15250,108 @@
               </a14:hiddenFill>
             </a:ext>
           </a:extLst>
+        </p:spPr>
+      </p:pic>
+      <p:sp>
+        <p:nvSpPr>
+          <p:cNvPr id="4" name="AutoShape 2" descr="Image result for internet explorer"/>
+          <p:cNvSpPr>
+            <a:spLocks noChangeAspect="1" noChangeArrowheads="1"/>
+          </p:cNvSpPr>
+          <p:nvPr/>
+        </p:nvSpPr>
+        <p:spPr bwMode="auto">
+          <a:xfrm>
+            <a:off x="155575" y="-144463"/>
+            <a:ext cx="304800" cy="304801"/>
+          </a:xfrm>
+          <a:prstGeom prst="rect">
+            <a:avLst/>
+          </a:prstGeom>
+          <a:noFill/>
+          <a:extLst>
+            <a:ext uri="{909E8E84-426E-40DD-AFC4-6F175D3DCCD1}">
+              <a14:hiddenFill xmlns:a14="http://schemas.microsoft.com/office/drawing/2010/main">
+                <a:solidFill>
+                  <a:srgbClr val="FFFFFF"/>
+                </a:solidFill>
+              </a14:hiddenFill>
+            </a:ext>
+          </a:extLst>
+        </p:spPr>
+        <p:txBody>
+          <a:bodyPr vert="horz" wrap="square" lIns="91440" tIns="45720" rIns="91440" bIns="45720" numCol="1" anchor="t" anchorCtr="0" compatLnSpc="1">
+            <a:prstTxWarp prst="textNoShape">
+              <a:avLst/>
+            </a:prstTxWarp>
+          </a:bodyPr>
+          <a:lstStyle/>
+          <a:p>
+            <a:endParaRPr lang="en-US"/>
+          </a:p>
+        </p:txBody>
+      </p:sp>
+      <p:sp>
+        <p:nvSpPr>
+          <p:cNvPr id="9" name="AutoShape 12" descr="Image result for internet explorer"/>
+          <p:cNvSpPr>
+            <a:spLocks noChangeAspect="1" noChangeArrowheads="1"/>
+          </p:cNvSpPr>
+          <p:nvPr/>
+        </p:nvSpPr>
+        <p:spPr bwMode="auto">
+          <a:xfrm>
+            <a:off x="307975" y="7937"/>
+            <a:ext cx="304800" cy="304801"/>
+          </a:xfrm>
+          <a:prstGeom prst="rect">
+            <a:avLst/>
+          </a:prstGeom>
+          <a:noFill/>
+          <a:extLst>
+            <a:ext uri="{909E8E84-426E-40DD-AFC4-6F175D3DCCD1}">
+              <a14:hiddenFill xmlns:a14="http://schemas.microsoft.com/office/drawing/2010/main">
+                <a:solidFill>
+                  <a:srgbClr val="FFFFFF"/>
+                </a:solidFill>
+              </a14:hiddenFill>
+            </a:ext>
+          </a:extLst>
+        </p:spPr>
+        <p:txBody>
+          <a:bodyPr vert="horz" wrap="square" lIns="91440" tIns="45720" rIns="91440" bIns="45720" numCol="1" anchor="t" anchorCtr="0" compatLnSpc="1">
+            <a:prstTxWarp prst="textNoShape">
+              <a:avLst/>
+            </a:prstTxWarp>
+          </a:bodyPr>
+          <a:lstStyle/>
+          <a:p>
+            <a:endParaRPr lang="en-US"/>
+          </a:p>
+        </p:txBody>
+      </p:sp>
+      <p:pic>
+        <p:nvPicPr>
+          <p:cNvPr id="13" name="Picture 12"/>
+          <p:cNvPicPr>
+            <a:picLocks noChangeAspect="1"/>
+          </p:cNvPicPr>
+          <p:nvPr/>
+        </p:nvPicPr>
+        <p:blipFill>
+          <a:blip r:embed="rId3"/>
+          <a:stretch>
+            <a:fillRect/>
+          </a:stretch>
+        </p:blipFill>
+        <p:spPr>
+          <a:xfrm>
+            <a:off x="8618604" y="4806905"/>
+            <a:ext cx="2443077" cy="1368123"/>
+          </a:xfrm>
+          <a:prstGeom prst="rect">
+            <a:avLst/>
+          </a:prstGeom>
         </p:spPr>
       </p:pic>
     </p:spTree>
@@ -13345,7 +15416,12 @@
             <p:ph type="body" idx="1"/>
           </p:nvPr>
         </p:nvSpPr>
-        <p:spPr/>
+        <p:spPr>
+          <a:xfrm>
+            <a:off x="1370019" y="2567469"/>
+            <a:ext cx="4649783" cy="657982"/>
+          </a:xfrm>
+        </p:spPr>
         <p:txBody>
           <a:bodyPr/>
           <a:lstStyle/>
@@ -13367,7 +15443,12 @@
             <p:ph sz="half" idx="2"/>
           </p:nvPr>
         </p:nvSpPr>
-        <p:spPr/>
+        <p:spPr>
+          <a:xfrm>
+            <a:off x="1141411" y="3308416"/>
+            <a:ext cx="4878391" cy="2717801"/>
+          </a:xfrm>
+        </p:spPr>
         <p:txBody>
           <a:bodyPr/>
           <a:lstStyle/>
@@ -13401,7 +15482,12 @@
             <p:ph type="body" sz="quarter" idx="3"/>
           </p:nvPr>
         </p:nvSpPr>
-        <p:spPr/>
+        <p:spPr>
+          <a:xfrm>
+            <a:off x="6248410" y="2484504"/>
+            <a:ext cx="4646602" cy="823912"/>
+          </a:xfrm>
+        </p:spPr>
         <p:txBody>
           <a:bodyPr/>
           <a:lstStyle/>
@@ -13423,7 +15509,12 @@
             <p:ph sz="quarter" idx="4"/>
           </p:nvPr>
         </p:nvSpPr>
-        <p:spPr/>
+        <p:spPr>
+          <a:xfrm>
+            <a:off x="6094411" y="3391450"/>
+            <a:ext cx="4875210" cy="2717801"/>
+          </a:xfrm>
+        </p:spPr>
         <p:txBody>
           <a:bodyPr/>
           <a:lstStyle/>
@@ -13470,7 +15561,7 @@
         </p:blipFill>
         <p:spPr bwMode="auto">
           <a:xfrm>
-            <a:off x="7707383" y="307907"/>
+            <a:off x="7816713" y="417718"/>
             <a:ext cx="2841715" cy="2100398"/>
           </a:xfrm>
           <a:prstGeom prst="rect">

--- a/Database Final Presentation.pptx
+++ b/Database Final Presentation.pptx
@@ -9,10 +9,12 @@
     <p:sldId id="257" r:id="rId3"/>
     <p:sldId id="262" r:id="rId4"/>
     <p:sldId id="263" r:id="rId5"/>
-    <p:sldId id="264" r:id="rId6"/>
-    <p:sldId id="258" r:id="rId7"/>
-    <p:sldId id="259" r:id="rId8"/>
-    <p:sldId id="261" r:id="rId9"/>
+    <p:sldId id="265" r:id="rId6"/>
+    <p:sldId id="264" r:id="rId7"/>
+    <p:sldId id="266" r:id="rId8"/>
+    <p:sldId id="258" r:id="rId9"/>
+    <p:sldId id="261" r:id="rId10"/>
+    <p:sldId id="259" r:id="rId11"/>
   </p:sldIdLst>
   <p:sldSz cx="12192000" cy="6858000"/>
   <p:notesSz cx="6858000" cy="9144000"/>
@@ -169,7 +171,7 @@
           <a:noFill/>
           <a:extLst>
             <a:ext uri="{909E8E84-426E-40dd-AFC4-6F175D3DCCD1}">
-              <a14:hiddenFill xmlns="" xmlns:a14="http://schemas.microsoft.com/office/drawing/2010/main">
+              <a14:hiddenFill xmlns:a14="http://schemas.microsoft.com/office/drawing/2010/main" xmlns="">
                 <a:solidFill>
                   <a:srgbClr val="FFFFFF"/>
                 </a:solidFill>
@@ -229,7 +231,7 @@
             </a:ln>
             <a:extLst>
               <a:ext uri="{91240B29-F687-4f45-9708-019B960494DF}">
-                <a14:hiddenLine xmlns="" xmlns:a14="http://schemas.microsoft.com/office/drawing/2010/main" w="9525">
+                <a14:hiddenLine xmlns:a14="http://schemas.microsoft.com/office/drawing/2010/main" xmlns="" w="9525">
                   <a:solidFill>
                     <a:srgbClr val="000000"/>
                   </a:solidFill>
@@ -319,7 +321,7 @@
             </a:ln>
             <a:extLst>
               <a:ext uri="{91240B29-F687-4f45-9708-019B960494DF}">
-                <a14:hiddenLine xmlns="" xmlns:a14="http://schemas.microsoft.com/office/drawing/2010/main" w="9525">
+                <a14:hiddenLine xmlns:a14="http://schemas.microsoft.com/office/drawing/2010/main" xmlns="" w="9525">
                   <a:solidFill>
                     <a:srgbClr val="000000"/>
                   </a:solidFill>
@@ -409,7 +411,7 @@
             </a:ln>
             <a:extLst>
               <a:ext uri="{91240B29-F687-4f45-9708-019B960494DF}">
-                <a14:hiddenLine xmlns="" xmlns:a14="http://schemas.microsoft.com/office/drawing/2010/main" w="9525">
+                <a14:hiddenLine xmlns:a14="http://schemas.microsoft.com/office/drawing/2010/main" xmlns="" w="9525">
                   <a:solidFill>
                     <a:srgbClr val="000000"/>
                   </a:solidFill>
@@ -443,7 +445,7 @@
             </a:ln>
             <a:extLst>
               <a:ext uri="{91240B29-F687-4f45-9708-019B960494DF}">
-                <a14:hiddenLine xmlns="" xmlns:a14="http://schemas.microsoft.com/office/drawing/2010/main" w="9525">
+                <a14:hiddenLine xmlns:a14="http://schemas.microsoft.com/office/drawing/2010/main" xmlns="" w="9525">
                   <a:solidFill>
                     <a:srgbClr val="000000"/>
                   </a:solidFill>
@@ -533,7 +535,7 @@
             </a:ln>
             <a:extLst>
               <a:ext uri="{91240B29-F687-4f45-9708-019B960494DF}">
-                <a14:hiddenLine xmlns="" xmlns:a14="http://schemas.microsoft.com/office/drawing/2010/main" w="9525">
+                <a14:hiddenLine xmlns:a14="http://schemas.microsoft.com/office/drawing/2010/main" xmlns="" w="9525">
                   <a:solidFill>
                     <a:srgbClr val="000000"/>
                   </a:solidFill>
@@ -595,7 +597,7 @@
             </a:ln>
             <a:extLst>
               <a:ext uri="{91240B29-F687-4f45-9708-019B960494DF}">
-                <a14:hiddenLine xmlns="" xmlns:a14="http://schemas.microsoft.com/office/drawing/2010/main" w="9525">
+                <a14:hiddenLine xmlns:a14="http://schemas.microsoft.com/office/drawing/2010/main" xmlns="" w="9525">
                   <a:solidFill>
                     <a:srgbClr val="000000"/>
                   </a:solidFill>
@@ -657,7 +659,7 @@
             </a:ln>
             <a:extLst>
               <a:ext uri="{91240B29-F687-4f45-9708-019B960494DF}">
-                <a14:hiddenLine xmlns="" xmlns:a14="http://schemas.microsoft.com/office/drawing/2010/main" w="9525">
+                <a14:hiddenLine xmlns:a14="http://schemas.microsoft.com/office/drawing/2010/main" xmlns="" w="9525">
                   <a:solidFill>
                     <a:srgbClr val="000000"/>
                   </a:solidFill>
@@ -747,7 +749,7 @@
             </a:ln>
             <a:extLst>
               <a:ext uri="{91240B29-F687-4f45-9708-019B960494DF}">
-                <a14:hiddenLine xmlns="" xmlns:a14="http://schemas.microsoft.com/office/drawing/2010/main" w="9525">
+                <a14:hiddenLine xmlns:a14="http://schemas.microsoft.com/office/drawing/2010/main" xmlns="" w="9525">
                   <a:solidFill>
                     <a:srgbClr val="000000"/>
                   </a:solidFill>
@@ -809,7 +811,7 @@
             </a:ln>
             <a:extLst>
               <a:ext uri="{91240B29-F687-4f45-9708-019B960494DF}">
-                <a14:hiddenLine xmlns="" xmlns:a14="http://schemas.microsoft.com/office/drawing/2010/main" w="9525">
+                <a14:hiddenLine xmlns:a14="http://schemas.microsoft.com/office/drawing/2010/main" xmlns="" w="9525">
                   <a:solidFill>
                     <a:srgbClr val="000000"/>
                   </a:solidFill>
@@ -871,7 +873,7 @@
             </a:ln>
             <a:extLst>
               <a:ext uri="{91240B29-F687-4f45-9708-019B960494DF}">
-                <a14:hiddenLine xmlns="" xmlns:a14="http://schemas.microsoft.com/office/drawing/2010/main" w="9525">
+                <a14:hiddenLine xmlns:a14="http://schemas.microsoft.com/office/drawing/2010/main" xmlns="" w="9525">
                   <a:solidFill>
                     <a:srgbClr val="000000"/>
                   </a:solidFill>
@@ -961,7 +963,7 @@
             </a:ln>
             <a:extLst>
               <a:ext uri="{91240B29-F687-4f45-9708-019B960494DF}">
-                <a14:hiddenLine xmlns="" xmlns:a14="http://schemas.microsoft.com/office/drawing/2010/main" w="9525">
+                <a14:hiddenLine xmlns:a14="http://schemas.microsoft.com/office/drawing/2010/main" xmlns="" w="9525">
                   <a:solidFill>
                     <a:srgbClr val="000000"/>
                   </a:solidFill>
@@ -1051,7 +1053,7 @@
             </a:ln>
             <a:extLst>
               <a:ext uri="{91240B29-F687-4f45-9708-019B960494DF}">
-                <a14:hiddenLine xmlns="" xmlns:a14="http://schemas.microsoft.com/office/drawing/2010/main" w="9525">
+                <a14:hiddenLine xmlns:a14="http://schemas.microsoft.com/office/drawing/2010/main" xmlns="" w="9525">
                   <a:solidFill>
                     <a:srgbClr val="000000"/>
                   </a:solidFill>
@@ -1113,7 +1115,7 @@
             </a:ln>
             <a:extLst>
               <a:ext uri="{91240B29-F687-4f45-9708-019B960494DF}">
-                <a14:hiddenLine xmlns="" xmlns:a14="http://schemas.microsoft.com/office/drawing/2010/main" w="9525">
+                <a14:hiddenLine xmlns:a14="http://schemas.microsoft.com/office/drawing/2010/main" xmlns="" w="9525">
                   <a:solidFill>
                     <a:srgbClr val="000000"/>
                   </a:solidFill>
@@ -1223,7 +1225,7 @@
             </a:ln>
             <a:extLst>
               <a:ext uri="{91240B29-F687-4f45-9708-019B960494DF}">
-                <a14:hiddenLine xmlns="" xmlns:a14="http://schemas.microsoft.com/office/drawing/2010/main" w="9525">
+                <a14:hiddenLine xmlns:a14="http://schemas.microsoft.com/office/drawing/2010/main" xmlns="" w="9525">
                   <a:solidFill>
                     <a:srgbClr val="000000"/>
                   </a:solidFill>
@@ -1285,7 +1287,7 @@
             </a:ln>
             <a:extLst>
               <a:ext uri="{91240B29-F687-4f45-9708-019B960494DF}">
-                <a14:hiddenLine xmlns="" xmlns:a14="http://schemas.microsoft.com/office/drawing/2010/main" w="9525">
+                <a14:hiddenLine xmlns:a14="http://schemas.microsoft.com/office/drawing/2010/main" xmlns="" w="9525">
                   <a:solidFill>
                     <a:srgbClr val="000000"/>
                   </a:solidFill>
@@ -1375,7 +1377,7 @@
             </a:ln>
             <a:extLst>
               <a:ext uri="{91240B29-F687-4f45-9708-019B960494DF}">
-                <a14:hiddenLine xmlns="" xmlns:a14="http://schemas.microsoft.com/office/drawing/2010/main" w="9525">
+                <a14:hiddenLine xmlns:a14="http://schemas.microsoft.com/office/drawing/2010/main" xmlns="" w="9525">
                   <a:solidFill>
                     <a:srgbClr val="000000"/>
                   </a:solidFill>
@@ -1465,7 +1467,7 @@
             </a:ln>
             <a:extLst>
               <a:ext uri="{91240B29-F687-4f45-9708-019B960494DF}">
-                <a14:hiddenLine xmlns="" xmlns:a14="http://schemas.microsoft.com/office/drawing/2010/main" w="9525">
+                <a14:hiddenLine xmlns:a14="http://schemas.microsoft.com/office/drawing/2010/main" xmlns="" w="9525">
                   <a:solidFill>
                     <a:srgbClr val="000000"/>
                   </a:solidFill>
@@ -1527,7 +1529,7 @@
             </a:ln>
             <a:extLst>
               <a:ext uri="{91240B29-F687-4f45-9708-019B960494DF}">
-                <a14:hiddenLine xmlns="" xmlns:a14="http://schemas.microsoft.com/office/drawing/2010/main" w="9525">
+                <a14:hiddenLine xmlns:a14="http://schemas.microsoft.com/office/drawing/2010/main" xmlns="" w="9525">
                   <a:solidFill>
                     <a:srgbClr val="000000"/>
                   </a:solidFill>
@@ -1617,7 +1619,7 @@
             </a:ln>
             <a:extLst>
               <a:ext uri="{91240B29-F687-4f45-9708-019B960494DF}">
-                <a14:hiddenLine xmlns="" xmlns:a14="http://schemas.microsoft.com/office/drawing/2010/main" w="9525">
+                <a14:hiddenLine xmlns:a14="http://schemas.microsoft.com/office/drawing/2010/main" xmlns="" w="9525">
                   <a:solidFill>
                     <a:srgbClr val="000000"/>
                   </a:solidFill>
@@ -1707,7 +1709,7 @@
             </a:ln>
             <a:extLst>
               <a:ext uri="{91240B29-F687-4f45-9708-019B960494DF}">
-                <a14:hiddenLine xmlns="" xmlns:a14="http://schemas.microsoft.com/office/drawing/2010/main" w="9525">
+                <a14:hiddenLine xmlns:a14="http://schemas.microsoft.com/office/drawing/2010/main" xmlns="" w="9525">
                   <a:solidFill>
                     <a:srgbClr val="000000"/>
                   </a:solidFill>
@@ -1763,7 +1765,7 @@
             </a:ln>
             <a:extLst>
               <a:ext uri="{91240B29-F687-4f45-9708-019B960494DF}">
-                <a14:hiddenLine xmlns="" xmlns:a14="http://schemas.microsoft.com/office/drawing/2010/main" w="9525">
+                <a14:hiddenLine xmlns:a14="http://schemas.microsoft.com/office/drawing/2010/main" xmlns="" w="9525">
                   <a:solidFill>
                     <a:srgbClr val="000000"/>
                   </a:solidFill>
@@ -1853,7 +1855,7 @@
             </a:ln>
             <a:extLst>
               <a:ext uri="{91240B29-F687-4f45-9708-019B960494DF}">
-                <a14:hiddenLine xmlns="" xmlns:a14="http://schemas.microsoft.com/office/drawing/2010/main" w="9525">
+                <a14:hiddenLine xmlns:a14="http://schemas.microsoft.com/office/drawing/2010/main" xmlns="" w="9525">
                   <a:solidFill>
                     <a:srgbClr val="000000"/>
                   </a:solidFill>
@@ -1909,7 +1911,7 @@
             </a:ln>
             <a:extLst>
               <a:ext uri="{91240B29-F687-4f45-9708-019B960494DF}">
-                <a14:hiddenLine xmlns="" xmlns:a14="http://schemas.microsoft.com/office/drawing/2010/main" w="9525">
+                <a14:hiddenLine xmlns:a14="http://schemas.microsoft.com/office/drawing/2010/main" xmlns="" w="9525">
                   <a:solidFill>
                     <a:srgbClr val="000000"/>
                   </a:solidFill>
@@ -1999,7 +2001,7 @@
             </a:ln>
             <a:extLst>
               <a:ext uri="{91240B29-F687-4f45-9708-019B960494DF}">
-                <a14:hiddenLine xmlns="" xmlns:a14="http://schemas.microsoft.com/office/drawing/2010/main" w="9525">
+                <a14:hiddenLine xmlns:a14="http://schemas.microsoft.com/office/drawing/2010/main" xmlns="" w="9525">
                   <a:solidFill>
                     <a:srgbClr val="000000"/>
                   </a:solidFill>
@@ -2067,7 +2069,7 @@
             </a:ln>
             <a:extLst>
               <a:ext uri="{91240B29-F687-4f45-9708-019B960494DF}">
-                <a14:hiddenLine xmlns="" xmlns:a14="http://schemas.microsoft.com/office/drawing/2010/main" w="9525">
+                <a14:hiddenLine xmlns:a14="http://schemas.microsoft.com/office/drawing/2010/main" xmlns="" w="9525">
                   <a:solidFill>
                     <a:srgbClr val="000000"/>
                   </a:solidFill>
@@ -2157,7 +2159,7 @@
             </a:ln>
             <a:extLst>
               <a:ext uri="{91240B29-F687-4f45-9708-019B960494DF}">
-                <a14:hiddenLine xmlns="" xmlns:a14="http://schemas.microsoft.com/office/drawing/2010/main" w="9525">
+                <a14:hiddenLine xmlns:a14="http://schemas.microsoft.com/office/drawing/2010/main" xmlns="" w="9525">
                   <a:solidFill>
                     <a:srgbClr val="000000"/>
                   </a:solidFill>
@@ -2225,7 +2227,7 @@
             </a:ln>
             <a:extLst>
               <a:ext uri="{91240B29-F687-4f45-9708-019B960494DF}">
-                <a14:hiddenLine xmlns="" xmlns:a14="http://schemas.microsoft.com/office/drawing/2010/main" w="9525">
+                <a14:hiddenLine xmlns:a14="http://schemas.microsoft.com/office/drawing/2010/main" xmlns="" w="9525">
                   <a:solidFill>
                     <a:srgbClr val="000000"/>
                   </a:solidFill>
@@ -2315,7 +2317,7 @@
             </a:ln>
             <a:extLst>
               <a:ext uri="{91240B29-F687-4f45-9708-019B960494DF}">
-                <a14:hiddenLine xmlns="" xmlns:a14="http://schemas.microsoft.com/office/drawing/2010/main" w="9525">
+                <a14:hiddenLine xmlns:a14="http://schemas.microsoft.com/office/drawing/2010/main" xmlns="" w="9525">
                   <a:solidFill>
                     <a:srgbClr val="000000"/>
                   </a:solidFill>
@@ -2349,7 +2351,7 @@
             </a:ln>
             <a:extLst>
               <a:ext uri="{91240B29-F687-4f45-9708-019B960494DF}">
-                <a14:hiddenLine xmlns="" xmlns:a14="http://schemas.microsoft.com/office/drawing/2010/main" w="9525">
+                <a14:hiddenLine xmlns:a14="http://schemas.microsoft.com/office/drawing/2010/main" xmlns="" w="9525">
                   <a:solidFill>
                     <a:srgbClr val="000000"/>
                   </a:solidFill>
@@ -2439,7 +2441,7 @@
             </a:ln>
             <a:extLst>
               <a:ext uri="{91240B29-F687-4f45-9708-019B960494DF}">
-                <a14:hiddenLine xmlns="" xmlns:a14="http://schemas.microsoft.com/office/drawing/2010/main" w="9525">
+                <a14:hiddenLine xmlns:a14="http://schemas.microsoft.com/office/drawing/2010/main" xmlns="" w="9525">
                   <a:solidFill>
                     <a:srgbClr val="000000"/>
                   </a:solidFill>
@@ -2501,7 +2503,7 @@
             </a:ln>
             <a:extLst>
               <a:ext uri="{91240B29-F687-4f45-9708-019B960494DF}">
-                <a14:hiddenLine xmlns="" xmlns:a14="http://schemas.microsoft.com/office/drawing/2010/main" w="9525">
+                <a14:hiddenLine xmlns:a14="http://schemas.microsoft.com/office/drawing/2010/main" xmlns="" w="9525">
                   <a:solidFill>
                     <a:srgbClr val="000000"/>
                   </a:solidFill>
@@ -2563,7 +2565,7 @@
             </a:ln>
             <a:extLst>
               <a:ext uri="{91240B29-F687-4f45-9708-019B960494DF}">
-                <a14:hiddenLine xmlns="" xmlns:a14="http://schemas.microsoft.com/office/drawing/2010/main" w="9525">
+                <a14:hiddenLine xmlns:a14="http://schemas.microsoft.com/office/drawing/2010/main" xmlns="" w="9525">
                   <a:solidFill>
                     <a:srgbClr val="000000"/>
                   </a:solidFill>
@@ -2653,7 +2655,7 @@
             </a:ln>
             <a:extLst>
               <a:ext uri="{91240B29-F687-4f45-9708-019B960494DF}">
-                <a14:hiddenLine xmlns="" xmlns:a14="http://schemas.microsoft.com/office/drawing/2010/main" w="9525">
+                <a14:hiddenLine xmlns:a14="http://schemas.microsoft.com/office/drawing/2010/main" xmlns="" w="9525">
                   <a:solidFill>
                     <a:srgbClr val="000000"/>
                   </a:solidFill>
@@ -2721,7 +2723,7 @@
             </a:ln>
             <a:extLst>
               <a:ext uri="{91240B29-F687-4f45-9708-019B960494DF}">
-                <a14:hiddenLine xmlns="" xmlns:a14="http://schemas.microsoft.com/office/drawing/2010/main" w="9525">
+                <a14:hiddenLine xmlns:a14="http://schemas.microsoft.com/office/drawing/2010/main" xmlns="" w="9525">
                   <a:solidFill>
                     <a:srgbClr val="000000"/>
                   </a:solidFill>
@@ -2783,7 +2785,7 @@
             </a:ln>
             <a:extLst>
               <a:ext uri="{91240B29-F687-4f45-9708-019B960494DF}">
-                <a14:hiddenLine xmlns="" xmlns:a14="http://schemas.microsoft.com/office/drawing/2010/main" w="9525">
+                <a14:hiddenLine xmlns:a14="http://schemas.microsoft.com/office/drawing/2010/main" xmlns="" w="9525">
                   <a:solidFill>
                     <a:srgbClr val="000000"/>
                   </a:solidFill>
@@ -2873,7 +2875,7 @@
             </a:ln>
             <a:extLst>
               <a:ext uri="{91240B29-F687-4f45-9708-019B960494DF}">
-                <a14:hiddenLine xmlns="" xmlns:a14="http://schemas.microsoft.com/office/drawing/2010/main" w="9525">
+                <a14:hiddenLine xmlns:a14="http://schemas.microsoft.com/office/drawing/2010/main" xmlns="" w="9525">
                   <a:solidFill>
                     <a:srgbClr val="000000"/>
                   </a:solidFill>
@@ -2935,7 +2937,7 @@
             </a:ln>
             <a:extLst>
               <a:ext uri="{91240B29-F687-4f45-9708-019B960494DF}">
-                <a14:hiddenLine xmlns="" xmlns:a14="http://schemas.microsoft.com/office/drawing/2010/main" w="9525">
+                <a14:hiddenLine xmlns:a14="http://schemas.microsoft.com/office/drawing/2010/main" xmlns="" w="9525">
                   <a:solidFill>
                     <a:srgbClr val="000000"/>
                   </a:solidFill>
@@ -3025,7 +3027,7 @@
             </a:ln>
             <a:extLst>
               <a:ext uri="{91240B29-F687-4f45-9708-019B960494DF}">
-                <a14:hiddenLine xmlns="" xmlns:a14="http://schemas.microsoft.com/office/drawing/2010/main" w="9525">
+                <a14:hiddenLine xmlns:a14="http://schemas.microsoft.com/office/drawing/2010/main" xmlns="" w="9525">
                   <a:solidFill>
                     <a:srgbClr val="000000"/>
                   </a:solidFill>
@@ -3087,7 +3089,7 @@
             </a:ln>
             <a:extLst>
               <a:ext uri="{91240B29-F687-4f45-9708-019B960494DF}">
-                <a14:hiddenLine xmlns="" xmlns:a14="http://schemas.microsoft.com/office/drawing/2010/main" w="9525">
+                <a14:hiddenLine xmlns:a14="http://schemas.microsoft.com/office/drawing/2010/main" xmlns="" w="9525">
                   <a:solidFill>
                     <a:srgbClr val="000000"/>
                   </a:solidFill>
@@ -3177,7 +3179,7 @@
             </a:ln>
             <a:extLst>
               <a:ext uri="{91240B29-F687-4f45-9708-019B960494DF}">
-                <a14:hiddenLine xmlns="" xmlns:a14="http://schemas.microsoft.com/office/drawing/2010/main" w="9525">
+                <a14:hiddenLine xmlns:a14="http://schemas.microsoft.com/office/drawing/2010/main" xmlns="" w="9525">
                   <a:solidFill>
                     <a:srgbClr val="000000"/>
                   </a:solidFill>
@@ -3211,7 +3213,7 @@
             </a:ln>
             <a:extLst>
               <a:ext uri="{91240B29-F687-4f45-9708-019B960494DF}">
-                <a14:hiddenLine xmlns="" xmlns:a14="http://schemas.microsoft.com/office/drawing/2010/main" w="9525">
+                <a14:hiddenLine xmlns:a14="http://schemas.microsoft.com/office/drawing/2010/main" xmlns="" w="9525">
                   <a:solidFill>
                     <a:srgbClr val="000000"/>
                   </a:solidFill>
@@ -3276,7 +3278,7 @@
             </a:ln>
             <a:extLst>
               <a:ext uri="{91240B29-F687-4f45-9708-019B960494DF}">
-                <a14:hiddenLine xmlns="" xmlns:a14="http://schemas.microsoft.com/office/drawing/2010/main" w="9525">
+                <a14:hiddenLine xmlns:a14="http://schemas.microsoft.com/office/drawing/2010/main" xmlns="" w="9525">
                   <a:solidFill>
                     <a:srgbClr val="000000"/>
                   </a:solidFill>
@@ -3366,7 +3368,7 @@
             </a:ln>
             <a:extLst>
               <a:ext uri="{91240B29-F687-4f45-9708-019B960494DF}">
-                <a14:hiddenLine xmlns="" xmlns:a14="http://schemas.microsoft.com/office/drawing/2010/main" w="9525">
+                <a14:hiddenLine xmlns:a14="http://schemas.microsoft.com/office/drawing/2010/main" xmlns="" w="9525">
                   <a:solidFill>
                     <a:srgbClr val="000000"/>
                   </a:solidFill>
@@ -3428,7 +3430,7 @@
             </a:ln>
             <a:extLst>
               <a:ext uri="{91240B29-F687-4f45-9708-019B960494DF}">
-                <a14:hiddenLine xmlns="" xmlns:a14="http://schemas.microsoft.com/office/drawing/2010/main" w="9525">
+                <a14:hiddenLine xmlns:a14="http://schemas.microsoft.com/office/drawing/2010/main" xmlns="" w="9525">
                   <a:solidFill>
                     <a:srgbClr val="000000"/>
                   </a:solidFill>
@@ -3518,7 +3520,7 @@
             </a:ln>
             <a:extLst>
               <a:ext uri="{91240B29-F687-4f45-9708-019B960494DF}">
-                <a14:hiddenLine xmlns="" xmlns:a14="http://schemas.microsoft.com/office/drawing/2010/main" w="9525">
+                <a14:hiddenLine xmlns:a14="http://schemas.microsoft.com/office/drawing/2010/main" xmlns="" w="9525">
                   <a:solidFill>
                     <a:srgbClr val="000000"/>
                   </a:solidFill>
@@ -3608,7 +3610,7 @@
             </a:ln>
             <a:extLst>
               <a:ext uri="{91240B29-F687-4f45-9708-019B960494DF}">
-                <a14:hiddenLine xmlns="" xmlns:a14="http://schemas.microsoft.com/office/drawing/2010/main" w="9525">
+                <a14:hiddenLine xmlns:a14="http://schemas.microsoft.com/office/drawing/2010/main" xmlns="" w="9525">
                   <a:solidFill>
                     <a:srgbClr val="000000"/>
                   </a:solidFill>
@@ -3673,7 +3675,7 @@
             </a:ln>
             <a:extLst>
               <a:ext uri="{91240B29-F687-4f45-9708-019B960494DF}">
-                <a14:hiddenLine xmlns="" xmlns:a14="http://schemas.microsoft.com/office/drawing/2010/main" w="9525">
+                <a14:hiddenLine xmlns:a14="http://schemas.microsoft.com/office/drawing/2010/main" xmlns="" w="9525">
                   <a:solidFill>
                     <a:srgbClr val="000000"/>
                   </a:solidFill>
@@ -3735,7 +3737,7 @@
             </a:ln>
             <a:extLst>
               <a:ext uri="{91240B29-F687-4f45-9708-019B960494DF}">
-                <a14:hiddenLine xmlns="" xmlns:a14="http://schemas.microsoft.com/office/drawing/2010/main" w="9525">
+                <a14:hiddenLine xmlns:a14="http://schemas.microsoft.com/office/drawing/2010/main" xmlns="" w="9525">
                   <a:solidFill>
                     <a:srgbClr val="000000"/>
                   </a:solidFill>
@@ -3825,7 +3827,7 @@
             </a:ln>
             <a:extLst>
               <a:ext uri="{91240B29-F687-4f45-9708-019B960494DF}">
-                <a14:hiddenLine xmlns="" xmlns:a14="http://schemas.microsoft.com/office/drawing/2010/main" w="9525">
+                <a14:hiddenLine xmlns:a14="http://schemas.microsoft.com/office/drawing/2010/main" xmlns="" w="9525">
                   <a:solidFill>
                     <a:srgbClr val="000000"/>
                   </a:solidFill>
@@ -3915,7 +3917,7 @@
             </a:ln>
             <a:extLst>
               <a:ext uri="{91240B29-F687-4f45-9708-019B960494DF}">
-                <a14:hiddenLine xmlns="" xmlns:a14="http://schemas.microsoft.com/office/drawing/2010/main" w="9525">
+                <a14:hiddenLine xmlns:a14="http://schemas.microsoft.com/office/drawing/2010/main" xmlns="" w="9525">
                   <a:solidFill>
                     <a:srgbClr val="000000"/>
                   </a:solidFill>
@@ -3977,7 +3979,7 @@
             </a:ln>
             <a:extLst>
               <a:ext uri="{91240B29-F687-4f45-9708-019B960494DF}">
-                <a14:hiddenLine xmlns="" xmlns:a14="http://schemas.microsoft.com/office/drawing/2010/main" w="9525">
+                <a14:hiddenLine xmlns:a14="http://schemas.microsoft.com/office/drawing/2010/main" xmlns="" w="9525">
                   <a:solidFill>
                     <a:srgbClr val="000000"/>
                   </a:solidFill>
@@ -4097,7 +4099,7 @@
             </a:ln>
             <a:extLst>
               <a:ext uri="{91240B29-F687-4f45-9708-019B960494DF}">
-                <a14:hiddenLine xmlns="" xmlns:a14="http://schemas.microsoft.com/office/drawing/2010/main" w="9525">
+                <a14:hiddenLine xmlns:a14="http://schemas.microsoft.com/office/drawing/2010/main" xmlns="" w="9525">
                   <a:solidFill>
                     <a:srgbClr val="000000"/>
                   </a:solidFill>
@@ -4165,7 +4167,7 @@
             </a:ln>
             <a:extLst>
               <a:ext uri="{91240B29-F687-4f45-9708-019B960494DF}">
-                <a14:hiddenLine xmlns="" xmlns:a14="http://schemas.microsoft.com/office/drawing/2010/main" w="9525">
+                <a14:hiddenLine xmlns:a14="http://schemas.microsoft.com/office/drawing/2010/main" xmlns="" w="9525">
                   <a:solidFill>
                     <a:srgbClr val="000000"/>
                   </a:solidFill>
@@ -4255,7 +4257,7 @@
             </a:ln>
             <a:extLst>
               <a:ext uri="{91240B29-F687-4f45-9708-019B960494DF}">
-                <a14:hiddenLine xmlns="" xmlns:a14="http://schemas.microsoft.com/office/drawing/2010/main" w="9525">
+                <a14:hiddenLine xmlns:a14="http://schemas.microsoft.com/office/drawing/2010/main" xmlns="" w="9525">
                   <a:solidFill>
                     <a:srgbClr val="000000"/>
                   </a:solidFill>
@@ -4395,7 +4397,7 @@
           <a:p>
             <a:fld id="{F368A0E5-C8DF-46E7-BA4B-3611D1C8E144}" type="datetimeFigureOut">
               <a:rPr lang="en-US" smtClean="0"/>
-              <a:t>12/8/2016</a:t>
+              <a:t>12/14/2016</a:t>
             </a:fld>
             <a:endParaRPr lang="en-US"/>
           </a:p>
@@ -4662,7 +4664,7 @@
           <a:p>
             <a:fld id="{F368A0E5-C8DF-46E7-BA4B-3611D1C8E144}" type="datetimeFigureOut">
               <a:rPr lang="en-US" smtClean="0"/>
-              <a:t>12/8/2016</a:t>
+              <a:t>12/14/2016</a:t>
             </a:fld>
             <a:endParaRPr lang="en-US"/>
           </a:p>
@@ -4858,7 +4860,7 @@
           <a:p>
             <a:fld id="{F368A0E5-C8DF-46E7-BA4B-3611D1C8E144}" type="datetimeFigureOut">
               <a:rPr lang="en-US" smtClean="0"/>
-              <a:t>12/8/2016</a:t>
+              <a:t>12/14/2016</a:t>
             </a:fld>
             <a:endParaRPr lang="en-US"/>
           </a:p>
@@ -5121,7 +5123,7 @@
           <a:p>
             <a:fld id="{F368A0E5-C8DF-46E7-BA4B-3611D1C8E144}" type="datetimeFigureOut">
               <a:rPr lang="en-US" smtClean="0"/>
-              <a:t>12/8/2016</a:t>
+              <a:t>12/14/2016</a:t>
             </a:fld>
             <a:endParaRPr lang="en-US"/>
           </a:p>
@@ -5555,7 +5557,7 @@
           <a:p>
             <a:fld id="{F368A0E5-C8DF-46E7-BA4B-3611D1C8E144}" type="datetimeFigureOut">
               <a:rPr lang="en-US" smtClean="0"/>
-              <a:t>12/8/2016</a:t>
+              <a:t>12/14/2016</a:t>
             </a:fld>
             <a:endParaRPr lang="en-US"/>
           </a:p>
@@ -6101,7 +6103,7 @@
           <a:p>
             <a:fld id="{F368A0E5-C8DF-46E7-BA4B-3611D1C8E144}" type="datetimeFigureOut">
               <a:rPr lang="en-US" smtClean="0"/>
-              <a:t>12/8/2016</a:t>
+              <a:t>12/14/2016</a:t>
             </a:fld>
             <a:endParaRPr lang="en-US"/>
           </a:p>
@@ -6821,7 +6823,7 @@
           <a:p>
             <a:fld id="{F368A0E5-C8DF-46E7-BA4B-3611D1C8E144}" type="datetimeFigureOut">
               <a:rPr lang="en-US" smtClean="0"/>
-              <a:t>12/8/2016</a:t>
+              <a:t>12/14/2016</a:t>
             </a:fld>
             <a:endParaRPr lang="en-US"/>
           </a:p>
@@ -6991,7 +6993,7 @@
           <a:p>
             <a:fld id="{F368A0E5-C8DF-46E7-BA4B-3611D1C8E144}" type="datetimeFigureOut">
               <a:rPr lang="en-US" smtClean="0"/>
-              <a:t>12/8/2016</a:t>
+              <a:t>12/14/2016</a:t>
             </a:fld>
             <a:endParaRPr lang="en-US"/>
           </a:p>
@@ -7171,7 +7173,7 @@
           <a:p>
             <a:fld id="{F368A0E5-C8DF-46E7-BA4B-3611D1C8E144}" type="datetimeFigureOut">
               <a:rPr lang="en-US" smtClean="0"/>
-              <a:t>12/8/2016</a:t>
+              <a:t>12/14/2016</a:t>
             </a:fld>
             <a:endParaRPr lang="en-US"/>
           </a:p>
@@ -7341,7 +7343,7 @@
           <a:p>
             <a:fld id="{F368A0E5-C8DF-46E7-BA4B-3611D1C8E144}" type="datetimeFigureOut">
               <a:rPr lang="en-US" smtClean="0"/>
-              <a:t>12/8/2016</a:t>
+              <a:t>12/14/2016</a:t>
             </a:fld>
             <a:endParaRPr lang="en-US"/>
           </a:p>
@@ -7591,7 +7593,7 @@
           <a:p>
             <a:fld id="{F368A0E5-C8DF-46E7-BA4B-3611D1C8E144}" type="datetimeFigureOut">
               <a:rPr lang="en-US" smtClean="0"/>
-              <a:t>12/8/2016</a:t>
+              <a:t>12/14/2016</a:t>
             </a:fld>
             <a:endParaRPr lang="en-US"/>
           </a:p>
@@ -7823,7 +7825,7 @@
           <a:p>
             <a:fld id="{F368A0E5-C8DF-46E7-BA4B-3611D1C8E144}" type="datetimeFigureOut">
               <a:rPr lang="en-US" smtClean="0"/>
-              <a:t>12/8/2016</a:t>
+              <a:t>12/14/2016</a:t>
             </a:fld>
             <a:endParaRPr lang="en-US"/>
           </a:p>
@@ -8204,7 +8206,7 @@
           <a:p>
             <a:fld id="{F368A0E5-C8DF-46E7-BA4B-3611D1C8E144}" type="datetimeFigureOut">
               <a:rPr lang="en-US" smtClean="0"/>
-              <a:t>12/8/2016</a:t>
+              <a:t>12/14/2016</a:t>
             </a:fld>
             <a:endParaRPr lang="en-US"/>
           </a:p>
@@ -8322,7 +8324,7 @@
           <a:p>
             <a:fld id="{F368A0E5-C8DF-46E7-BA4B-3611D1C8E144}" type="datetimeFigureOut">
               <a:rPr lang="en-US" smtClean="0"/>
-              <a:t>12/8/2016</a:t>
+              <a:t>12/14/2016</a:t>
             </a:fld>
             <a:endParaRPr lang="en-US"/>
           </a:p>
@@ -8417,7 +8419,7 @@
           <a:p>
             <a:fld id="{F368A0E5-C8DF-46E7-BA4B-3611D1C8E144}" type="datetimeFigureOut">
               <a:rPr lang="en-US" smtClean="0"/>
-              <a:t>12/8/2016</a:t>
+              <a:t>12/14/2016</a:t>
             </a:fld>
             <a:endParaRPr lang="en-US"/>
           </a:p>
@@ -8666,7 +8668,7 @@
           <a:p>
             <a:fld id="{F368A0E5-C8DF-46E7-BA4B-3611D1C8E144}" type="datetimeFigureOut">
               <a:rPr lang="en-US" smtClean="0"/>
-              <a:t>12/8/2016</a:t>
+              <a:t>12/14/2016</a:t>
             </a:fld>
             <a:endParaRPr lang="en-US"/>
           </a:p>
@@ -8946,7 +8948,7 @@
           <a:p>
             <a:fld id="{F368A0E5-C8DF-46E7-BA4B-3611D1C8E144}" type="datetimeFigureOut">
               <a:rPr lang="en-US" smtClean="0"/>
-              <a:t>12/8/2016</a:t>
+              <a:t>12/14/2016</a:t>
             </a:fld>
             <a:endParaRPr lang="en-US"/>
           </a:p>
@@ -9062,7 +9064,7 @@
           <a:noFill/>
           <a:extLst>
             <a:ext uri="{909E8E84-426E-40dd-AFC4-6F175D3DCCD1}">
-              <a14:hiddenFill xmlns="" xmlns:a14="http://schemas.microsoft.com/office/drawing/2010/main">
+              <a14:hiddenFill xmlns:a14="http://schemas.microsoft.com/office/drawing/2010/main" xmlns="">
                 <a:solidFill>
                   <a:srgbClr val="FFFFFF"/>
                 </a:solidFill>
@@ -9136,7 +9138,7 @@
               </a:ln>
               <a:extLst>
                 <a:ext uri="{91240B29-F687-4f45-9708-019B960494DF}">
-                  <a14:hiddenLine xmlns="" xmlns:a14="http://schemas.microsoft.com/office/drawing/2010/main" w="9525">
+                  <a14:hiddenLine xmlns:a14="http://schemas.microsoft.com/office/drawing/2010/main" xmlns="" w="9525">
                     <a:solidFill>
                       <a:srgbClr val="000000"/>
                     </a:solidFill>
@@ -9226,7 +9228,7 @@
               </a:ln>
               <a:extLst>
                 <a:ext uri="{91240B29-F687-4f45-9708-019B960494DF}">
-                  <a14:hiddenLine xmlns="" xmlns:a14="http://schemas.microsoft.com/office/drawing/2010/main" w="9525">
+                  <a14:hiddenLine xmlns:a14="http://schemas.microsoft.com/office/drawing/2010/main" xmlns="" w="9525">
                     <a:solidFill>
                       <a:srgbClr val="000000"/>
                     </a:solidFill>
@@ -9316,7 +9318,7 @@
               </a:ln>
               <a:extLst>
                 <a:ext uri="{91240B29-F687-4f45-9708-019B960494DF}">
-                  <a14:hiddenLine xmlns="" xmlns:a14="http://schemas.microsoft.com/office/drawing/2010/main" w="9525">
+                  <a14:hiddenLine xmlns:a14="http://schemas.microsoft.com/office/drawing/2010/main" xmlns="" w="9525">
                     <a:solidFill>
                       <a:srgbClr val="000000"/>
                     </a:solidFill>
@@ -9378,7 +9380,7 @@
               </a:ln>
               <a:extLst>
                 <a:ext uri="{91240B29-F687-4f45-9708-019B960494DF}">
-                  <a14:hiddenLine xmlns="" xmlns:a14="http://schemas.microsoft.com/office/drawing/2010/main" w="9525">
+                  <a14:hiddenLine xmlns:a14="http://schemas.microsoft.com/office/drawing/2010/main" xmlns="" w="9525">
                     <a:solidFill>
                       <a:srgbClr val="000000"/>
                     </a:solidFill>
@@ -9468,7 +9470,7 @@
               </a:ln>
               <a:extLst>
                 <a:ext uri="{91240B29-F687-4f45-9708-019B960494DF}">
-                  <a14:hiddenLine xmlns="" xmlns:a14="http://schemas.microsoft.com/office/drawing/2010/main" w="9525">
+                  <a14:hiddenLine xmlns:a14="http://schemas.microsoft.com/office/drawing/2010/main" xmlns="" w="9525">
                     <a:solidFill>
                       <a:srgbClr val="000000"/>
                     </a:solidFill>
@@ -9530,7 +9532,7 @@
               </a:ln>
               <a:extLst>
                 <a:ext uri="{91240B29-F687-4f45-9708-019B960494DF}">
-                  <a14:hiddenLine xmlns="" xmlns:a14="http://schemas.microsoft.com/office/drawing/2010/main" w="9525">
+                  <a14:hiddenLine xmlns:a14="http://schemas.microsoft.com/office/drawing/2010/main" xmlns="" w="9525">
                     <a:solidFill>
                       <a:srgbClr val="000000"/>
                     </a:solidFill>
@@ -9592,7 +9594,7 @@
               </a:ln>
               <a:extLst>
                 <a:ext uri="{91240B29-F687-4f45-9708-019B960494DF}">
-                  <a14:hiddenLine xmlns="" xmlns:a14="http://schemas.microsoft.com/office/drawing/2010/main" w="9525">
+                  <a14:hiddenLine xmlns:a14="http://schemas.microsoft.com/office/drawing/2010/main" xmlns="" w="9525">
                     <a:solidFill>
                       <a:srgbClr val="000000"/>
                     </a:solidFill>
@@ -9682,7 +9684,7 @@
               </a:ln>
               <a:extLst>
                 <a:ext uri="{91240B29-F687-4f45-9708-019B960494DF}">
-                  <a14:hiddenLine xmlns="" xmlns:a14="http://schemas.microsoft.com/office/drawing/2010/main" w="9525">
+                  <a14:hiddenLine xmlns:a14="http://schemas.microsoft.com/office/drawing/2010/main" xmlns="" w="9525">
                     <a:solidFill>
                       <a:srgbClr val="000000"/>
                     </a:solidFill>
@@ -9772,7 +9774,7 @@
               </a:ln>
               <a:extLst>
                 <a:ext uri="{91240B29-F687-4f45-9708-019B960494DF}">
-                  <a14:hiddenLine xmlns="" xmlns:a14="http://schemas.microsoft.com/office/drawing/2010/main" w="9525">
+                  <a14:hiddenLine xmlns:a14="http://schemas.microsoft.com/office/drawing/2010/main" xmlns="" w="9525">
                     <a:solidFill>
                       <a:srgbClr val="000000"/>
                     </a:solidFill>
@@ -9834,7 +9836,7 @@
               </a:ln>
               <a:extLst>
                 <a:ext uri="{91240B29-F687-4f45-9708-019B960494DF}">
-                  <a14:hiddenLine xmlns="" xmlns:a14="http://schemas.microsoft.com/office/drawing/2010/main" w="9525">
+                  <a14:hiddenLine xmlns:a14="http://schemas.microsoft.com/office/drawing/2010/main" xmlns="" w="9525">
                     <a:solidFill>
                       <a:srgbClr val="000000"/>
                     </a:solidFill>
@@ -9944,7 +9946,7 @@
               </a:ln>
               <a:extLst>
                 <a:ext uri="{91240B29-F687-4f45-9708-019B960494DF}">
-                  <a14:hiddenLine xmlns="" xmlns:a14="http://schemas.microsoft.com/office/drawing/2010/main" w="9525">
+                  <a14:hiddenLine xmlns:a14="http://schemas.microsoft.com/office/drawing/2010/main" xmlns="" w="9525">
                     <a:solidFill>
                       <a:srgbClr val="000000"/>
                     </a:solidFill>
@@ -10028,7 +10030,7 @@
               </a:ln>
               <a:extLst>
                 <a:ext uri="{91240B29-F687-4f45-9708-019B960494DF}">
-                  <a14:hiddenLine xmlns="" xmlns:a14="http://schemas.microsoft.com/office/drawing/2010/main" w="9525">
+                  <a14:hiddenLine xmlns:a14="http://schemas.microsoft.com/office/drawing/2010/main" xmlns="" w="9525">
                     <a:solidFill>
                       <a:srgbClr val="000000"/>
                     </a:solidFill>
@@ -10090,7 +10092,7 @@
               </a:ln>
               <a:extLst>
                 <a:ext uri="{91240B29-F687-4f45-9708-019B960494DF}">
-                  <a14:hiddenLine xmlns="" xmlns:a14="http://schemas.microsoft.com/office/drawing/2010/main" w="9525">
+                  <a14:hiddenLine xmlns:a14="http://schemas.microsoft.com/office/drawing/2010/main" xmlns="" w="9525">
                     <a:solidFill>
                       <a:srgbClr val="000000"/>
                     </a:solidFill>
@@ -10152,7 +10154,7 @@
               </a:ln>
               <a:extLst>
                 <a:ext uri="{91240B29-F687-4f45-9708-019B960494DF}">
-                  <a14:hiddenLine xmlns="" xmlns:a14="http://schemas.microsoft.com/office/drawing/2010/main" w="9525">
+                  <a14:hiddenLine xmlns:a14="http://schemas.microsoft.com/office/drawing/2010/main" xmlns="" w="9525">
                     <a:solidFill>
                       <a:srgbClr val="000000"/>
                     </a:solidFill>
@@ -10242,7 +10244,7 @@
               </a:ln>
               <a:extLst>
                 <a:ext uri="{91240B29-F687-4f45-9708-019B960494DF}">
-                  <a14:hiddenLine xmlns="" xmlns:a14="http://schemas.microsoft.com/office/drawing/2010/main" w="9525">
+                  <a14:hiddenLine xmlns:a14="http://schemas.microsoft.com/office/drawing/2010/main" xmlns="" w="9525">
                     <a:solidFill>
                       <a:srgbClr val="000000"/>
                     </a:solidFill>
@@ -10276,7 +10278,7 @@
               </a:ln>
               <a:extLst>
                 <a:ext uri="{91240B29-F687-4f45-9708-019B960494DF}">
-                  <a14:hiddenLine xmlns="" xmlns:a14="http://schemas.microsoft.com/office/drawing/2010/main" w="9525">
+                  <a14:hiddenLine xmlns:a14="http://schemas.microsoft.com/office/drawing/2010/main" xmlns="" w="9525">
                     <a:solidFill>
                       <a:srgbClr val="000000"/>
                     </a:solidFill>
@@ -10341,7 +10343,7 @@
               </a:ln>
               <a:extLst>
                 <a:ext uri="{91240B29-F687-4f45-9708-019B960494DF}">
-                  <a14:hiddenLine xmlns="" xmlns:a14="http://schemas.microsoft.com/office/drawing/2010/main" w="9525">
+                  <a14:hiddenLine xmlns:a14="http://schemas.microsoft.com/office/drawing/2010/main" xmlns="" w="9525">
                     <a:solidFill>
                       <a:srgbClr val="000000"/>
                     </a:solidFill>
@@ -10431,7 +10433,7 @@
               </a:ln>
               <a:extLst>
                 <a:ext uri="{91240B29-F687-4f45-9708-019B960494DF}">
-                  <a14:hiddenLine xmlns="" xmlns:a14="http://schemas.microsoft.com/office/drawing/2010/main" w="9525">
+                  <a14:hiddenLine xmlns:a14="http://schemas.microsoft.com/office/drawing/2010/main" xmlns="" w="9525">
                     <a:solidFill>
                       <a:srgbClr val="000000"/>
                     </a:solidFill>
@@ -10493,7 +10495,7 @@
               </a:ln>
               <a:extLst>
                 <a:ext uri="{91240B29-F687-4f45-9708-019B960494DF}">
-                  <a14:hiddenLine xmlns="" xmlns:a14="http://schemas.microsoft.com/office/drawing/2010/main" w="9525">
+                  <a14:hiddenLine xmlns:a14="http://schemas.microsoft.com/office/drawing/2010/main" xmlns="" w="9525">
                     <a:solidFill>
                       <a:srgbClr val="000000"/>
                     </a:solidFill>
@@ -10583,7 +10585,7 @@
               </a:ln>
               <a:extLst>
                 <a:ext uri="{91240B29-F687-4f45-9708-019B960494DF}">
-                  <a14:hiddenLine xmlns="" xmlns:a14="http://schemas.microsoft.com/office/drawing/2010/main" w="9525">
+                  <a14:hiddenLine xmlns:a14="http://schemas.microsoft.com/office/drawing/2010/main" xmlns="" w="9525">
                     <a:solidFill>
                       <a:srgbClr val="000000"/>
                     </a:solidFill>
@@ -10648,7 +10650,7 @@
               </a:ln>
               <a:extLst>
                 <a:ext uri="{91240B29-F687-4f45-9708-019B960494DF}">
-                  <a14:hiddenLine xmlns="" xmlns:a14="http://schemas.microsoft.com/office/drawing/2010/main" w="9525">
+                  <a14:hiddenLine xmlns:a14="http://schemas.microsoft.com/office/drawing/2010/main" xmlns="" w="9525">
                     <a:solidFill>
                       <a:srgbClr val="000000"/>
                     </a:solidFill>
@@ -10710,7 +10712,7 @@
               </a:ln>
               <a:extLst>
                 <a:ext uri="{91240B29-F687-4f45-9708-019B960494DF}">
-                  <a14:hiddenLine xmlns="" xmlns:a14="http://schemas.microsoft.com/office/drawing/2010/main" w="9525">
+                  <a14:hiddenLine xmlns:a14="http://schemas.microsoft.com/office/drawing/2010/main" xmlns="" w="9525">
                     <a:solidFill>
                       <a:srgbClr val="000000"/>
                     </a:solidFill>
@@ -10800,7 +10802,7 @@
               </a:ln>
               <a:extLst>
                 <a:ext uri="{91240B29-F687-4f45-9708-019B960494DF}">
-                  <a14:hiddenLine xmlns="" xmlns:a14="http://schemas.microsoft.com/office/drawing/2010/main" w="9525">
+                  <a14:hiddenLine xmlns:a14="http://schemas.microsoft.com/office/drawing/2010/main" xmlns="" w="9525">
                     <a:solidFill>
                       <a:srgbClr val="000000"/>
                     </a:solidFill>
@@ -10890,7 +10892,7 @@
               </a:ln>
               <a:extLst>
                 <a:ext uri="{91240B29-F687-4f45-9708-019B960494DF}">
-                  <a14:hiddenLine xmlns="" xmlns:a14="http://schemas.microsoft.com/office/drawing/2010/main" w="9525">
+                  <a14:hiddenLine xmlns:a14="http://schemas.microsoft.com/office/drawing/2010/main" xmlns="" w="9525">
                     <a:solidFill>
                       <a:srgbClr val="000000"/>
                     </a:solidFill>
@@ -10955,7 +10957,7 @@
               </a:ln>
               <a:extLst>
                 <a:ext uri="{91240B29-F687-4f45-9708-019B960494DF}">
-                  <a14:hiddenLine xmlns="" xmlns:a14="http://schemas.microsoft.com/office/drawing/2010/main" w="9525">
+                  <a14:hiddenLine xmlns:a14="http://schemas.microsoft.com/office/drawing/2010/main" xmlns="" w="9525">
                     <a:solidFill>
                       <a:srgbClr val="000000"/>
                     </a:solidFill>
@@ -11075,7 +11077,7 @@
               </a:ln>
               <a:extLst>
                 <a:ext uri="{91240B29-F687-4f45-9708-019B960494DF}">
-                  <a14:hiddenLine xmlns="" xmlns:a14="http://schemas.microsoft.com/office/drawing/2010/main" w="9525">
+                  <a14:hiddenLine xmlns:a14="http://schemas.microsoft.com/office/drawing/2010/main" xmlns="" w="9525">
                     <a:solidFill>
                       <a:srgbClr val="000000"/>
                     </a:solidFill>
@@ -11173,7 +11175,7 @@
               </a:ln>
               <a:extLst>
                 <a:ext uri="{91240B29-F687-4f45-9708-019B960494DF}">
-                  <a14:hiddenLine xmlns="" xmlns:a14="http://schemas.microsoft.com/office/drawing/2010/main" w="9525">
+                  <a14:hiddenLine xmlns:a14="http://schemas.microsoft.com/office/drawing/2010/main" xmlns="" w="9525">
                     <a:solidFill>
                       <a:srgbClr val="000000"/>
                     </a:solidFill>
@@ -11288,7 +11290,7 @@
               </a:ln>
               <a:extLst>
                 <a:ext uri="{91240B29-F687-4f45-9708-019B960494DF}">
-                  <a14:hiddenLine xmlns="" xmlns:a14="http://schemas.microsoft.com/office/drawing/2010/main" w="9525">
+                  <a14:hiddenLine xmlns:a14="http://schemas.microsoft.com/office/drawing/2010/main" xmlns="" w="9525">
                     <a:solidFill>
                       <a:srgbClr val="000000"/>
                     </a:solidFill>
@@ -11378,7 +11380,7 @@
               </a:ln>
               <a:extLst>
                 <a:ext uri="{91240B29-F687-4f45-9708-019B960494DF}">
-                  <a14:hiddenLine xmlns="" xmlns:a14="http://schemas.microsoft.com/office/drawing/2010/main" w="9525">
+                  <a14:hiddenLine xmlns:a14="http://schemas.microsoft.com/office/drawing/2010/main" xmlns="" w="9525">
                     <a:solidFill>
                       <a:srgbClr val="000000"/>
                     </a:solidFill>
@@ -11443,7 +11445,7 @@
               </a:ln>
               <a:extLst>
                 <a:ext uri="{91240B29-F687-4f45-9708-019B960494DF}">
-                  <a14:hiddenLine xmlns="" xmlns:a14="http://schemas.microsoft.com/office/drawing/2010/main" w="9525">
+                  <a14:hiddenLine xmlns:a14="http://schemas.microsoft.com/office/drawing/2010/main" xmlns="" w="9525">
                     <a:solidFill>
                       <a:srgbClr val="000000"/>
                     </a:solidFill>
@@ -11533,7 +11535,7 @@
               </a:ln>
               <a:extLst>
                 <a:ext uri="{91240B29-F687-4f45-9708-019B960494DF}">
-                  <a14:hiddenLine xmlns="" xmlns:a14="http://schemas.microsoft.com/office/drawing/2010/main" w="9525">
+                  <a14:hiddenLine xmlns:a14="http://schemas.microsoft.com/office/drawing/2010/main" xmlns="" w="9525">
                     <a:solidFill>
                       <a:srgbClr val="000000"/>
                     </a:solidFill>
@@ -11601,7 +11603,7 @@
               </a:ln>
               <a:extLst>
                 <a:ext uri="{91240B29-F687-4f45-9708-019B960494DF}">
-                  <a14:hiddenLine xmlns="" xmlns:a14="http://schemas.microsoft.com/office/drawing/2010/main" w="9525">
+                  <a14:hiddenLine xmlns:a14="http://schemas.microsoft.com/office/drawing/2010/main" xmlns="" w="9525">
                     <a:solidFill>
                       <a:srgbClr val="000000"/>
                     </a:solidFill>
@@ -11691,7 +11693,7 @@
               </a:ln>
               <a:extLst>
                 <a:ext uri="{91240B29-F687-4f45-9708-019B960494DF}">
-                  <a14:hiddenLine xmlns="" xmlns:a14="http://schemas.microsoft.com/office/drawing/2010/main" w="9525">
+                  <a14:hiddenLine xmlns:a14="http://schemas.microsoft.com/office/drawing/2010/main" xmlns="" w="9525">
                     <a:solidFill>
                       <a:srgbClr val="000000"/>
                     </a:solidFill>
@@ -11759,7 +11761,7 @@
               </a:ln>
               <a:extLst>
                 <a:ext uri="{91240B29-F687-4f45-9708-019B960494DF}">
-                  <a14:hiddenLine xmlns="" xmlns:a14="http://schemas.microsoft.com/office/drawing/2010/main" w="9525">
+                  <a14:hiddenLine xmlns:a14="http://schemas.microsoft.com/office/drawing/2010/main" xmlns="" w="9525">
                     <a:solidFill>
                       <a:srgbClr val="000000"/>
                     </a:solidFill>
@@ -11849,7 +11851,7 @@
               </a:ln>
               <a:extLst>
                 <a:ext uri="{91240B29-F687-4f45-9708-019B960494DF}">
-                  <a14:hiddenLine xmlns="" xmlns:a14="http://schemas.microsoft.com/office/drawing/2010/main" w="9525">
+                  <a14:hiddenLine xmlns:a14="http://schemas.microsoft.com/office/drawing/2010/main" xmlns="" w="9525">
                     <a:solidFill>
                       <a:srgbClr val="000000"/>
                     </a:solidFill>
@@ -11883,7 +11885,7 @@
               </a:ln>
               <a:extLst>
                 <a:ext uri="{91240B29-F687-4f45-9708-019B960494DF}">
-                  <a14:hiddenLine xmlns="" xmlns:a14="http://schemas.microsoft.com/office/drawing/2010/main" w="9525">
+                  <a14:hiddenLine xmlns:a14="http://schemas.microsoft.com/office/drawing/2010/main" xmlns="" w="9525">
                     <a:solidFill>
                       <a:srgbClr val="000000"/>
                     </a:solidFill>
@@ -12023,7 +12025,7 @@
           <a:p>
             <a:fld id="{F368A0E5-C8DF-46E7-BA4B-3611D1C8E144}" type="datetimeFigureOut">
               <a:rPr lang="en-US" smtClean="0"/>
-              <a:t>12/8/2016</a:t>
+              <a:t>12/14/2016</a:t>
             </a:fld>
             <a:endParaRPr lang="en-US"/>
           </a:p>
@@ -12560,7 +12562,7 @@
             <a:noFill/>
             <a:extLst>
               <a:ext uri="{909E8E84-426E-40dd-AFC4-6F175D3DCCD1}">
-                <a14:hiddenFill xmlns:a14="http://schemas.microsoft.com/office/drawing/2010/main" xmlns="">
+                <a14:hiddenFill xmlns="" xmlns:a14="http://schemas.microsoft.com/office/drawing/2010/main">
                   <a:solidFill>
                     <a:srgbClr val="FFFFFF"/>
                   </a:solidFill>
@@ -14470,643 +14472,7 @@
 </p:sld>
 </file>
 
-<file path=ppt/slides/slide2.xml><?xml version="1.0" encoding="utf-8"?>
-<p:sld xmlns:a="http://schemas.openxmlformats.org/drawingml/2006/main" xmlns:r="http://schemas.openxmlformats.org/officeDocument/2006/relationships" xmlns:p="http://schemas.openxmlformats.org/presentationml/2006/main">
-  <p:cSld>
-    <p:spTree>
-      <p:nvGrpSpPr>
-        <p:cNvPr id="1" name=""/>
-        <p:cNvGrpSpPr/>
-        <p:nvPr/>
-      </p:nvGrpSpPr>
-      <p:grpSpPr>
-        <a:xfrm>
-          <a:off x="0" y="0"/>
-          <a:ext cx="0" cy="0"/>
-          <a:chOff x="0" y="0"/>
-          <a:chExt cx="0" cy="0"/>
-        </a:xfrm>
-      </p:grpSpPr>
-      <p:sp>
-        <p:nvSpPr>
-          <p:cNvPr id="2" name="Title 1"/>
-          <p:cNvSpPr>
-            <a:spLocks noGrp="1"/>
-          </p:cNvSpPr>
-          <p:nvPr>
-            <p:ph type="title"/>
-          </p:nvPr>
-        </p:nvSpPr>
-        <p:spPr/>
-        <p:txBody>
-          <a:bodyPr/>
-          <a:lstStyle/>
-          <a:p>
-            <a:r>
-              <a:rPr lang="en-US" dirty="0"/>
-              <a:t>Description of Application</a:t>
-            </a:r>
-          </a:p>
-        </p:txBody>
-      </p:sp>
-      <p:sp>
-        <p:nvSpPr>
-          <p:cNvPr id="3" name="Content Placeholder 2"/>
-          <p:cNvSpPr>
-            <a:spLocks noGrp="1"/>
-          </p:cNvSpPr>
-          <p:nvPr>
-            <p:ph idx="1"/>
-          </p:nvPr>
-        </p:nvSpPr>
-        <p:spPr/>
-        <p:txBody>
-          <a:bodyPr/>
-          <a:lstStyle/>
-          <a:p>
-            <a:r>
-              <a:rPr lang="en-US" dirty="0"/>
-              <a:t>how each aspect of your application will satisfy their needs </a:t>
-            </a:r>
-          </a:p>
-          <a:p>
-            <a:r>
-              <a:rPr lang="en-US" dirty="0"/>
-              <a:t>screen shots</a:t>
-            </a:r>
-          </a:p>
-        </p:txBody>
-      </p:sp>
-    </p:spTree>
-    <p:extLst>
-      <p:ext uri="{BB962C8B-B14F-4D97-AF65-F5344CB8AC3E}">
-        <p14:creationId xmlns:p14="http://schemas.microsoft.com/office/powerpoint/2010/main" val="2948374538"/>
-      </p:ext>
-    </p:extLst>
-  </p:cSld>
-  <p:clrMapOvr>
-    <a:masterClrMapping/>
-  </p:clrMapOvr>
-</p:sld>
-</file>
-
-<file path=ppt/slides/slide3.xml><?xml version="1.0" encoding="utf-8"?>
-<p:sld xmlns:a="http://schemas.openxmlformats.org/drawingml/2006/main" xmlns:r="http://schemas.openxmlformats.org/officeDocument/2006/relationships" xmlns:p="http://schemas.openxmlformats.org/presentationml/2006/main">
-  <p:cSld>
-    <p:spTree>
-      <p:nvGrpSpPr>
-        <p:cNvPr id="1" name=""/>
-        <p:cNvGrpSpPr/>
-        <p:nvPr/>
-      </p:nvGrpSpPr>
-      <p:grpSpPr>
-        <a:xfrm>
-          <a:off x="0" y="0"/>
-          <a:ext cx="0" cy="0"/>
-          <a:chOff x="0" y="0"/>
-          <a:chExt cx="0" cy="0"/>
-        </a:xfrm>
-      </p:grpSpPr>
-      <p:pic>
-        <p:nvPicPr>
-          <p:cNvPr id="2050" name="Picture 2" descr="Movie Theater UML.png"/>
-          <p:cNvPicPr>
-            <a:picLocks noChangeAspect="1" noChangeArrowheads="1"/>
-          </p:cNvPicPr>
-          <p:nvPr/>
-        </p:nvPicPr>
-        <p:blipFill rotWithShape="1">
-          <a:blip r:embed="rId2">
-            <a:extLst>
-              <a:ext uri="{28A0092B-C50C-407E-A947-70E740481C1C}">
-                <a14:useLocalDpi xmlns:a14="http://schemas.microsoft.com/office/drawing/2010/main" val="0"/>
-              </a:ext>
-            </a:extLst>
-          </a:blip>
-          <a:srcRect l="1113" r="7873" b="-2"/>
-          <a:stretch/>
-        </p:blipFill>
-        <p:spPr bwMode="auto">
-          <a:xfrm>
-            <a:off x="1141412" y="2497720"/>
-            <a:ext cx="4662140" cy="3047892"/>
-          </a:xfrm>
-          <a:prstGeom prst="round2DiagRect">
-            <a:avLst>
-              <a:gd name="adj1" fmla="val 4860"/>
-              <a:gd name="adj2" fmla="val 0"/>
-            </a:avLst>
-          </a:prstGeom>
-          <a:noFill/>
-          <a:ln w="19050" cap="sq">
-            <a:solidFill>
-              <a:schemeClr val="tx2">
-                <a:lumMod val="60000"/>
-                <a:lumOff val="40000"/>
-                <a:alpha val="60000"/>
-              </a:schemeClr>
-            </a:solidFill>
-            <a:miter lim="800000"/>
-          </a:ln>
-          <a:effectLst>
-            <a:outerShdw blurRad="88900" dist="38100" dir="5400000" algn="t" rotWithShape="0">
-              <a:prstClr val="black">
-                <a:alpha val="40000"/>
-              </a:prstClr>
-            </a:outerShdw>
-          </a:effectLst>
-          <a:extLst>
-            <a:ext uri="{909E8E84-426E-40DD-AFC4-6F175D3DCCD1}">
-              <a14:hiddenFill xmlns:a14="http://schemas.microsoft.com/office/drawing/2010/main">
-                <a:solidFill>
-                  <a:srgbClr val="FFFFFF"/>
-                </a:solidFill>
-              </a14:hiddenFill>
-            </a:ext>
-          </a:extLst>
-        </p:spPr>
-      </p:pic>
-      <p:sp>
-        <p:nvSpPr>
-          <p:cNvPr id="2" name="Title 1"/>
-          <p:cNvSpPr>
-            <a:spLocks noGrp="1"/>
-          </p:cNvSpPr>
-          <p:nvPr>
-            <p:ph type="title"/>
-          </p:nvPr>
-        </p:nvSpPr>
-        <p:spPr>
-          <a:xfrm>
-            <a:off x="1141413" y="618518"/>
-            <a:ext cx="9905998" cy="1478570"/>
-          </a:xfrm>
-        </p:spPr>
-        <p:txBody>
-          <a:bodyPr vert="horz" lIns="91440" tIns="45720" rIns="91440" bIns="45720" rtlCol="0" anchor="ctr">
-            <a:normAutofit/>
-          </a:bodyPr>
-          <a:lstStyle/>
-          <a:p>
-            <a:pPr algn="ctr"/>
-            <a:r>
-              <a:rPr lang="en-US" dirty="0"/>
-              <a:t>UML Diagram</a:t>
-            </a:r>
-            <a:endParaRPr lang="en-US"/>
-          </a:p>
-        </p:txBody>
-      </p:sp>
-      <p:sp>
-        <p:nvSpPr>
-          <p:cNvPr id="4" name="TextBox 3"/>
-          <p:cNvSpPr txBox="1"/>
-          <p:nvPr/>
-        </p:nvSpPr>
-        <p:spPr>
-          <a:xfrm>
-            <a:off x="6204479" y="2249487"/>
-            <a:ext cx="4844521" cy="3541714"/>
-          </a:xfrm>
-          <a:prstGeom prst="rect">
-            <a:avLst/>
-          </a:prstGeom>
-        </p:spPr>
-        <p:txBody>
-          <a:bodyPr vert="horz" lIns="91440" tIns="45720" rIns="91440" bIns="45720" rtlCol="0" anchor="ctr">
-            <a:normAutofit/>
-          </a:bodyPr>
-          <a:lstStyle/>
-          <a:p>
-            <a:pPr indent="-228600" defTabSz="914400">
-              <a:lnSpc>
-                <a:spcPct val="120000"/>
-              </a:lnSpc>
-              <a:buSzPct val="125000"/>
-              <a:buFont typeface="Arial" panose="020B0604020202020204" pitchFamily="34" charset="0"/>
-              <a:buChar char="•"/>
-            </a:pPr>
-            <a:r>
-              <a:rPr lang="en-US" dirty="0"/>
-              <a:t>The Menu and Concessions schema were merged in our final database to reduce redundancy.</a:t>
-            </a:r>
-            <a:endParaRPr lang="en-US"/>
-          </a:p>
-          <a:p>
-            <a:pPr indent="-228600" defTabSz="914400">
-              <a:lnSpc>
-                <a:spcPct val="120000"/>
-              </a:lnSpc>
-              <a:buSzPct val="125000"/>
-              <a:buFont typeface="Arial" panose="020B0604020202020204" pitchFamily="34" charset="0"/>
-              <a:buChar char="•"/>
-            </a:pPr>
-            <a:endParaRPr lang="en-US"/>
-          </a:p>
-          <a:p>
-            <a:pPr indent="-228600" defTabSz="914400">
-              <a:lnSpc>
-                <a:spcPct val="120000"/>
-              </a:lnSpc>
-              <a:buSzPct val="125000"/>
-              <a:buFont typeface="Arial" panose="020B0604020202020204" pitchFamily="34" charset="0"/>
-              <a:buChar char="•"/>
-            </a:pPr>
-            <a:r>
-              <a:rPr lang="en-US" dirty="0"/>
-              <a:t>Also The Calendar is part of the Schedule schema so that it made the database easier to access for dates and times.</a:t>
-            </a:r>
-            <a:endParaRPr lang="en-US"/>
-          </a:p>
-        </p:txBody>
-      </p:sp>
-    </p:spTree>
-    <p:extLst>
-      <p:ext uri="{BB962C8B-B14F-4D97-AF65-F5344CB8AC3E}">
-        <p14:creationId xmlns:p14="http://schemas.microsoft.com/office/powerpoint/2010/main" val="2341113651"/>
-      </p:ext>
-    </p:extLst>
-  </p:cSld>
-  <p:clrMapOvr>
-    <a:masterClrMapping/>
-  </p:clrMapOvr>
-</p:sld>
-</file>
-
-<file path=ppt/slides/slide4.xml><?xml version="1.0" encoding="utf-8"?>
-<p:sld xmlns:a="http://schemas.openxmlformats.org/drawingml/2006/main" xmlns:r="http://schemas.openxmlformats.org/officeDocument/2006/relationships" xmlns:p="http://schemas.openxmlformats.org/presentationml/2006/main">
-  <p:cSld>
-    <p:spTree>
-      <p:nvGrpSpPr>
-        <p:cNvPr id="1" name=""/>
-        <p:cNvGrpSpPr/>
-        <p:nvPr/>
-      </p:nvGrpSpPr>
-      <p:grpSpPr>
-        <a:xfrm>
-          <a:off x="0" y="0"/>
-          <a:ext cx="0" cy="0"/>
-          <a:chOff x="0" y="0"/>
-          <a:chExt cx="0" cy="0"/>
-        </a:xfrm>
-      </p:grpSpPr>
-      <p:sp>
-        <p:nvSpPr>
-          <p:cNvPr id="2" name="Title 1"/>
-          <p:cNvSpPr>
-            <a:spLocks noGrp="1"/>
-          </p:cNvSpPr>
-          <p:nvPr>
-            <p:ph type="title"/>
-          </p:nvPr>
-        </p:nvSpPr>
-        <p:spPr/>
-        <p:txBody>
-          <a:bodyPr/>
-          <a:lstStyle/>
-          <a:p>
-            <a:r>
-              <a:rPr lang="en-US" dirty="0"/>
-              <a:t>Required Queries</a:t>
-            </a:r>
-          </a:p>
-        </p:txBody>
-      </p:sp>
-      <p:sp>
-        <p:nvSpPr>
-          <p:cNvPr id="3" name="Content Placeholder 2"/>
-          <p:cNvSpPr>
-            <a:spLocks noGrp="1"/>
-          </p:cNvSpPr>
-          <p:nvPr>
-            <p:ph idx="1"/>
-          </p:nvPr>
-        </p:nvSpPr>
-        <p:spPr/>
-        <p:txBody>
-          <a:bodyPr>
-            <a:normAutofit/>
-          </a:bodyPr>
-          <a:lstStyle/>
-          <a:p>
-            <a:r>
-              <a:rPr lang="en-US" dirty="0"/>
-              <a:t>Focused on retrieving data for the user based on the field that the data is classified in. </a:t>
-            </a:r>
-          </a:p>
-          <a:p>
-            <a:r>
-              <a:rPr lang="en-US" dirty="0"/>
-              <a:t>For Example: Retrieve all of the data for concessions that the inventory is below a certain range.</a:t>
-            </a:r>
-          </a:p>
-        </p:txBody>
-      </p:sp>
-      <p:pic>
-        <p:nvPicPr>
-          <p:cNvPr id="3074" name="Picture 2" descr="Image result for query"/>
-          <p:cNvPicPr>
-            <a:picLocks noChangeAspect="1" noChangeArrowheads="1"/>
-          </p:cNvPicPr>
-          <p:nvPr/>
-        </p:nvPicPr>
-        <p:blipFill>
-          <a:blip r:embed="rId2">
-            <a:extLst>
-              <a:ext uri="{28A0092B-C50C-407E-A947-70E740481C1C}">
-                <a14:useLocalDpi xmlns:a14="http://schemas.microsoft.com/office/drawing/2010/main" val="0"/>
-              </a:ext>
-            </a:extLst>
-          </a:blip>
-          <a:srcRect/>
-          <a:stretch>
-            <a:fillRect/>
-          </a:stretch>
-        </p:blipFill>
-        <p:spPr bwMode="auto">
-          <a:xfrm>
-            <a:off x="7350035" y="4107430"/>
-            <a:ext cx="2438400" cy="2438400"/>
-          </a:xfrm>
-          <a:prstGeom prst="rect">
-            <a:avLst/>
-          </a:prstGeom>
-          <a:noFill/>
-          <a:extLst>
-            <a:ext uri="{909E8E84-426E-40DD-AFC4-6F175D3DCCD1}">
-              <a14:hiddenFill xmlns:a14="http://schemas.microsoft.com/office/drawing/2010/main">
-                <a:solidFill>
-                  <a:srgbClr val="FFFFFF"/>
-                </a:solidFill>
-              </a14:hiddenFill>
-            </a:ext>
-          </a:extLst>
-        </p:spPr>
-      </p:pic>
-      <p:sp>
-        <p:nvSpPr>
-          <p:cNvPr id="4" name="AutoShape 4" descr="Image result for query"/>
-          <p:cNvSpPr>
-            <a:spLocks noChangeAspect="1" noChangeArrowheads="1"/>
-          </p:cNvSpPr>
-          <p:nvPr/>
-        </p:nvSpPr>
-        <p:spPr bwMode="auto">
-          <a:xfrm>
-            <a:off x="5943600" y="3276600"/>
-            <a:ext cx="304800" cy="304800"/>
-          </a:xfrm>
-          <a:prstGeom prst="rect">
-            <a:avLst/>
-          </a:prstGeom>
-          <a:noFill/>
-          <a:extLst>
-            <a:ext uri="{909E8E84-426E-40DD-AFC4-6F175D3DCCD1}">
-              <a14:hiddenFill xmlns:a14="http://schemas.microsoft.com/office/drawing/2010/main">
-                <a:solidFill>
-                  <a:srgbClr val="FFFFFF"/>
-                </a:solidFill>
-              </a14:hiddenFill>
-            </a:ext>
-          </a:extLst>
-        </p:spPr>
-        <p:txBody>
-          <a:bodyPr vert="horz" wrap="square" lIns="91440" tIns="45720" rIns="91440" bIns="45720" numCol="1" anchor="t" anchorCtr="0" compatLnSpc="1">
-            <a:prstTxWarp prst="textNoShape">
-              <a:avLst/>
-            </a:prstTxWarp>
-          </a:bodyPr>
-          <a:lstStyle/>
-          <a:p>
-            <a:endParaRPr lang="en-US"/>
-          </a:p>
-        </p:txBody>
-      </p:sp>
-      <p:pic>
-        <p:nvPicPr>
-          <p:cNvPr id="3080" name="Picture 8" descr="Image result for query"/>
-          <p:cNvPicPr>
-            <a:picLocks noChangeAspect="1" noChangeArrowheads="1"/>
-          </p:cNvPicPr>
-          <p:nvPr/>
-        </p:nvPicPr>
-        <p:blipFill>
-          <a:blip r:embed="rId3">
-            <a:extLst>
-              <a:ext uri="{28A0092B-C50C-407E-A947-70E740481C1C}">
-                <a14:useLocalDpi xmlns:a14="http://schemas.microsoft.com/office/drawing/2010/main" val="0"/>
-              </a:ext>
-            </a:extLst>
-          </a:blip>
-          <a:srcRect/>
-          <a:stretch>
-            <a:fillRect/>
-          </a:stretch>
-        </p:blipFill>
-        <p:spPr bwMode="auto">
-          <a:xfrm>
-            <a:off x="2106930" y="4617720"/>
-            <a:ext cx="1643743" cy="1643743"/>
-          </a:xfrm>
-          <a:prstGeom prst="rect">
-            <a:avLst/>
-          </a:prstGeom>
-          <a:noFill/>
-          <a:extLst>
-            <a:ext uri="{909E8E84-426E-40DD-AFC4-6F175D3DCCD1}">
-              <a14:hiddenFill xmlns:a14="http://schemas.microsoft.com/office/drawing/2010/main">
-                <a:solidFill>
-                  <a:srgbClr val="FFFFFF"/>
-                </a:solidFill>
-              </a14:hiddenFill>
-            </a:ext>
-          </a:extLst>
-        </p:spPr>
-      </p:pic>
-    </p:spTree>
-    <p:extLst>
-      <p:ext uri="{BB962C8B-B14F-4D97-AF65-F5344CB8AC3E}">
-        <p14:creationId xmlns:p14="http://schemas.microsoft.com/office/powerpoint/2010/main" val="2801369452"/>
-      </p:ext>
-    </p:extLst>
-  </p:cSld>
-  <p:clrMapOvr>
-    <a:masterClrMapping/>
-  </p:clrMapOvr>
-</p:sld>
-</file>
-
-<file path=ppt/slides/slide5.xml><?xml version="1.0" encoding="utf-8"?>
-<p:sld xmlns:a="http://schemas.openxmlformats.org/drawingml/2006/main" xmlns:r="http://schemas.openxmlformats.org/officeDocument/2006/relationships" xmlns:p="http://schemas.openxmlformats.org/presentationml/2006/main">
-  <p:cSld>
-    <p:spTree>
-      <p:nvGrpSpPr>
-        <p:cNvPr id="1" name=""/>
-        <p:cNvGrpSpPr/>
-        <p:nvPr/>
-      </p:nvGrpSpPr>
-      <p:grpSpPr>
-        <a:xfrm>
-          <a:off x="0" y="0"/>
-          <a:ext cx="0" cy="0"/>
-          <a:chOff x="0" y="0"/>
-          <a:chExt cx="0" cy="0"/>
-        </a:xfrm>
-      </p:grpSpPr>
-      <p:sp>
-        <p:nvSpPr>
-          <p:cNvPr id="2" name="Title 1"/>
-          <p:cNvSpPr>
-            <a:spLocks noGrp="1"/>
-          </p:cNvSpPr>
-          <p:nvPr>
-            <p:ph type="title"/>
-          </p:nvPr>
-        </p:nvSpPr>
-        <p:spPr/>
-        <p:txBody>
-          <a:bodyPr>
-            <a:normAutofit/>
-          </a:bodyPr>
-          <a:lstStyle/>
-          <a:p>
-            <a:r>
-              <a:rPr lang="en-US" dirty="0"/>
-              <a:t>Discussion of code snippets using </a:t>
-            </a:r>
-            <a:r>
-              <a:rPr lang="en-US"/>
-              <a:t>embedded SQL</a:t>
-            </a:r>
-            <a:endParaRPr lang="en-US" dirty="0"/>
-          </a:p>
-        </p:txBody>
-      </p:sp>
-      <p:sp>
-        <p:nvSpPr>
-          <p:cNvPr id="3" name="Content Placeholder 2"/>
-          <p:cNvSpPr>
-            <a:spLocks noGrp="1"/>
-          </p:cNvSpPr>
-          <p:nvPr>
-            <p:ph idx="1"/>
-          </p:nvPr>
-        </p:nvSpPr>
-        <p:spPr/>
-        <p:txBody>
-          <a:bodyPr/>
-          <a:lstStyle/>
-          <a:p>
-            <a:endParaRPr lang="en-US" dirty="0"/>
-          </a:p>
-        </p:txBody>
-      </p:sp>
-    </p:spTree>
-    <p:extLst>
-      <p:ext uri="{BB962C8B-B14F-4D97-AF65-F5344CB8AC3E}">
-        <p14:creationId xmlns:p14="http://schemas.microsoft.com/office/powerpoint/2010/main" val="2426220390"/>
-      </p:ext>
-    </p:extLst>
-  </p:cSld>
-  <p:clrMapOvr>
-    <a:masterClrMapping/>
-  </p:clrMapOvr>
-</p:sld>
-</file>
-
-<file path=ppt/slides/slide6.xml><?xml version="1.0" encoding="utf-8"?>
-<p:sld xmlns:a="http://schemas.openxmlformats.org/drawingml/2006/main" xmlns:r="http://schemas.openxmlformats.org/officeDocument/2006/relationships" xmlns:p="http://schemas.openxmlformats.org/presentationml/2006/main">
-  <p:cSld>
-    <p:spTree>
-      <p:nvGrpSpPr>
-        <p:cNvPr id="1" name=""/>
-        <p:cNvGrpSpPr/>
-        <p:nvPr/>
-      </p:nvGrpSpPr>
-      <p:grpSpPr>
-        <a:xfrm>
-          <a:off x="0" y="0"/>
-          <a:ext cx="0" cy="0"/>
-          <a:chOff x="0" y="0"/>
-          <a:chExt cx="0" cy="0"/>
-        </a:xfrm>
-      </p:grpSpPr>
-      <p:sp>
-        <p:nvSpPr>
-          <p:cNvPr id="2" name="Title 1"/>
-          <p:cNvSpPr>
-            <a:spLocks noGrp="1"/>
-          </p:cNvSpPr>
-          <p:nvPr>
-            <p:ph type="title"/>
-          </p:nvPr>
-        </p:nvSpPr>
-        <p:spPr/>
-        <p:txBody>
-          <a:bodyPr/>
-          <a:lstStyle/>
-          <a:p>
-            <a:r>
-              <a:rPr lang="en-US" dirty="0"/>
-              <a:t>Project Application Demo</a:t>
-            </a:r>
-          </a:p>
-        </p:txBody>
-      </p:sp>
-      <p:sp>
-        <p:nvSpPr>
-          <p:cNvPr id="3" name="Content Placeholder 2"/>
-          <p:cNvSpPr>
-            <a:spLocks noGrp="1"/>
-          </p:cNvSpPr>
-          <p:nvPr>
-            <p:ph idx="1"/>
-          </p:nvPr>
-        </p:nvSpPr>
-        <p:spPr/>
-        <p:txBody>
-          <a:bodyPr/>
-          <a:lstStyle/>
-          <a:p>
-            <a:r>
-              <a:rPr lang="en-US" dirty="0"/>
-              <a:t>Our project is made in C#</a:t>
-            </a:r>
-          </a:p>
-          <a:p>
-            <a:r>
-              <a:rPr lang="en-US" dirty="0"/>
-              <a:t>It is a Windows Forms application. </a:t>
-            </a:r>
-          </a:p>
-          <a:p>
-            <a:r>
-              <a:rPr lang="en-US" dirty="0"/>
-              <a:t>Our program uses a 3 panel approach to display data to the user. </a:t>
-            </a:r>
-          </a:p>
-          <a:p>
-            <a:r>
-              <a:rPr lang="en-US" dirty="0"/>
-              <a:t>We can access each panel through separate functions that load data from the database.</a:t>
-            </a:r>
-          </a:p>
-        </p:txBody>
-      </p:sp>
-    </p:spTree>
-    <p:extLst>
-      <p:ext uri="{BB962C8B-B14F-4D97-AF65-F5344CB8AC3E}">
-        <p14:creationId xmlns:p14="http://schemas.microsoft.com/office/powerpoint/2010/main" val="3490722009"/>
-      </p:ext>
-    </p:extLst>
-  </p:cSld>
-  <p:clrMapOvr>
-    <a:masterClrMapping/>
-  </p:clrMapOvr>
-</p:sld>
-</file>
-
-<file path=ppt/slides/slide7.xml><?xml version="1.0" encoding="utf-8"?>
+<file path=ppt/slides/slide10.xml><?xml version="1.0" encoding="utf-8"?>
 <p:sld xmlns:a="http://schemas.openxmlformats.org/drawingml/2006/main" xmlns:r="http://schemas.openxmlformats.org/officeDocument/2006/relationships" xmlns:p="http://schemas.openxmlformats.org/presentationml/2006/main">
   <p:cSld>
     <p:spTree>
@@ -15367,7 +14733,1583 @@
 </p:sld>
 </file>
 
+<file path=ppt/slides/slide2.xml><?xml version="1.0" encoding="utf-8"?>
+<p:sld xmlns:a="http://schemas.openxmlformats.org/drawingml/2006/main" xmlns:r="http://schemas.openxmlformats.org/officeDocument/2006/relationships" xmlns:p="http://schemas.openxmlformats.org/presentationml/2006/main">
+  <p:cSld>
+    <p:spTree>
+      <p:nvGrpSpPr>
+        <p:cNvPr id="1" name=""/>
+        <p:cNvGrpSpPr/>
+        <p:nvPr/>
+      </p:nvGrpSpPr>
+      <p:grpSpPr>
+        <a:xfrm>
+          <a:off x="0" y="0"/>
+          <a:ext cx="0" cy="0"/>
+          <a:chOff x="0" y="0"/>
+          <a:chExt cx="0" cy="0"/>
+        </a:xfrm>
+      </p:grpSpPr>
+      <p:sp>
+        <p:nvSpPr>
+          <p:cNvPr id="2" name="Title 1"/>
+          <p:cNvSpPr>
+            <a:spLocks noGrp="1"/>
+          </p:cNvSpPr>
+          <p:nvPr>
+            <p:ph type="title"/>
+          </p:nvPr>
+        </p:nvSpPr>
+        <p:spPr/>
+        <p:txBody>
+          <a:bodyPr/>
+          <a:lstStyle/>
+          <a:p>
+            <a:r>
+              <a:rPr lang="en-US" dirty="0"/>
+              <a:t>Description of Application</a:t>
+            </a:r>
+          </a:p>
+        </p:txBody>
+      </p:sp>
+      <p:sp>
+        <p:nvSpPr>
+          <p:cNvPr id="3" name="Content Placeholder 2"/>
+          <p:cNvSpPr>
+            <a:spLocks noGrp="1"/>
+          </p:cNvSpPr>
+          <p:nvPr>
+            <p:ph idx="1"/>
+          </p:nvPr>
+        </p:nvSpPr>
+        <p:spPr/>
+        <p:txBody>
+          <a:bodyPr/>
+          <a:lstStyle/>
+          <a:p>
+            <a:r>
+              <a:rPr lang="en-US" dirty="0"/>
+              <a:t>Our goal was to create an app that staff at a movie theater can use to keep track of stock, menu items, and ticket sales and pricing. </a:t>
+            </a:r>
+          </a:p>
+          <a:p>
+            <a:r>
+              <a:rPr lang="en-US" dirty="0"/>
+              <a:t>We also aimed to make this application very user friendly. </a:t>
+            </a:r>
+          </a:p>
+          <a:p>
+            <a:r>
+              <a:rPr lang="en-US" dirty="0"/>
+              <a:t>It is written in C# and is a Windows Forms Application.</a:t>
+            </a:r>
+          </a:p>
+          <a:p>
+            <a:r>
+              <a:rPr lang="en-US" dirty="0"/>
+              <a:t>We use SQL Server to handle our database, and to execute necessary queries. </a:t>
+            </a:r>
+          </a:p>
+        </p:txBody>
+      </p:sp>
+    </p:spTree>
+    <p:extLst>
+      <p:ext uri="{BB962C8B-B14F-4D97-AF65-F5344CB8AC3E}">
+        <p14:creationId xmlns:p14="http://schemas.microsoft.com/office/powerpoint/2010/main" val="2948374538"/>
+      </p:ext>
+    </p:extLst>
+  </p:cSld>
+  <p:clrMapOvr>
+    <a:masterClrMapping/>
+  </p:clrMapOvr>
+</p:sld>
+</file>
+
+<file path=ppt/slides/slide3.xml><?xml version="1.0" encoding="utf-8"?>
+<p:sld xmlns:a="http://schemas.openxmlformats.org/drawingml/2006/main" xmlns:r="http://schemas.openxmlformats.org/officeDocument/2006/relationships" xmlns:p="http://schemas.openxmlformats.org/presentationml/2006/main">
+  <p:cSld>
+    <p:spTree>
+      <p:nvGrpSpPr>
+        <p:cNvPr id="1" name=""/>
+        <p:cNvGrpSpPr/>
+        <p:nvPr/>
+      </p:nvGrpSpPr>
+      <p:grpSpPr>
+        <a:xfrm>
+          <a:off x="0" y="0"/>
+          <a:ext cx="0" cy="0"/>
+          <a:chOff x="0" y="0"/>
+          <a:chExt cx="0" cy="0"/>
+        </a:xfrm>
+      </p:grpSpPr>
+      <p:sp>
+        <p:nvSpPr>
+          <p:cNvPr id="2" name="Title 1"/>
+          <p:cNvSpPr>
+            <a:spLocks noGrp="1"/>
+          </p:cNvSpPr>
+          <p:nvPr>
+            <p:ph type="title"/>
+          </p:nvPr>
+        </p:nvSpPr>
+        <p:spPr>
+          <a:xfrm>
+            <a:off x="1141413" y="618518"/>
+            <a:ext cx="9905998" cy="1478570"/>
+          </a:xfrm>
+        </p:spPr>
+        <p:txBody>
+          <a:bodyPr vert="horz" lIns="91440" tIns="45720" rIns="91440" bIns="45720" rtlCol="0" anchor="ctr">
+            <a:normAutofit/>
+          </a:bodyPr>
+          <a:lstStyle/>
+          <a:p>
+            <a:pPr algn="ctr"/>
+            <a:r>
+              <a:rPr lang="en-US" dirty="0"/>
+              <a:t>UML Diagram</a:t>
+            </a:r>
+            <a:endParaRPr lang="en-US"/>
+          </a:p>
+        </p:txBody>
+      </p:sp>
+      <p:pic>
+        <p:nvPicPr>
+          <p:cNvPr id="3" name="Picture 2"/>
+          <p:cNvPicPr>
+            <a:picLocks noChangeAspect="1"/>
+          </p:cNvPicPr>
+          <p:nvPr/>
+        </p:nvPicPr>
+        <p:blipFill>
+          <a:blip r:embed="rId2">
+            <a:extLst>
+              <a:ext uri="{28A0092B-C50C-407E-A947-70E740481C1C}">
+                <a14:useLocalDpi xmlns:a14="http://schemas.microsoft.com/office/drawing/2010/main" val="0"/>
+              </a:ext>
+            </a:extLst>
+          </a:blip>
+          <a:stretch>
+            <a:fillRect/>
+          </a:stretch>
+        </p:blipFill>
+        <p:spPr>
+          <a:xfrm>
+            <a:off x="2438407" y="2012450"/>
+            <a:ext cx="7312010" cy="4351838"/>
+          </a:xfrm>
+          <a:prstGeom prst="rect">
+            <a:avLst/>
+          </a:prstGeom>
+        </p:spPr>
+      </p:pic>
+    </p:spTree>
+    <p:extLst>
+      <p:ext uri="{BB962C8B-B14F-4D97-AF65-F5344CB8AC3E}">
+        <p14:creationId xmlns:p14="http://schemas.microsoft.com/office/powerpoint/2010/main" val="2341113651"/>
+      </p:ext>
+    </p:extLst>
+  </p:cSld>
+  <p:clrMapOvr>
+    <a:masterClrMapping/>
+  </p:clrMapOvr>
+</p:sld>
+</file>
+
+<file path=ppt/slides/slide4.xml><?xml version="1.0" encoding="utf-8"?>
+<p:sld xmlns:a="http://schemas.openxmlformats.org/drawingml/2006/main" xmlns:r="http://schemas.openxmlformats.org/officeDocument/2006/relationships" xmlns:p="http://schemas.openxmlformats.org/presentationml/2006/main">
+  <p:cSld>
+    <p:spTree>
+      <p:nvGrpSpPr>
+        <p:cNvPr id="1" name=""/>
+        <p:cNvGrpSpPr/>
+        <p:nvPr/>
+      </p:nvGrpSpPr>
+      <p:grpSpPr>
+        <a:xfrm>
+          <a:off x="0" y="0"/>
+          <a:ext cx="0" cy="0"/>
+          <a:chOff x="0" y="0"/>
+          <a:chExt cx="0" cy="0"/>
+        </a:xfrm>
+      </p:grpSpPr>
+      <p:sp>
+        <p:nvSpPr>
+          <p:cNvPr id="2" name="Title 1"/>
+          <p:cNvSpPr>
+            <a:spLocks noGrp="1"/>
+          </p:cNvSpPr>
+          <p:nvPr>
+            <p:ph type="title"/>
+          </p:nvPr>
+        </p:nvSpPr>
+        <p:spPr/>
+        <p:txBody>
+          <a:bodyPr/>
+          <a:lstStyle/>
+          <a:p>
+            <a:r>
+              <a:rPr lang="en-US" dirty="0"/>
+              <a:t>Required Queries</a:t>
+            </a:r>
+          </a:p>
+        </p:txBody>
+      </p:sp>
+      <p:sp>
+        <p:nvSpPr>
+          <p:cNvPr id="3" name="Content Placeholder 2"/>
+          <p:cNvSpPr>
+            <a:spLocks noGrp="1"/>
+          </p:cNvSpPr>
+          <p:nvPr>
+            <p:ph idx="1"/>
+          </p:nvPr>
+        </p:nvSpPr>
+        <p:spPr/>
+        <p:txBody>
+          <a:bodyPr>
+            <a:normAutofit/>
+          </a:bodyPr>
+          <a:lstStyle/>
+          <a:p>
+            <a:r>
+              <a:rPr lang="en-US" dirty="0"/>
+              <a:t>Focused on retrieving data for the user based on the field that the data is classified in. </a:t>
+            </a:r>
+          </a:p>
+          <a:p>
+            <a:r>
+              <a:rPr lang="en-US" dirty="0"/>
+              <a:t>For Example: Retrieve all of the data for concessions that the inventory is below a certain range.</a:t>
+            </a:r>
+          </a:p>
+        </p:txBody>
+      </p:sp>
+      <p:pic>
+        <p:nvPicPr>
+          <p:cNvPr id="3074" name="Picture 2" descr="Image result for query"/>
+          <p:cNvPicPr>
+            <a:picLocks noChangeAspect="1" noChangeArrowheads="1"/>
+          </p:cNvPicPr>
+          <p:nvPr/>
+        </p:nvPicPr>
+        <p:blipFill>
+          <a:blip r:embed="rId2">
+            <a:extLst>
+              <a:ext uri="{28A0092B-C50C-407E-A947-70E740481C1C}">
+                <a14:useLocalDpi xmlns:a14="http://schemas.microsoft.com/office/drawing/2010/main" val="0"/>
+              </a:ext>
+            </a:extLst>
+          </a:blip>
+          <a:srcRect/>
+          <a:stretch>
+            <a:fillRect/>
+          </a:stretch>
+        </p:blipFill>
+        <p:spPr bwMode="auto">
+          <a:xfrm>
+            <a:off x="6248400" y="3931261"/>
+            <a:ext cx="2438400" cy="2438400"/>
+          </a:xfrm>
+          <a:prstGeom prst="rect">
+            <a:avLst/>
+          </a:prstGeom>
+          <a:noFill/>
+          <a:extLst>
+            <a:ext uri="{909E8E84-426E-40DD-AFC4-6F175D3DCCD1}">
+              <a14:hiddenFill xmlns:a14="http://schemas.microsoft.com/office/drawing/2010/main">
+                <a:solidFill>
+                  <a:srgbClr val="FFFFFF"/>
+                </a:solidFill>
+              </a14:hiddenFill>
+            </a:ext>
+          </a:extLst>
+        </p:spPr>
+      </p:pic>
+      <p:sp>
+        <p:nvSpPr>
+          <p:cNvPr id="4" name="AutoShape 4" descr="Image result for query"/>
+          <p:cNvSpPr>
+            <a:spLocks noChangeAspect="1" noChangeArrowheads="1"/>
+          </p:cNvSpPr>
+          <p:nvPr/>
+        </p:nvSpPr>
+        <p:spPr bwMode="auto">
+          <a:xfrm>
+            <a:off x="5943600" y="3276600"/>
+            <a:ext cx="304800" cy="304800"/>
+          </a:xfrm>
+          <a:prstGeom prst="rect">
+            <a:avLst/>
+          </a:prstGeom>
+          <a:noFill/>
+          <a:extLst>
+            <a:ext uri="{909E8E84-426E-40DD-AFC4-6F175D3DCCD1}">
+              <a14:hiddenFill xmlns:a14="http://schemas.microsoft.com/office/drawing/2010/main">
+                <a:solidFill>
+                  <a:srgbClr val="FFFFFF"/>
+                </a:solidFill>
+              </a14:hiddenFill>
+            </a:ext>
+          </a:extLst>
+        </p:spPr>
+        <p:txBody>
+          <a:bodyPr vert="horz" wrap="square" lIns="91440" tIns="45720" rIns="91440" bIns="45720" numCol="1" anchor="t" anchorCtr="0" compatLnSpc="1">
+            <a:prstTxWarp prst="textNoShape">
+              <a:avLst/>
+            </a:prstTxWarp>
+          </a:bodyPr>
+          <a:lstStyle/>
+          <a:p>
+            <a:endParaRPr lang="en-US"/>
+          </a:p>
+        </p:txBody>
+      </p:sp>
+    </p:spTree>
+    <p:extLst>
+      <p:ext uri="{BB962C8B-B14F-4D97-AF65-F5344CB8AC3E}">
+        <p14:creationId xmlns:p14="http://schemas.microsoft.com/office/powerpoint/2010/main" val="2801369452"/>
+      </p:ext>
+    </p:extLst>
+  </p:cSld>
+  <p:clrMapOvr>
+    <a:masterClrMapping/>
+  </p:clrMapOvr>
+</p:sld>
+</file>
+
+<file path=ppt/slides/slide5.xml><?xml version="1.0" encoding="utf-8"?>
+<p:sld xmlns:a="http://schemas.openxmlformats.org/drawingml/2006/main" xmlns:r="http://schemas.openxmlformats.org/officeDocument/2006/relationships" xmlns:p="http://schemas.openxmlformats.org/presentationml/2006/main">
+  <p:cSld>
+    <p:spTree>
+      <p:nvGrpSpPr>
+        <p:cNvPr id="1" name=""/>
+        <p:cNvGrpSpPr/>
+        <p:nvPr/>
+      </p:nvGrpSpPr>
+      <p:grpSpPr>
+        <a:xfrm>
+          <a:off x="0" y="0"/>
+          <a:ext cx="0" cy="0"/>
+          <a:chOff x="0" y="0"/>
+          <a:chExt cx="0" cy="0"/>
+        </a:xfrm>
+      </p:grpSpPr>
+      <p:pic>
+        <p:nvPicPr>
+          <p:cNvPr id="4" name="Picture 8" descr="Image result for query"/>
+          <p:cNvPicPr>
+            <a:picLocks noChangeAspect="1" noChangeArrowheads="1"/>
+          </p:cNvPicPr>
+          <p:nvPr/>
+        </p:nvPicPr>
+        <p:blipFill rotWithShape="1">
+          <a:blip r:embed="rId2">
+            <a:extLst>
+              <a:ext uri="{28A0092B-C50C-407E-A947-70E740481C1C}">
+                <a14:useLocalDpi xmlns:a14="http://schemas.microsoft.com/office/drawing/2010/main" val="0"/>
+              </a:ext>
+            </a:extLst>
+          </a:blip>
+          <a:srcRect l="6990" r="22248" b="1"/>
+          <a:stretch/>
+        </p:blipFill>
+        <p:spPr bwMode="auto">
+          <a:xfrm>
+            <a:off x="8098170" y="1501689"/>
+            <a:ext cx="2641639" cy="3733042"/>
+          </a:xfrm>
+          <a:prstGeom prst="round2DiagRect">
+            <a:avLst>
+              <a:gd name="adj1" fmla="val 4860"/>
+              <a:gd name="adj2" fmla="val 44330"/>
+            </a:avLst>
+          </a:prstGeom>
+          <a:noFill/>
+          <a:ln w="19050" cap="sq">
+            <a:solidFill>
+              <a:schemeClr val="tx2">
+                <a:lumMod val="60000"/>
+                <a:lumOff val="40000"/>
+                <a:alpha val="60000"/>
+              </a:schemeClr>
+            </a:solidFill>
+            <a:miter lim="800000"/>
+          </a:ln>
+          <a:effectLst>
+            <a:outerShdw blurRad="88900" dist="38100" dir="5400000" algn="t" rotWithShape="0">
+              <a:prstClr val="black">
+                <a:alpha val="40000"/>
+              </a:prstClr>
+            </a:outerShdw>
+          </a:effectLst>
+          <a:extLst>
+            <a:ext uri="{909E8E84-426E-40DD-AFC4-6F175D3DCCD1}">
+              <a14:hiddenFill xmlns:a14="http://schemas.microsoft.com/office/drawing/2010/main">
+                <a:solidFill>
+                  <a:srgbClr val="FFFFFF"/>
+                </a:solidFill>
+              </a14:hiddenFill>
+            </a:ext>
+          </a:extLst>
+        </p:spPr>
+      </p:pic>
+      <p:sp>
+        <p:nvSpPr>
+          <p:cNvPr id="2" name="Title 1"/>
+          <p:cNvSpPr>
+            <a:spLocks noGrp="1"/>
+          </p:cNvSpPr>
+          <p:nvPr>
+            <p:ph type="title"/>
+          </p:nvPr>
+        </p:nvSpPr>
+        <p:spPr>
+          <a:xfrm>
+            <a:off x="2064201" y="224236"/>
+            <a:ext cx="3204086" cy="781074"/>
+          </a:xfrm>
+        </p:spPr>
+        <p:txBody>
+          <a:bodyPr anchor="b">
+            <a:normAutofit/>
+          </a:bodyPr>
+          <a:lstStyle/>
+          <a:p>
+            <a:r>
+              <a:rPr lang="en-US" dirty="0"/>
+              <a:t>Queries</a:t>
+            </a:r>
+          </a:p>
+        </p:txBody>
+      </p:sp>
+      <p:sp>
+        <p:nvSpPr>
+          <p:cNvPr id="3" name="Content Placeholder 2"/>
+          <p:cNvSpPr>
+            <a:spLocks noGrp="1"/>
+          </p:cNvSpPr>
+          <p:nvPr>
+            <p:ph idx="1"/>
+          </p:nvPr>
+        </p:nvSpPr>
+        <p:spPr>
+          <a:xfrm>
+            <a:off x="1401471" y="1189868"/>
+            <a:ext cx="5894388" cy="5504547"/>
+          </a:xfrm>
+        </p:spPr>
+        <p:txBody>
+          <a:bodyPr>
+            <a:normAutofit/>
+          </a:bodyPr>
+          <a:lstStyle/>
+          <a:p>
+            <a:pPr fontAlgn="base">
+              <a:lnSpc>
+                <a:spcPct val="100000"/>
+              </a:lnSpc>
+            </a:pPr>
+            <a:r>
+              <a:rPr lang="en-US" sz="1200" dirty="0"/>
+              <a:t>Go fetch the number of all of the items that are not fully stocked in inventory</a:t>
+            </a:r>
+          </a:p>
+          <a:p>
+            <a:pPr fontAlgn="base">
+              <a:lnSpc>
+                <a:spcPct val="100000"/>
+              </a:lnSpc>
+            </a:pPr>
+            <a:r>
+              <a:rPr lang="en-US" sz="1200" dirty="0"/>
+              <a:t>Fetch the movie time for [Movie Name]</a:t>
+            </a:r>
+          </a:p>
+          <a:p>
+            <a:pPr fontAlgn="base">
+              <a:lnSpc>
+                <a:spcPct val="100000"/>
+              </a:lnSpc>
+            </a:pPr>
+            <a:r>
+              <a:rPr lang="en-US" sz="1200" dirty="0"/>
+              <a:t>Fetch the number of tickets sold for [Movie Name]</a:t>
+            </a:r>
+          </a:p>
+          <a:p>
+            <a:pPr fontAlgn="base">
+              <a:lnSpc>
+                <a:spcPct val="100000"/>
+              </a:lnSpc>
+            </a:pPr>
+            <a:r>
+              <a:rPr lang="en-US" sz="1200" dirty="0"/>
+              <a:t>Fetch the time for all movies on a given day</a:t>
+            </a:r>
+          </a:p>
+          <a:p>
+            <a:pPr fontAlgn="base">
+              <a:lnSpc>
+                <a:spcPct val="100000"/>
+              </a:lnSpc>
+            </a:pPr>
+            <a:r>
+              <a:rPr lang="en-US" sz="1200" dirty="0"/>
+              <a:t>Fetch the current employee working in concessions</a:t>
+            </a:r>
+          </a:p>
+          <a:p>
+            <a:pPr fontAlgn="base">
+              <a:lnSpc>
+                <a:spcPct val="100000"/>
+              </a:lnSpc>
+            </a:pPr>
+            <a:r>
+              <a:rPr lang="en-US" sz="1200" dirty="0"/>
+              <a:t>Fetch Menu for concessions</a:t>
+            </a:r>
+          </a:p>
+          <a:p>
+            <a:pPr fontAlgn="base">
+              <a:lnSpc>
+                <a:spcPct val="100000"/>
+              </a:lnSpc>
+            </a:pPr>
+            <a:r>
+              <a:rPr lang="en-US" sz="1200" dirty="0"/>
+              <a:t>Fetch Ticket Prices</a:t>
+            </a:r>
+          </a:p>
+          <a:p>
+            <a:pPr fontAlgn="base">
+              <a:lnSpc>
+                <a:spcPct val="100000"/>
+              </a:lnSpc>
+            </a:pPr>
+            <a:r>
+              <a:rPr lang="en-US" sz="1200" dirty="0"/>
+              <a:t>Fetch Ticket Categories</a:t>
+            </a:r>
+          </a:p>
+          <a:p>
+            <a:pPr fontAlgn="base">
+              <a:lnSpc>
+                <a:spcPct val="100000"/>
+              </a:lnSpc>
+            </a:pPr>
+            <a:r>
+              <a:rPr lang="en-US" sz="1200" dirty="0"/>
+              <a:t>Fetch Theater number for [Movie Name]</a:t>
+            </a:r>
+          </a:p>
+          <a:p>
+            <a:pPr fontAlgn="base">
+              <a:lnSpc>
+                <a:spcPct val="100000"/>
+              </a:lnSpc>
+            </a:pPr>
+            <a:r>
+              <a:rPr lang="en-US" sz="1200" dirty="0"/>
+              <a:t>Fetch employee type</a:t>
+            </a:r>
+          </a:p>
+          <a:p>
+            <a:pPr fontAlgn="base">
+              <a:lnSpc>
+                <a:spcPct val="100000"/>
+              </a:lnSpc>
+            </a:pPr>
+            <a:r>
+              <a:rPr lang="en-US" sz="1200" dirty="0"/>
+              <a:t>Fetch calendar day</a:t>
+            </a:r>
+          </a:p>
+          <a:p>
+            <a:pPr fontAlgn="base">
+              <a:lnSpc>
+                <a:spcPct val="100000"/>
+              </a:lnSpc>
+            </a:pPr>
+            <a:r>
+              <a:rPr lang="en-US" sz="1200" dirty="0"/>
+              <a:t>Fetch time of day</a:t>
+            </a:r>
+          </a:p>
+          <a:p>
+            <a:pPr fontAlgn="base">
+              <a:lnSpc>
+                <a:spcPct val="100000"/>
+              </a:lnSpc>
+            </a:pPr>
+            <a:r>
+              <a:rPr lang="en-US" sz="1200" dirty="0"/>
+              <a:t>Fetch current logged users</a:t>
+            </a:r>
+          </a:p>
+          <a:p>
+            <a:pPr fontAlgn="base">
+              <a:lnSpc>
+                <a:spcPct val="100000"/>
+              </a:lnSpc>
+            </a:pPr>
+            <a:r>
+              <a:rPr lang="en-US" sz="1200" dirty="0"/>
+              <a:t>Fetch current user id</a:t>
+            </a:r>
+          </a:p>
+          <a:p>
+            <a:pPr fontAlgn="base">
+              <a:lnSpc>
+                <a:spcPct val="100000"/>
+              </a:lnSpc>
+            </a:pPr>
+            <a:r>
+              <a:rPr lang="en-US" sz="1200" dirty="0"/>
+              <a:t>Fetch the number of tickets remaining for a given time in a given theater</a:t>
+            </a:r>
+          </a:p>
+          <a:p>
+            <a:pPr fontAlgn="base">
+              <a:lnSpc>
+                <a:spcPct val="100000"/>
+              </a:lnSpc>
+            </a:pPr>
+            <a:r>
+              <a:rPr lang="en-US" sz="1200" dirty="0"/>
+              <a:t>Fetch the movie schedule for a time or date range</a:t>
+            </a:r>
+          </a:p>
+          <a:p>
+            <a:pPr fontAlgn="base">
+              <a:lnSpc>
+                <a:spcPct val="100000"/>
+              </a:lnSpc>
+            </a:pPr>
+            <a:r>
+              <a:rPr lang="en-US" sz="1200" dirty="0"/>
+              <a:t>Fetch all the products that are out of stock and their supplier and their next order date</a:t>
+            </a:r>
+          </a:p>
+          <a:p>
+            <a:pPr marL="0" indent="0">
+              <a:lnSpc>
+                <a:spcPct val="100000"/>
+              </a:lnSpc>
+              <a:buNone/>
+            </a:pPr>
+            <a:endParaRPr lang="en-US" sz="600" dirty="0"/>
+          </a:p>
+        </p:txBody>
+      </p:sp>
+    </p:spTree>
+    <p:extLst>
+      <p:ext uri="{BB962C8B-B14F-4D97-AF65-F5344CB8AC3E}">
+        <p14:creationId xmlns:p14="http://schemas.microsoft.com/office/powerpoint/2010/main" val="3792051190"/>
+      </p:ext>
+    </p:extLst>
+  </p:cSld>
+  <p:clrMapOvr>
+    <a:masterClrMapping/>
+  </p:clrMapOvr>
+</p:sld>
+</file>
+
+<file path=ppt/slides/slide6.xml><?xml version="1.0" encoding="utf-8"?>
+<p:sld xmlns:a="http://schemas.openxmlformats.org/drawingml/2006/main" xmlns:r="http://schemas.openxmlformats.org/officeDocument/2006/relationships" xmlns:p="http://schemas.openxmlformats.org/presentationml/2006/main">
+  <p:cSld>
+    <p:spTree>
+      <p:nvGrpSpPr>
+        <p:cNvPr id="1" name=""/>
+        <p:cNvGrpSpPr/>
+        <p:nvPr/>
+      </p:nvGrpSpPr>
+      <p:grpSpPr>
+        <a:xfrm>
+          <a:off x="0" y="0"/>
+          <a:ext cx="0" cy="0"/>
+          <a:chOff x="0" y="0"/>
+          <a:chExt cx="0" cy="0"/>
+        </a:xfrm>
+      </p:grpSpPr>
+      <p:pic>
+        <p:nvPicPr>
+          <p:cNvPr id="1026" name="Picture 2" descr="Image result for code"/>
+          <p:cNvPicPr>
+            <a:picLocks noChangeAspect="1" noChangeArrowheads="1"/>
+          </p:cNvPicPr>
+          <p:nvPr/>
+        </p:nvPicPr>
+        <p:blipFill rotWithShape="1">
+          <a:blip r:embed="rId2" cstate="print">
+            <a:extLst>
+              <a:ext uri="{28A0092B-C50C-407E-A947-70E740481C1C}">
+                <a14:useLocalDpi xmlns:a14="http://schemas.microsoft.com/office/drawing/2010/main" val="0"/>
+              </a:ext>
+            </a:extLst>
+          </a:blip>
+          <a:srcRect/>
+          <a:stretch/>
+        </p:blipFill>
+        <p:spPr bwMode="auto">
+          <a:xfrm>
+            <a:off x="1141411" y="2705465"/>
+            <a:ext cx="4689234" cy="2637694"/>
+          </a:xfrm>
+          <a:prstGeom prst="round2DiagRect">
+            <a:avLst>
+              <a:gd name="adj1" fmla="val 5608"/>
+              <a:gd name="adj2" fmla="val 0"/>
+            </a:avLst>
+          </a:prstGeom>
+          <a:noFill/>
+          <a:ln w="19050" cap="sq">
+            <a:solidFill>
+              <a:schemeClr val="tx2">
+                <a:lumMod val="60000"/>
+                <a:lumOff val="40000"/>
+                <a:alpha val="60000"/>
+              </a:schemeClr>
+            </a:solidFill>
+            <a:miter lim="800000"/>
+          </a:ln>
+          <a:effectLst>
+            <a:outerShdw blurRad="88900" dist="38100" dir="5400000" algn="t" rotWithShape="0">
+              <a:prstClr val="black">
+                <a:alpha val="40000"/>
+              </a:prstClr>
+            </a:outerShdw>
+          </a:effectLst>
+          <a:extLst>
+            <a:ext uri="{909E8E84-426E-40DD-AFC4-6F175D3DCCD1}">
+              <a14:hiddenFill xmlns:a14="http://schemas.microsoft.com/office/drawing/2010/main">
+                <a:solidFill>
+                  <a:srgbClr val="FFFFFF"/>
+                </a:solidFill>
+              </a14:hiddenFill>
+            </a:ext>
+          </a:extLst>
+        </p:spPr>
+      </p:pic>
+      <p:sp>
+        <p:nvSpPr>
+          <p:cNvPr id="2" name="Title 1"/>
+          <p:cNvSpPr>
+            <a:spLocks noGrp="1"/>
+          </p:cNvSpPr>
+          <p:nvPr>
+            <p:ph type="title"/>
+          </p:nvPr>
+        </p:nvSpPr>
+        <p:spPr>
+          <a:xfrm>
+            <a:off x="1141412" y="383626"/>
+            <a:ext cx="9905998" cy="1646509"/>
+          </a:xfrm>
+        </p:spPr>
+        <p:txBody>
+          <a:bodyPr>
+            <a:normAutofit/>
+          </a:bodyPr>
+          <a:lstStyle/>
+          <a:p>
+            <a:pPr>
+              <a:lnSpc>
+                <a:spcPct val="80000"/>
+              </a:lnSpc>
+            </a:pPr>
+            <a:r>
+              <a:rPr lang="en-US" dirty="0"/>
+              <a:t>Discussion of code snippets using embedded SQL</a:t>
+            </a:r>
+            <a:br>
+              <a:rPr lang="en-US" dirty="0"/>
+            </a:br>
+            <a:r>
+              <a:rPr lang="en-US" dirty="0" err="1"/>
+              <a:t>Program.CS</a:t>
+            </a:r>
+            <a:endParaRPr lang="en-US" dirty="0"/>
+          </a:p>
+        </p:txBody>
+      </p:sp>
+      <p:sp>
+        <p:nvSpPr>
+          <p:cNvPr id="3" name="Content Placeholder 2"/>
+          <p:cNvSpPr>
+            <a:spLocks noGrp="1"/>
+          </p:cNvSpPr>
+          <p:nvPr>
+            <p:ph idx="1"/>
+          </p:nvPr>
+        </p:nvSpPr>
+        <p:spPr>
+          <a:xfrm>
+            <a:off x="6336727" y="1427584"/>
+            <a:ext cx="4710683" cy="5073884"/>
+          </a:xfrm>
+        </p:spPr>
+        <p:txBody>
+          <a:bodyPr>
+            <a:noAutofit/>
+          </a:bodyPr>
+          <a:lstStyle/>
+          <a:p>
+            <a:pPr marL="0" indent="0">
+              <a:lnSpc>
+                <a:spcPct val="100000"/>
+              </a:lnSpc>
+              <a:buNone/>
+            </a:pPr>
+            <a:r>
+              <a:rPr lang="en-US" sz="1200" dirty="0"/>
+              <a:t>namespace </a:t>
+            </a:r>
+            <a:r>
+              <a:rPr lang="en-US" sz="1200" dirty="0" err="1"/>
+              <a:t>TheatreManagerApp</a:t>
+            </a:r>
+            <a:endParaRPr lang="en-US" sz="1200" dirty="0"/>
+          </a:p>
+          <a:p>
+            <a:pPr marL="0" indent="0">
+              <a:lnSpc>
+                <a:spcPct val="100000"/>
+              </a:lnSpc>
+              <a:buNone/>
+            </a:pPr>
+            <a:r>
+              <a:rPr lang="en-US" sz="1200" dirty="0"/>
+              <a:t>{</a:t>
+            </a:r>
+          </a:p>
+          <a:p>
+            <a:pPr marL="0" indent="0">
+              <a:lnSpc>
+                <a:spcPct val="100000"/>
+              </a:lnSpc>
+              <a:buNone/>
+            </a:pPr>
+            <a:r>
+              <a:rPr lang="en-US" sz="1200" dirty="0"/>
+              <a:t>    static class Program</a:t>
+            </a:r>
+          </a:p>
+          <a:p>
+            <a:pPr marL="0" indent="0">
+              <a:lnSpc>
+                <a:spcPct val="100000"/>
+              </a:lnSpc>
+              <a:buNone/>
+            </a:pPr>
+            <a:r>
+              <a:rPr lang="en-US" sz="1200" dirty="0"/>
+              <a:t>    {</a:t>
+            </a:r>
+          </a:p>
+          <a:p>
+            <a:pPr marL="0" indent="0">
+              <a:lnSpc>
+                <a:spcPct val="100000"/>
+              </a:lnSpc>
+              <a:buNone/>
+            </a:pPr>
+            <a:endParaRPr lang="en-US" sz="1200" dirty="0"/>
+          </a:p>
+          <a:p>
+            <a:pPr marL="0" indent="0">
+              <a:lnSpc>
+                <a:spcPct val="100000"/>
+              </a:lnSpc>
+              <a:buNone/>
+            </a:pPr>
+            <a:r>
+              <a:rPr lang="en-US" sz="1200" dirty="0"/>
+              <a:t>        /// &lt;summary&gt;</a:t>
+            </a:r>
+          </a:p>
+          <a:p>
+            <a:pPr marL="0" indent="0">
+              <a:lnSpc>
+                <a:spcPct val="100000"/>
+              </a:lnSpc>
+              <a:buNone/>
+            </a:pPr>
+            <a:r>
+              <a:rPr lang="en-US" sz="1200" dirty="0"/>
+              <a:t>        /// The main entry point for the application.</a:t>
+            </a:r>
+          </a:p>
+          <a:p>
+            <a:pPr marL="0" indent="0">
+              <a:lnSpc>
+                <a:spcPct val="100000"/>
+              </a:lnSpc>
+              <a:buNone/>
+            </a:pPr>
+            <a:r>
+              <a:rPr lang="en-US" sz="1200" dirty="0"/>
+              <a:t>        /// &lt;/summary&gt;</a:t>
+            </a:r>
+          </a:p>
+          <a:p>
+            <a:pPr marL="0" indent="0">
+              <a:lnSpc>
+                <a:spcPct val="100000"/>
+              </a:lnSpc>
+              <a:buNone/>
+            </a:pPr>
+            <a:r>
+              <a:rPr lang="en-US" sz="1200" dirty="0"/>
+              <a:t>        [</a:t>
+            </a:r>
+            <a:r>
+              <a:rPr lang="en-US" sz="1200" dirty="0" err="1"/>
+              <a:t>STAThread</a:t>
+            </a:r>
+            <a:r>
+              <a:rPr lang="en-US" sz="1200" dirty="0"/>
+              <a:t>]</a:t>
+            </a:r>
+          </a:p>
+          <a:p>
+            <a:pPr marL="0" indent="0">
+              <a:lnSpc>
+                <a:spcPct val="100000"/>
+              </a:lnSpc>
+              <a:buNone/>
+            </a:pPr>
+            <a:r>
+              <a:rPr lang="en-US" sz="1200" dirty="0"/>
+              <a:t>        static void Main()</a:t>
+            </a:r>
+          </a:p>
+          <a:p>
+            <a:pPr marL="0" indent="0">
+              <a:lnSpc>
+                <a:spcPct val="100000"/>
+              </a:lnSpc>
+              <a:buNone/>
+            </a:pPr>
+            <a:r>
+              <a:rPr lang="en-US" sz="1200" dirty="0"/>
+              <a:t>        {</a:t>
+            </a:r>
+          </a:p>
+          <a:p>
+            <a:pPr marL="0" indent="0">
+              <a:lnSpc>
+                <a:spcPct val="100000"/>
+              </a:lnSpc>
+              <a:buNone/>
+            </a:pPr>
+            <a:r>
+              <a:rPr lang="en-US" sz="1200" dirty="0"/>
+              <a:t>            </a:t>
+            </a:r>
+            <a:r>
+              <a:rPr lang="en-US" sz="1200" dirty="0" err="1"/>
+              <a:t>Application.EnableVisualStyles</a:t>
+            </a:r>
+            <a:r>
+              <a:rPr lang="en-US" sz="1200" dirty="0"/>
+              <a:t>();</a:t>
+            </a:r>
+          </a:p>
+          <a:p>
+            <a:pPr marL="0" indent="0">
+              <a:lnSpc>
+                <a:spcPct val="100000"/>
+              </a:lnSpc>
+              <a:buNone/>
+            </a:pPr>
+            <a:r>
+              <a:rPr lang="en-US" sz="1200" dirty="0"/>
+              <a:t>            </a:t>
+            </a:r>
+            <a:r>
+              <a:rPr lang="en-US" sz="1200" dirty="0" err="1"/>
+              <a:t>Application.SetCompatibleTextRenderingDefault</a:t>
+            </a:r>
+            <a:r>
+              <a:rPr lang="en-US" sz="1200" dirty="0"/>
+              <a:t>(false);</a:t>
+            </a:r>
+          </a:p>
+          <a:p>
+            <a:pPr marL="0" indent="0">
+              <a:lnSpc>
+                <a:spcPct val="100000"/>
+              </a:lnSpc>
+              <a:buNone/>
+            </a:pPr>
+            <a:r>
+              <a:rPr lang="en-US" sz="1200" dirty="0"/>
+              <a:t>            </a:t>
+            </a:r>
+            <a:r>
+              <a:rPr lang="en-US" sz="1200" dirty="0" err="1"/>
+              <a:t>Application.Run</a:t>
+            </a:r>
+            <a:r>
+              <a:rPr lang="en-US" sz="1200" dirty="0"/>
+              <a:t>(new </a:t>
+            </a:r>
+            <a:r>
+              <a:rPr lang="en-US" sz="1200" dirty="0" err="1"/>
+              <a:t>AppWindow</a:t>
+            </a:r>
+            <a:r>
+              <a:rPr lang="en-US" sz="1200" dirty="0"/>
+              <a:t>());</a:t>
+            </a:r>
+          </a:p>
+          <a:p>
+            <a:pPr marL="0" indent="0">
+              <a:lnSpc>
+                <a:spcPct val="100000"/>
+              </a:lnSpc>
+              <a:buNone/>
+            </a:pPr>
+            <a:r>
+              <a:rPr lang="en-US" sz="1200" dirty="0"/>
+              <a:t>        }</a:t>
+            </a:r>
+          </a:p>
+        </p:txBody>
+      </p:sp>
+    </p:spTree>
+    <p:extLst>
+      <p:ext uri="{BB962C8B-B14F-4D97-AF65-F5344CB8AC3E}">
+        <p14:creationId xmlns:p14="http://schemas.microsoft.com/office/powerpoint/2010/main" val="2426220390"/>
+      </p:ext>
+    </p:extLst>
+  </p:cSld>
+  <p:clrMapOvr>
+    <a:masterClrMapping/>
+  </p:clrMapOvr>
+</p:sld>
+</file>
+
+<file path=ppt/slides/slide7.xml><?xml version="1.0" encoding="utf-8"?>
+<p:sld xmlns:a="http://schemas.openxmlformats.org/drawingml/2006/main" xmlns:r="http://schemas.openxmlformats.org/officeDocument/2006/relationships" xmlns:p="http://schemas.openxmlformats.org/presentationml/2006/main">
+  <p:cSld>
+    <p:spTree>
+      <p:nvGrpSpPr>
+        <p:cNvPr id="1" name=""/>
+        <p:cNvGrpSpPr/>
+        <p:nvPr/>
+      </p:nvGrpSpPr>
+      <p:grpSpPr>
+        <a:xfrm>
+          <a:off x="0" y="0"/>
+          <a:ext cx="0" cy="0"/>
+          <a:chOff x="0" y="0"/>
+          <a:chExt cx="0" cy="0"/>
+        </a:xfrm>
+      </p:grpSpPr>
+      <p:sp>
+        <p:nvSpPr>
+          <p:cNvPr id="2" name="Title 1"/>
+          <p:cNvSpPr>
+            <a:spLocks noGrp="1"/>
+          </p:cNvSpPr>
+          <p:nvPr>
+            <p:ph type="title"/>
+          </p:nvPr>
+        </p:nvSpPr>
+        <p:spPr>
+          <a:xfrm>
+            <a:off x="6467910" y="157124"/>
+            <a:ext cx="3933547" cy="1478570"/>
+          </a:xfrm>
+        </p:spPr>
+        <p:txBody>
+          <a:bodyPr/>
+          <a:lstStyle/>
+          <a:p>
+            <a:r>
+              <a:rPr lang="en-US" dirty="0"/>
+              <a:t>More Code</a:t>
+            </a:r>
+            <a:br>
+              <a:rPr lang="en-US" dirty="0"/>
+            </a:br>
+            <a:r>
+              <a:rPr lang="en-US" dirty="0" err="1"/>
+              <a:t>Utility.CS</a:t>
+            </a:r>
+            <a:endParaRPr lang="en-US" dirty="0"/>
+          </a:p>
+        </p:txBody>
+      </p:sp>
+      <p:sp>
+        <p:nvSpPr>
+          <p:cNvPr id="3" name="Content Placeholder 2"/>
+          <p:cNvSpPr>
+            <a:spLocks noGrp="1"/>
+          </p:cNvSpPr>
+          <p:nvPr>
+            <p:ph idx="1"/>
+          </p:nvPr>
+        </p:nvSpPr>
+        <p:spPr>
+          <a:xfrm>
+            <a:off x="1122918" y="561844"/>
+            <a:ext cx="4974162" cy="5933974"/>
+          </a:xfrm>
+        </p:spPr>
+        <p:txBody>
+          <a:bodyPr>
+            <a:noAutofit/>
+          </a:bodyPr>
+          <a:lstStyle/>
+          <a:p>
+            <a:pPr marL="0" indent="0">
+              <a:buNone/>
+            </a:pPr>
+            <a:r>
+              <a:rPr lang="en-US" sz="1400" dirty="0"/>
+              <a:t>namespace </a:t>
+            </a:r>
+            <a:r>
+              <a:rPr lang="en-US" sz="1400" dirty="0" err="1"/>
+              <a:t>TheatreManagerApp</a:t>
+            </a:r>
+            <a:endParaRPr lang="en-US" sz="1400" dirty="0"/>
+          </a:p>
+          <a:p>
+            <a:pPr marL="0" indent="0">
+              <a:buNone/>
+            </a:pPr>
+            <a:r>
+              <a:rPr lang="en-US" sz="1400" dirty="0"/>
+              <a:t>{</a:t>
+            </a:r>
+          </a:p>
+          <a:p>
+            <a:pPr marL="0" indent="0">
+              <a:buNone/>
+            </a:pPr>
+            <a:r>
+              <a:rPr lang="en-US" sz="1400" dirty="0"/>
+              <a:t>    internal class Utility</a:t>
+            </a:r>
+          </a:p>
+          <a:p>
+            <a:pPr marL="0" indent="0">
+              <a:buNone/>
+            </a:pPr>
+            <a:r>
+              <a:rPr lang="en-US" sz="1400" dirty="0"/>
+              <a:t>    {</a:t>
+            </a:r>
+          </a:p>
+          <a:p>
+            <a:pPr marL="0" indent="0">
+              <a:buNone/>
+            </a:pPr>
+            <a:endParaRPr lang="en-US" sz="1400" dirty="0"/>
+          </a:p>
+          <a:p>
+            <a:pPr marL="0" indent="0">
+              <a:buNone/>
+            </a:pPr>
+            <a:r>
+              <a:rPr lang="en-US" sz="1400" dirty="0"/>
+              <a:t>        internal static string </a:t>
+            </a:r>
+            <a:r>
+              <a:rPr lang="en-US" sz="1400" dirty="0" err="1"/>
+              <a:t>GetConnectionString</a:t>
+            </a:r>
+            <a:r>
+              <a:rPr lang="en-US" sz="1400" dirty="0"/>
+              <a:t>()</a:t>
+            </a:r>
+          </a:p>
+          <a:p>
+            <a:pPr marL="0" indent="0">
+              <a:buNone/>
+            </a:pPr>
+            <a:r>
+              <a:rPr lang="en-US" sz="1400" dirty="0"/>
+              <a:t>        {</a:t>
+            </a:r>
+          </a:p>
+          <a:p>
+            <a:pPr marL="0" indent="0">
+              <a:buNone/>
+            </a:pPr>
+            <a:r>
+              <a:rPr lang="en-US" sz="1400" dirty="0"/>
+              <a:t>            string </a:t>
+            </a:r>
+            <a:r>
+              <a:rPr lang="en-US" sz="1400" dirty="0" err="1"/>
+              <a:t>returnValue</a:t>
+            </a:r>
+            <a:r>
+              <a:rPr lang="en-US" sz="1400" dirty="0"/>
+              <a:t> = null;</a:t>
+            </a:r>
+          </a:p>
+          <a:p>
+            <a:pPr marL="0" indent="0">
+              <a:buNone/>
+            </a:pPr>
+            <a:r>
+              <a:rPr lang="en-US" sz="1400" dirty="0"/>
+              <a:t>            </a:t>
+            </a:r>
+            <a:r>
+              <a:rPr lang="en-US" sz="1400" dirty="0" err="1"/>
+              <a:t>ConnectionStringSettings</a:t>
+            </a:r>
+            <a:r>
+              <a:rPr lang="en-US" sz="1400" dirty="0"/>
+              <a:t> settings = </a:t>
+            </a:r>
+            <a:r>
+              <a:rPr lang="en-US" sz="1400" dirty="0" err="1"/>
+              <a:t>ConfigurationManager.ConnectionStrings</a:t>
+            </a:r>
+            <a:r>
+              <a:rPr lang="en-US" sz="1400" dirty="0"/>
+              <a:t>["</a:t>
+            </a:r>
+            <a:r>
+              <a:rPr lang="en-US" sz="1400" dirty="0" err="1"/>
+              <a:t>TheatreManagerApp.Properties.Settings.connString</a:t>
+            </a:r>
+            <a:r>
+              <a:rPr lang="en-US" sz="1400" dirty="0"/>
+              <a:t>"];</a:t>
+            </a:r>
+          </a:p>
+          <a:p>
+            <a:pPr marL="0" indent="0">
+              <a:buNone/>
+            </a:pPr>
+            <a:r>
+              <a:rPr lang="en-US" sz="1400" dirty="0"/>
+              <a:t>            if (settings != null)</a:t>
+            </a:r>
+          </a:p>
+          <a:p>
+            <a:pPr marL="0" indent="0">
+              <a:buNone/>
+            </a:pPr>
+            <a:r>
+              <a:rPr lang="en-US" sz="1400" dirty="0"/>
+              <a:t>                </a:t>
+            </a:r>
+            <a:r>
+              <a:rPr lang="en-US" sz="1400" dirty="0" err="1"/>
+              <a:t>returnValue</a:t>
+            </a:r>
+            <a:r>
+              <a:rPr lang="en-US" sz="1400" dirty="0"/>
+              <a:t> = </a:t>
+            </a:r>
+            <a:r>
+              <a:rPr lang="en-US" sz="1400" dirty="0" err="1"/>
+              <a:t>settings.ConnectionString</a:t>
+            </a:r>
+            <a:r>
+              <a:rPr lang="en-US" sz="1400" dirty="0"/>
+              <a:t>;</a:t>
+            </a:r>
+          </a:p>
+          <a:p>
+            <a:pPr marL="0" indent="0">
+              <a:buNone/>
+            </a:pPr>
+            <a:endParaRPr lang="en-US" sz="1400" dirty="0"/>
+          </a:p>
+          <a:p>
+            <a:pPr marL="0" indent="0">
+              <a:buNone/>
+            </a:pPr>
+            <a:r>
+              <a:rPr lang="en-US" sz="1400" dirty="0"/>
+              <a:t>            return </a:t>
+            </a:r>
+            <a:r>
+              <a:rPr lang="en-US" sz="1400" dirty="0" err="1"/>
+              <a:t>returnValue</a:t>
+            </a:r>
+            <a:r>
+              <a:rPr lang="en-US" sz="1400" dirty="0"/>
+              <a:t>;</a:t>
+            </a:r>
+          </a:p>
+        </p:txBody>
+      </p:sp>
+      <p:sp>
+        <p:nvSpPr>
+          <p:cNvPr id="4" name="TextBox 3"/>
+          <p:cNvSpPr txBox="1"/>
+          <p:nvPr/>
+        </p:nvSpPr>
+        <p:spPr>
+          <a:xfrm>
+            <a:off x="6816312" y="2745812"/>
+            <a:ext cx="4470618" cy="3093154"/>
+          </a:xfrm>
+          <a:prstGeom prst="rect">
+            <a:avLst/>
+          </a:prstGeom>
+          <a:noFill/>
+        </p:spPr>
+        <p:txBody>
+          <a:bodyPr wrap="square" rtlCol="0">
+            <a:spAutoFit/>
+          </a:bodyPr>
+          <a:lstStyle/>
+          <a:p>
+            <a:r>
+              <a:rPr lang="en-US" sz="1500" dirty="0"/>
+              <a:t> }</a:t>
+            </a:r>
+          </a:p>
+          <a:p>
+            <a:r>
+              <a:rPr lang="en-US" sz="1500" dirty="0"/>
+              <a:t>        internal static </a:t>
+            </a:r>
+            <a:r>
+              <a:rPr lang="en-US" sz="1500" dirty="0" err="1"/>
+              <a:t>OleDbConnection</a:t>
+            </a:r>
+            <a:r>
+              <a:rPr lang="en-US" sz="1500" dirty="0"/>
+              <a:t> </a:t>
+            </a:r>
+            <a:r>
+              <a:rPr lang="en-US" sz="1500" dirty="0" err="1"/>
+              <a:t>GetOleDBConnection</a:t>
+            </a:r>
+            <a:r>
+              <a:rPr lang="en-US" sz="1500" dirty="0"/>
+              <a:t>()</a:t>
+            </a:r>
+          </a:p>
+          <a:p>
+            <a:r>
+              <a:rPr lang="en-US" sz="1500" dirty="0"/>
+              <a:t>        {</a:t>
+            </a:r>
+          </a:p>
+          <a:p>
+            <a:r>
+              <a:rPr lang="en-US" sz="1500" dirty="0"/>
+              <a:t>            string </a:t>
+            </a:r>
+            <a:r>
+              <a:rPr lang="en-US" sz="1500" dirty="0" err="1"/>
+              <a:t>ConnectionPath</a:t>
+            </a:r>
+            <a:r>
+              <a:rPr lang="en-US" sz="1500" dirty="0"/>
+              <a:t> = "Provider=</a:t>
+            </a:r>
+            <a:r>
+              <a:rPr lang="en-US" sz="1500" dirty="0" err="1"/>
+              <a:t>sqloledb</a:t>
+            </a:r>
+            <a:r>
+              <a:rPr lang="en-US" sz="1500" dirty="0"/>
+              <a:t>; Data Source = CS1; Initial Catalog = </a:t>
+            </a:r>
+            <a:r>
+              <a:rPr lang="en-US" sz="1500" dirty="0" err="1"/>
+              <a:t>TheaterDB</a:t>
+            </a:r>
+            <a:r>
+              <a:rPr lang="en-US" sz="1500" dirty="0"/>
+              <a:t>; Integrated Security = SSPI;";</a:t>
+            </a:r>
+          </a:p>
+          <a:p>
+            <a:r>
+              <a:rPr lang="en-US" sz="1500" dirty="0"/>
+              <a:t>            </a:t>
+            </a:r>
+            <a:r>
+              <a:rPr lang="en-US" sz="1500" dirty="0" err="1"/>
+              <a:t>OleDbConnection</a:t>
+            </a:r>
+            <a:r>
+              <a:rPr lang="en-US" sz="1500" dirty="0"/>
+              <a:t> </a:t>
+            </a:r>
+            <a:r>
+              <a:rPr lang="en-US" sz="1500" dirty="0" err="1"/>
+              <a:t>MyConnection</a:t>
+            </a:r>
+            <a:r>
+              <a:rPr lang="en-US" sz="1500" dirty="0"/>
+              <a:t> = new </a:t>
+            </a:r>
+            <a:r>
+              <a:rPr lang="en-US" sz="1500" dirty="0" err="1"/>
+              <a:t>OleDbConnection</a:t>
+            </a:r>
+            <a:r>
+              <a:rPr lang="en-US" sz="1500" dirty="0"/>
+              <a:t>(</a:t>
+            </a:r>
+            <a:r>
+              <a:rPr lang="en-US" sz="1500" dirty="0" err="1"/>
+              <a:t>ConnectionPath</a:t>
+            </a:r>
+            <a:r>
+              <a:rPr lang="en-US" sz="1500" dirty="0"/>
+              <a:t>);</a:t>
+            </a:r>
+          </a:p>
+          <a:p>
+            <a:r>
+              <a:rPr lang="en-US" sz="1500" dirty="0"/>
+              <a:t>            return </a:t>
+            </a:r>
+            <a:r>
+              <a:rPr lang="en-US" sz="1500" dirty="0" err="1"/>
+              <a:t>MyConnection</a:t>
+            </a:r>
+            <a:r>
+              <a:rPr lang="en-US" sz="1500" dirty="0"/>
+              <a:t>;</a:t>
+            </a:r>
+          </a:p>
+          <a:p>
+            <a:r>
+              <a:rPr lang="en-US" sz="1500" dirty="0"/>
+              <a:t>        }</a:t>
+            </a:r>
+          </a:p>
+          <a:p>
+            <a:r>
+              <a:rPr lang="en-US" sz="1500" dirty="0"/>
+              <a:t>    }</a:t>
+            </a:r>
+          </a:p>
+          <a:p>
+            <a:r>
+              <a:rPr lang="en-US" sz="1500" dirty="0"/>
+              <a:t>}</a:t>
+            </a:r>
+            <a:endParaRPr lang="en-US" sz="1500" dirty="0"/>
+          </a:p>
+        </p:txBody>
+      </p:sp>
+    </p:spTree>
+    <p:extLst>
+      <p:ext uri="{BB962C8B-B14F-4D97-AF65-F5344CB8AC3E}">
+        <p14:creationId xmlns:p14="http://schemas.microsoft.com/office/powerpoint/2010/main" val="171802839"/>
+      </p:ext>
+    </p:extLst>
+  </p:cSld>
+  <p:clrMapOvr>
+    <a:masterClrMapping/>
+  </p:clrMapOvr>
+</p:sld>
+</file>
+
 <file path=ppt/slides/slide8.xml><?xml version="1.0" encoding="utf-8"?>
+<p:sld xmlns:a="http://schemas.openxmlformats.org/drawingml/2006/main" xmlns:r="http://schemas.openxmlformats.org/officeDocument/2006/relationships" xmlns:p="http://schemas.openxmlformats.org/presentationml/2006/main">
+  <p:cSld>
+    <p:spTree>
+      <p:nvGrpSpPr>
+        <p:cNvPr id="1" name=""/>
+        <p:cNvGrpSpPr/>
+        <p:nvPr/>
+      </p:nvGrpSpPr>
+      <p:grpSpPr>
+        <a:xfrm>
+          <a:off x="0" y="0"/>
+          <a:ext cx="0" cy="0"/>
+          <a:chOff x="0" y="0"/>
+          <a:chExt cx="0" cy="0"/>
+        </a:xfrm>
+      </p:grpSpPr>
+      <p:sp>
+        <p:nvSpPr>
+          <p:cNvPr id="2" name="Title 1"/>
+          <p:cNvSpPr>
+            <a:spLocks noGrp="1"/>
+          </p:cNvSpPr>
+          <p:nvPr>
+            <p:ph type="title"/>
+          </p:nvPr>
+        </p:nvSpPr>
+        <p:spPr/>
+        <p:txBody>
+          <a:bodyPr/>
+          <a:lstStyle/>
+          <a:p>
+            <a:r>
+              <a:rPr lang="en-US" dirty="0"/>
+              <a:t>Project Application Demo</a:t>
+            </a:r>
+          </a:p>
+        </p:txBody>
+      </p:sp>
+      <p:sp>
+        <p:nvSpPr>
+          <p:cNvPr id="3" name="Content Placeholder 2"/>
+          <p:cNvSpPr>
+            <a:spLocks noGrp="1"/>
+          </p:cNvSpPr>
+          <p:nvPr>
+            <p:ph idx="1"/>
+          </p:nvPr>
+        </p:nvSpPr>
+        <p:spPr/>
+        <p:txBody>
+          <a:bodyPr/>
+          <a:lstStyle/>
+          <a:p>
+            <a:r>
+              <a:rPr lang="en-US" dirty="0"/>
+              <a:t>Our project is made in C#</a:t>
+            </a:r>
+          </a:p>
+          <a:p>
+            <a:r>
+              <a:rPr lang="en-US" dirty="0"/>
+              <a:t>It is a Windows Forms application. </a:t>
+            </a:r>
+          </a:p>
+          <a:p>
+            <a:r>
+              <a:rPr lang="en-US" dirty="0"/>
+              <a:t>Our program uses a 3 panel approach to display data to the user. </a:t>
+            </a:r>
+          </a:p>
+          <a:p>
+            <a:r>
+              <a:rPr lang="en-US" dirty="0"/>
+              <a:t>We can access each panel through separate functions that load data from the database.</a:t>
+            </a:r>
+          </a:p>
+        </p:txBody>
+      </p:sp>
+    </p:spTree>
+    <p:extLst>
+      <p:ext uri="{BB962C8B-B14F-4D97-AF65-F5344CB8AC3E}">
+        <p14:creationId xmlns:p14="http://schemas.microsoft.com/office/powerpoint/2010/main" val="3490722009"/>
+      </p:ext>
+    </p:extLst>
+  </p:cSld>
+  <p:clrMapOvr>
+    <a:masterClrMapping/>
+  </p:clrMapOvr>
+</p:sld>
+</file>
+
+<file path=ppt/slides/slide9.xml><?xml version="1.0" encoding="utf-8"?>
 <p:sld xmlns:a="http://schemas.openxmlformats.org/drawingml/2006/main" xmlns:r="http://schemas.openxmlformats.org/officeDocument/2006/relationships" xmlns:p="http://schemas.openxmlformats.org/presentationml/2006/main">
   <p:cSld>
     <p:spTree>

--- a/Database Final Presentation.pptx
+++ b/Database Final Presentation.pptx
@@ -171,7 +171,7 @@
           <a:noFill/>
           <a:extLst>
             <a:ext uri="{909E8E84-426E-40dd-AFC4-6F175D3DCCD1}">
-              <a14:hiddenFill xmlns:a14="http://schemas.microsoft.com/office/drawing/2010/main" xmlns="">
+              <a14:hiddenFill xmlns="" xmlns:a14="http://schemas.microsoft.com/office/drawing/2010/main">
                 <a:solidFill>
                   <a:srgbClr val="FFFFFF"/>
                 </a:solidFill>
@@ -231,7 +231,7 @@
             </a:ln>
             <a:extLst>
               <a:ext uri="{91240B29-F687-4f45-9708-019B960494DF}">
-                <a14:hiddenLine xmlns:a14="http://schemas.microsoft.com/office/drawing/2010/main" xmlns="" w="9525">
+                <a14:hiddenLine xmlns="" xmlns:a14="http://schemas.microsoft.com/office/drawing/2010/main" w="9525">
                   <a:solidFill>
                     <a:srgbClr val="000000"/>
                   </a:solidFill>
@@ -321,7 +321,7 @@
             </a:ln>
             <a:extLst>
               <a:ext uri="{91240B29-F687-4f45-9708-019B960494DF}">
-                <a14:hiddenLine xmlns:a14="http://schemas.microsoft.com/office/drawing/2010/main" xmlns="" w="9525">
+                <a14:hiddenLine xmlns="" xmlns:a14="http://schemas.microsoft.com/office/drawing/2010/main" w="9525">
                   <a:solidFill>
                     <a:srgbClr val="000000"/>
                   </a:solidFill>
@@ -411,7 +411,7 @@
             </a:ln>
             <a:extLst>
               <a:ext uri="{91240B29-F687-4f45-9708-019B960494DF}">
-                <a14:hiddenLine xmlns:a14="http://schemas.microsoft.com/office/drawing/2010/main" xmlns="" w="9525">
+                <a14:hiddenLine xmlns="" xmlns:a14="http://schemas.microsoft.com/office/drawing/2010/main" w="9525">
                   <a:solidFill>
                     <a:srgbClr val="000000"/>
                   </a:solidFill>
@@ -445,7 +445,7 @@
             </a:ln>
             <a:extLst>
               <a:ext uri="{91240B29-F687-4f45-9708-019B960494DF}">
-                <a14:hiddenLine xmlns:a14="http://schemas.microsoft.com/office/drawing/2010/main" xmlns="" w="9525">
+                <a14:hiddenLine xmlns="" xmlns:a14="http://schemas.microsoft.com/office/drawing/2010/main" w="9525">
                   <a:solidFill>
                     <a:srgbClr val="000000"/>
                   </a:solidFill>
@@ -535,7 +535,7 @@
             </a:ln>
             <a:extLst>
               <a:ext uri="{91240B29-F687-4f45-9708-019B960494DF}">
-                <a14:hiddenLine xmlns:a14="http://schemas.microsoft.com/office/drawing/2010/main" xmlns="" w="9525">
+                <a14:hiddenLine xmlns="" xmlns:a14="http://schemas.microsoft.com/office/drawing/2010/main" w="9525">
                   <a:solidFill>
                     <a:srgbClr val="000000"/>
                   </a:solidFill>
@@ -597,7 +597,7 @@
             </a:ln>
             <a:extLst>
               <a:ext uri="{91240B29-F687-4f45-9708-019B960494DF}">
-                <a14:hiddenLine xmlns:a14="http://schemas.microsoft.com/office/drawing/2010/main" xmlns="" w="9525">
+                <a14:hiddenLine xmlns="" xmlns:a14="http://schemas.microsoft.com/office/drawing/2010/main" w="9525">
                   <a:solidFill>
                     <a:srgbClr val="000000"/>
                   </a:solidFill>
@@ -659,7 +659,7 @@
             </a:ln>
             <a:extLst>
               <a:ext uri="{91240B29-F687-4f45-9708-019B960494DF}">
-                <a14:hiddenLine xmlns:a14="http://schemas.microsoft.com/office/drawing/2010/main" xmlns="" w="9525">
+                <a14:hiddenLine xmlns="" xmlns:a14="http://schemas.microsoft.com/office/drawing/2010/main" w="9525">
                   <a:solidFill>
                     <a:srgbClr val="000000"/>
                   </a:solidFill>
@@ -749,7 +749,7 @@
             </a:ln>
             <a:extLst>
               <a:ext uri="{91240B29-F687-4f45-9708-019B960494DF}">
-                <a14:hiddenLine xmlns:a14="http://schemas.microsoft.com/office/drawing/2010/main" xmlns="" w="9525">
+                <a14:hiddenLine xmlns="" xmlns:a14="http://schemas.microsoft.com/office/drawing/2010/main" w="9525">
                   <a:solidFill>
                     <a:srgbClr val="000000"/>
                   </a:solidFill>
@@ -811,7 +811,7 @@
             </a:ln>
             <a:extLst>
               <a:ext uri="{91240B29-F687-4f45-9708-019B960494DF}">
-                <a14:hiddenLine xmlns:a14="http://schemas.microsoft.com/office/drawing/2010/main" xmlns="" w="9525">
+                <a14:hiddenLine xmlns="" xmlns:a14="http://schemas.microsoft.com/office/drawing/2010/main" w="9525">
                   <a:solidFill>
                     <a:srgbClr val="000000"/>
                   </a:solidFill>
@@ -873,7 +873,7 @@
             </a:ln>
             <a:extLst>
               <a:ext uri="{91240B29-F687-4f45-9708-019B960494DF}">
-                <a14:hiddenLine xmlns:a14="http://schemas.microsoft.com/office/drawing/2010/main" xmlns="" w="9525">
+                <a14:hiddenLine xmlns="" xmlns:a14="http://schemas.microsoft.com/office/drawing/2010/main" w="9525">
                   <a:solidFill>
                     <a:srgbClr val="000000"/>
                   </a:solidFill>
@@ -963,7 +963,7 @@
             </a:ln>
             <a:extLst>
               <a:ext uri="{91240B29-F687-4f45-9708-019B960494DF}">
-                <a14:hiddenLine xmlns:a14="http://schemas.microsoft.com/office/drawing/2010/main" xmlns="" w="9525">
+                <a14:hiddenLine xmlns="" xmlns:a14="http://schemas.microsoft.com/office/drawing/2010/main" w="9525">
                   <a:solidFill>
                     <a:srgbClr val="000000"/>
                   </a:solidFill>
@@ -1053,7 +1053,7 @@
             </a:ln>
             <a:extLst>
               <a:ext uri="{91240B29-F687-4f45-9708-019B960494DF}">
-                <a14:hiddenLine xmlns:a14="http://schemas.microsoft.com/office/drawing/2010/main" xmlns="" w="9525">
+                <a14:hiddenLine xmlns="" xmlns:a14="http://schemas.microsoft.com/office/drawing/2010/main" w="9525">
                   <a:solidFill>
                     <a:srgbClr val="000000"/>
                   </a:solidFill>
@@ -1115,7 +1115,7 @@
             </a:ln>
             <a:extLst>
               <a:ext uri="{91240B29-F687-4f45-9708-019B960494DF}">
-                <a14:hiddenLine xmlns:a14="http://schemas.microsoft.com/office/drawing/2010/main" xmlns="" w="9525">
+                <a14:hiddenLine xmlns="" xmlns:a14="http://schemas.microsoft.com/office/drawing/2010/main" w="9525">
                   <a:solidFill>
                     <a:srgbClr val="000000"/>
                   </a:solidFill>
@@ -1225,7 +1225,7 @@
             </a:ln>
             <a:extLst>
               <a:ext uri="{91240B29-F687-4f45-9708-019B960494DF}">
-                <a14:hiddenLine xmlns:a14="http://schemas.microsoft.com/office/drawing/2010/main" xmlns="" w="9525">
+                <a14:hiddenLine xmlns="" xmlns:a14="http://schemas.microsoft.com/office/drawing/2010/main" w="9525">
                   <a:solidFill>
                     <a:srgbClr val="000000"/>
                   </a:solidFill>
@@ -1287,7 +1287,7 @@
             </a:ln>
             <a:extLst>
               <a:ext uri="{91240B29-F687-4f45-9708-019B960494DF}">
-                <a14:hiddenLine xmlns:a14="http://schemas.microsoft.com/office/drawing/2010/main" xmlns="" w="9525">
+                <a14:hiddenLine xmlns="" xmlns:a14="http://schemas.microsoft.com/office/drawing/2010/main" w="9525">
                   <a:solidFill>
                     <a:srgbClr val="000000"/>
                   </a:solidFill>
@@ -1377,7 +1377,7 @@
             </a:ln>
             <a:extLst>
               <a:ext uri="{91240B29-F687-4f45-9708-019B960494DF}">
-                <a14:hiddenLine xmlns:a14="http://schemas.microsoft.com/office/drawing/2010/main" xmlns="" w="9525">
+                <a14:hiddenLine xmlns="" xmlns:a14="http://schemas.microsoft.com/office/drawing/2010/main" w="9525">
                   <a:solidFill>
                     <a:srgbClr val="000000"/>
                   </a:solidFill>
@@ -1467,7 +1467,7 @@
             </a:ln>
             <a:extLst>
               <a:ext uri="{91240B29-F687-4f45-9708-019B960494DF}">
-                <a14:hiddenLine xmlns:a14="http://schemas.microsoft.com/office/drawing/2010/main" xmlns="" w="9525">
+                <a14:hiddenLine xmlns="" xmlns:a14="http://schemas.microsoft.com/office/drawing/2010/main" w="9525">
                   <a:solidFill>
                     <a:srgbClr val="000000"/>
                   </a:solidFill>
@@ -1529,7 +1529,7 @@
             </a:ln>
             <a:extLst>
               <a:ext uri="{91240B29-F687-4f45-9708-019B960494DF}">
-                <a14:hiddenLine xmlns:a14="http://schemas.microsoft.com/office/drawing/2010/main" xmlns="" w="9525">
+                <a14:hiddenLine xmlns="" xmlns:a14="http://schemas.microsoft.com/office/drawing/2010/main" w="9525">
                   <a:solidFill>
                     <a:srgbClr val="000000"/>
                   </a:solidFill>
@@ -1619,7 +1619,7 @@
             </a:ln>
             <a:extLst>
               <a:ext uri="{91240B29-F687-4f45-9708-019B960494DF}">
-                <a14:hiddenLine xmlns:a14="http://schemas.microsoft.com/office/drawing/2010/main" xmlns="" w="9525">
+                <a14:hiddenLine xmlns="" xmlns:a14="http://schemas.microsoft.com/office/drawing/2010/main" w="9525">
                   <a:solidFill>
                     <a:srgbClr val="000000"/>
                   </a:solidFill>
@@ -1709,7 +1709,7 @@
             </a:ln>
             <a:extLst>
               <a:ext uri="{91240B29-F687-4f45-9708-019B960494DF}">
-                <a14:hiddenLine xmlns:a14="http://schemas.microsoft.com/office/drawing/2010/main" xmlns="" w="9525">
+                <a14:hiddenLine xmlns="" xmlns:a14="http://schemas.microsoft.com/office/drawing/2010/main" w="9525">
                   <a:solidFill>
                     <a:srgbClr val="000000"/>
                   </a:solidFill>
@@ -1765,7 +1765,7 @@
             </a:ln>
             <a:extLst>
               <a:ext uri="{91240B29-F687-4f45-9708-019B960494DF}">
-                <a14:hiddenLine xmlns:a14="http://schemas.microsoft.com/office/drawing/2010/main" xmlns="" w="9525">
+                <a14:hiddenLine xmlns="" xmlns:a14="http://schemas.microsoft.com/office/drawing/2010/main" w="9525">
                   <a:solidFill>
                     <a:srgbClr val="000000"/>
                   </a:solidFill>
@@ -1855,7 +1855,7 @@
             </a:ln>
             <a:extLst>
               <a:ext uri="{91240B29-F687-4f45-9708-019B960494DF}">
-                <a14:hiddenLine xmlns:a14="http://schemas.microsoft.com/office/drawing/2010/main" xmlns="" w="9525">
+                <a14:hiddenLine xmlns="" xmlns:a14="http://schemas.microsoft.com/office/drawing/2010/main" w="9525">
                   <a:solidFill>
                     <a:srgbClr val="000000"/>
                   </a:solidFill>
@@ -1911,7 +1911,7 @@
             </a:ln>
             <a:extLst>
               <a:ext uri="{91240B29-F687-4f45-9708-019B960494DF}">
-                <a14:hiddenLine xmlns:a14="http://schemas.microsoft.com/office/drawing/2010/main" xmlns="" w="9525">
+                <a14:hiddenLine xmlns="" xmlns:a14="http://schemas.microsoft.com/office/drawing/2010/main" w="9525">
                   <a:solidFill>
                     <a:srgbClr val="000000"/>
                   </a:solidFill>
@@ -2001,7 +2001,7 @@
             </a:ln>
             <a:extLst>
               <a:ext uri="{91240B29-F687-4f45-9708-019B960494DF}">
-                <a14:hiddenLine xmlns:a14="http://schemas.microsoft.com/office/drawing/2010/main" xmlns="" w="9525">
+                <a14:hiddenLine xmlns="" xmlns:a14="http://schemas.microsoft.com/office/drawing/2010/main" w="9525">
                   <a:solidFill>
                     <a:srgbClr val="000000"/>
                   </a:solidFill>
@@ -2069,7 +2069,7 @@
             </a:ln>
             <a:extLst>
               <a:ext uri="{91240B29-F687-4f45-9708-019B960494DF}">
-                <a14:hiddenLine xmlns:a14="http://schemas.microsoft.com/office/drawing/2010/main" xmlns="" w="9525">
+                <a14:hiddenLine xmlns="" xmlns:a14="http://schemas.microsoft.com/office/drawing/2010/main" w="9525">
                   <a:solidFill>
                     <a:srgbClr val="000000"/>
                   </a:solidFill>
@@ -2159,7 +2159,7 @@
             </a:ln>
             <a:extLst>
               <a:ext uri="{91240B29-F687-4f45-9708-019B960494DF}">
-                <a14:hiddenLine xmlns:a14="http://schemas.microsoft.com/office/drawing/2010/main" xmlns="" w="9525">
+                <a14:hiddenLine xmlns="" xmlns:a14="http://schemas.microsoft.com/office/drawing/2010/main" w="9525">
                   <a:solidFill>
                     <a:srgbClr val="000000"/>
                   </a:solidFill>
@@ -2227,7 +2227,7 @@
             </a:ln>
             <a:extLst>
               <a:ext uri="{91240B29-F687-4f45-9708-019B960494DF}">
-                <a14:hiddenLine xmlns:a14="http://schemas.microsoft.com/office/drawing/2010/main" xmlns="" w="9525">
+                <a14:hiddenLine xmlns="" xmlns:a14="http://schemas.microsoft.com/office/drawing/2010/main" w="9525">
                   <a:solidFill>
                     <a:srgbClr val="000000"/>
                   </a:solidFill>
@@ -2317,7 +2317,7 @@
             </a:ln>
             <a:extLst>
               <a:ext uri="{91240B29-F687-4f45-9708-019B960494DF}">
-                <a14:hiddenLine xmlns:a14="http://schemas.microsoft.com/office/drawing/2010/main" xmlns="" w="9525">
+                <a14:hiddenLine xmlns="" xmlns:a14="http://schemas.microsoft.com/office/drawing/2010/main" w="9525">
                   <a:solidFill>
                     <a:srgbClr val="000000"/>
                   </a:solidFill>
@@ -2351,7 +2351,7 @@
             </a:ln>
             <a:extLst>
               <a:ext uri="{91240B29-F687-4f45-9708-019B960494DF}">
-                <a14:hiddenLine xmlns:a14="http://schemas.microsoft.com/office/drawing/2010/main" xmlns="" w="9525">
+                <a14:hiddenLine xmlns="" xmlns:a14="http://schemas.microsoft.com/office/drawing/2010/main" w="9525">
                   <a:solidFill>
                     <a:srgbClr val="000000"/>
                   </a:solidFill>
@@ -2441,7 +2441,7 @@
             </a:ln>
             <a:extLst>
               <a:ext uri="{91240B29-F687-4f45-9708-019B960494DF}">
-                <a14:hiddenLine xmlns:a14="http://schemas.microsoft.com/office/drawing/2010/main" xmlns="" w="9525">
+                <a14:hiddenLine xmlns="" xmlns:a14="http://schemas.microsoft.com/office/drawing/2010/main" w="9525">
                   <a:solidFill>
                     <a:srgbClr val="000000"/>
                   </a:solidFill>
@@ -2503,7 +2503,7 @@
             </a:ln>
             <a:extLst>
               <a:ext uri="{91240B29-F687-4f45-9708-019B960494DF}">
-                <a14:hiddenLine xmlns:a14="http://schemas.microsoft.com/office/drawing/2010/main" xmlns="" w="9525">
+                <a14:hiddenLine xmlns="" xmlns:a14="http://schemas.microsoft.com/office/drawing/2010/main" w="9525">
                   <a:solidFill>
                     <a:srgbClr val="000000"/>
                   </a:solidFill>
@@ -2565,7 +2565,7 @@
             </a:ln>
             <a:extLst>
               <a:ext uri="{91240B29-F687-4f45-9708-019B960494DF}">
-                <a14:hiddenLine xmlns:a14="http://schemas.microsoft.com/office/drawing/2010/main" xmlns="" w="9525">
+                <a14:hiddenLine xmlns="" xmlns:a14="http://schemas.microsoft.com/office/drawing/2010/main" w="9525">
                   <a:solidFill>
                     <a:srgbClr val="000000"/>
                   </a:solidFill>
@@ -2655,7 +2655,7 @@
             </a:ln>
             <a:extLst>
               <a:ext uri="{91240B29-F687-4f45-9708-019B960494DF}">
-                <a14:hiddenLine xmlns:a14="http://schemas.microsoft.com/office/drawing/2010/main" xmlns="" w="9525">
+                <a14:hiddenLine xmlns="" xmlns:a14="http://schemas.microsoft.com/office/drawing/2010/main" w="9525">
                   <a:solidFill>
                     <a:srgbClr val="000000"/>
                   </a:solidFill>
@@ -2723,7 +2723,7 @@
             </a:ln>
             <a:extLst>
               <a:ext uri="{91240B29-F687-4f45-9708-019B960494DF}">
-                <a14:hiddenLine xmlns:a14="http://schemas.microsoft.com/office/drawing/2010/main" xmlns="" w="9525">
+                <a14:hiddenLine xmlns="" xmlns:a14="http://schemas.microsoft.com/office/drawing/2010/main" w="9525">
                   <a:solidFill>
                     <a:srgbClr val="000000"/>
                   </a:solidFill>
@@ -2785,7 +2785,7 @@
             </a:ln>
             <a:extLst>
               <a:ext uri="{91240B29-F687-4f45-9708-019B960494DF}">
-                <a14:hiddenLine xmlns:a14="http://schemas.microsoft.com/office/drawing/2010/main" xmlns="" w="9525">
+                <a14:hiddenLine xmlns="" xmlns:a14="http://schemas.microsoft.com/office/drawing/2010/main" w="9525">
                   <a:solidFill>
                     <a:srgbClr val="000000"/>
                   </a:solidFill>
@@ -2875,7 +2875,7 @@
             </a:ln>
             <a:extLst>
               <a:ext uri="{91240B29-F687-4f45-9708-019B960494DF}">
-                <a14:hiddenLine xmlns:a14="http://schemas.microsoft.com/office/drawing/2010/main" xmlns="" w="9525">
+                <a14:hiddenLine xmlns="" xmlns:a14="http://schemas.microsoft.com/office/drawing/2010/main" w="9525">
                   <a:solidFill>
                     <a:srgbClr val="000000"/>
                   </a:solidFill>
@@ -2937,7 +2937,7 @@
             </a:ln>
             <a:extLst>
               <a:ext uri="{91240B29-F687-4f45-9708-019B960494DF}">
-                <a14:hiddenLine xmlns:a14="http://schemas.microsoft.com/office/drawing/2010/main" xmlns="" w="9525">
+                <a14:hiddenLine xmlns="" xmlns:a14="http://schemas.microsoft.com/office/drawing/2010/main" w="9525">
                   <a:solidFill>
                     <a:srgbClr val="000000"/>
                   </a:solidFill>
@@ -3027,7 +3027,7 @@
             </a:ln>
             <a:extLst>
               <a:ext uri="{91240B29-F687-4f45-9708-019B960494DF}">
-                <a14:hiddenLine xmlns:a14="http://schemas.microsoft.com/office/drawing/2010/main" xmlns="" w="9525">
+                <a14:hiddenLine xmlns="" xmlns:a14="http://schemas.microsoft.com/office/drawing/2010/main" w="9525">
                   <a:solidFill>
                     <a:srgbClr val="000000"/>
                   </a:solidFill>
@@ -3089,7 +3089,7 @@
             </a:ln>
             <a:extLst>
               <a:ext uri="{91240B29-F687-4f45-9708-019B960494DF}">
-                <a14:hiddenLine xmlns:a14="http://schemas.microsoft.com/office/drawing/2010/main" xmlns="" w="9525">
+                <a14:hiddenLine xmlns="" xmlns:a14="http://schemas.microsoft.com/office/drawing/2010/main" w="9525">
                   <a:solidFill>
                     <a:srgbClr val="000000"/>
                   </a:solidFill>
@@ -3179,7 +3179,7 @@
             </a:ln>
             <a:extLst>
               <a:ext uri="{91240B29-F687-4f45-9708-019B960494DF}">
-                <a14:hiddenLine xmlns:a14="http://schemas.microsoft.com/office/drawing/2010/main" xmlns="" w="9525">
+                <a14:hiddenLine xmlns="" xmlns:a14="http://schemas.microsoft.com/office/drawing/2010/main" w="9525">
                   <a:solidFill>
                     <a:srgbClr val="000000"/>
                   </a:solidFill>
@@ -3213,7 +3213,7 @@
             </a:ln>
             <a:extLst>
               <a:ext uri="{91240B29-F687-4f45-9708-019B960494DF}">
-                <a14:hiddenLine xmlns:a14="http://schemas.microsoft.com/office/drawing/2010/main" xmlns="" w="9525">
+                <a14:hiddenLine xmlns="" xmlns:a14="http://schemas.microsoft.com/office/drawing/2010/main" w="9525">
                   <a:solidFill>
                     <a:srgbClr val="000000"/>
                   </a:solidFill>
@@ -3278,7 +3278,7 @@
             </a:ln>
             <a:extLst>
               <a:ext uri="{91240B29-F687-4f45-9708-019B960494DF}">
-                <a14:hiddenLine xmlns:a14="http://schemas.microsoft.com/office/drawing/2010/main" xmlns="" w="9525">
+                <a14:hiddenLine xmlns="" xmlns:a14="http://schemas.microsoft.com/office/drawing/2010/main" w="9525">
                   <a:solidFill>
                     <a:srgbClr val="000000"/>
                   </a:solidFill>
@@ -3368,7 +3368,7 @@
             </a:ln>
             <a:extLst>
               <a:ext uri="{91240B29-F687-4f45-9708-019B960494DF}">
-                <a14:hiddenLine xmlns:a14="http://schemas.microsoft.com/office/drawing/2010/main" xmlns="" w="9525">
+                <a14:hiddenLine xmlns="" xmlns:a14="http://schemas.microsoft.com/office/drawing/2010/main" w="9525">
                   <a:solidFill>
                     <a:srgbClr val="000000"/>
                   </a:solidFill>
@@ -3430,7 +3430,7 @@
             </a:ln>
             <a:extLst>
               <a:ext uri="{91240B29-F687-4f45-9708-019B960494DF}">
-                <a14:hiddenLine xmlns:a14="http://schemas.microsoft.com/office/drawing/2010/main" xmlns="" w="9525">
+                <a14:hiddenLine xmlns="" xmlns:a14="http://schemas.microsoft.com/office/drawing/2010/main" w="9525">
                   <a:solidFill>
                     <a:srgbClr val="000000"/>
                   </a:solidFill>
@@ -3520,7 +3520,7 @@
             </a:ln>
             <a:extLst>
               <a:ext uri="{91240B29-F687-4f45-9708-019B960494DF}">
-                <a14:hiddenLine xmlns:a14="http://schemas.microsoft.com/office/drawing/2010/main" xmlns="" w="9525">
+                <a14:hiddenLine xmlns="" xmlns:a14="http://schemas.microsoft.com/office/drawing/2010/main" w="9525">
                   <a:solidFill>
                     <a:srgbClr val="000000"/>
                   </a:solidFill>
@@ -3610,7 +3610,7 @@
             </a:ln>
             <a:extLst>
               <a:ext uri="{91240B29-F687-4f45-9708-019B960494DF}">
-                <a14:hiddenLine xmlns:a14="http://schemas.microsoft.com/office/drawing/2010/main" xmlns="" w="9525">
+                <a14:hiddenLine xmlns="" xmlns:a14="http://schemas.microsoft.com/office/drawing/2010/main" w="9525">
                   <a:solidFill>
                     <a:srgbClr val="000000"/>
                   </a:solidFill>
@@ -3675,7 +3675,7 @@
             </a:ln>
             <a:extLst>
               <a:ext uri="{91240B29-F687-4f45-9708-019B960494DF}">
-                <a14:hiddenLine xmlns:a14="http://schemas.microsoft.com/office/drawing/2010/main" xmlns="" w="9525">
+                <a14:hiddenLine xmlns="" xmlns:a14="http://schemas.microsoft.com/office/drawing/2010/main" w="9525">
                   <a:solidFill>
                     <a:srgbClr val="000000"/>
                   </a:solidFill>
@@ -3737,7 +3737,7 @@
             </a:ln>
             <a:extLst>
               <a:ext uri="{91240B29-F687-4f45-9708-019B960494DF}">
-                <a14:hiddenLine xmlns:a14="http://schemas.microsoft.com/office/drawing/2010/main" xmlns="" w="9525">
+                <a14:hiddenLine xmlns="" xmlns:a14="http://schemas.microsoft.com/office/drawing/2010/main" w="9525">
                   <a:solidFill>
                     <a:srgbClr val="000000"/>
                   </a:solidFill>
@@ -3827,7 +3827,7 @@
             </a:ln>
             <a:extLst>
               <a:ext uri="{91240B29-F687-4f45-9708-019B960494DF}">
-                <a14:hiddenLine xmlns:a14="http://schemas.microsoft.com/office/drawing/2010/main" xmlns="" w="9525">
+                <a14:hiddenLine xmlns="" xmlns:a14="http://schemas.microsoft.com/office/drawing/2010/main" w="9525">
                   <a:solidFill>
                     <a:srgbClr val="000000"/>
                   </a:solidFill>
@@ -3917,7 +3917,7 @@
             </a:ln>
             <a:extLst>
               <a:ext uri="{91240B29-F687-4f45-9708-019B960494DF}">
-                <a14:hiddenLine xmlns:a14="http://schemas.microsoft.com/office/drawing/2010/main" xmlns="" w="9525">
+                <a14:hiddenLine xmlns="" xmlns:a14="http://schemas.microsoft.com/office/drawing/2010/main" w="9525">
                   <a:solidFill>
                     <a:srgbClr val="000000"/>
                   </a:solidFill>
@@ -3979,7 +3979,7 @@
             </a:ln>
             <a:extLst>
               <a:ext uri="{91240B29-F687-4f45-9708-019B960494DF}">
-                <a14:hiddenLine xmlns:a14="http://schemas.microsoft.com/office/drawing/2010/main" xmlns="" w="9525">
+                <a14:hiddenLine xmlns="" xmlns:a14="http://schemas.microsoft.com/office/drawing/2010/main" w="9525">
                   <a:solidFill>
                     <a:srgbClr val="000000"/>
                   </a:solidFill>
@@ -4099,7 +4099,7 @@
             </a:ln>
             <a:extLst>
               <a:ext uri="{91240B29-F687-4f45-9708-019B960494DF}">
-                <a14:hiddenLine xmlns:a14="http://schemas.microsoft.com/office/drawing/2010/main" xmlns="" w="9525">
+                <a14:hiddenLine xmlns="" xmlns:a14="http://schemas.microsoft.com/office/drawing/2010/main" w="9525">
                   <a:solidFill>
                     <a:srgbClr val="000000"/>
                   </a:solidFill>
@@ -4167,7 +4167,7 @@
             </a:ln>
             <a:extLst>
               <a:ext uri="{91240B29-F687-4f45-9708-019B960494DF}">
-                <a14:hiddenLine xmlns:a14="http://schemas.microsoft.com/office/drawing/2010/main" xmlns="" w="9525">
+                <a14:hiddenLine xmlns="" xmlns:a14="http://schemas.microsoft.com/office/drawing/2010/main" w="9525">
                   <a:solidFill>
                     <a:srgbClr val="000000"/>
                   </a:solidFill>
@@ -4257,7 +4257,7 @@
             </a:ln>
             <a:extLst>
               <a:ext uri="{91240B29-F687-4f45-9708-019B960494DF}">
-                <a14:hiddenLine xmlns:a14="http://schemas.microsoft.com/office/drawing/2010/main" xmlns="" w="9525">
+                <a14:hiddenLine xmlns="" xmlns:a14="http://schemas.microsoft.com/office/drawing/2010/main" w="9525">
                   <a:solidFill>
                     <a:srgbClr val="000000"/>
                   </a:solidFill>
@@ -9064,7 +9064,7 @@
           <a:noFill/>
           <a:extLst>
             <a:ext uri="{909E8E84-426E-40dd-AFC4-6F175D3DCCD1}">
-              <a14:hiddenFill xmlns:a14="http://schemas.microsoft.com/office/drawing/2010/main" xmlns="">
+              <a14:hiddenFill xmlns="" xmlns:a14="http://schemas.microsoft.com/office/drawing/2010/main">
                 <a:solidFill>
                   <a:srgbClr val="FFFFFF"/>
                 </a:solidFill>
@@ -9138,7 +9138,7 @@
               </a:ln>
               <a:extLst>
                 <a:ext uri="{91240B29-F687-4f45-9708-019B960494DF}">
-                  <a14:hiddenLine xmlns:a14="http://schemas.microsoft.com/office/drawing/2010/main" xmlns="" w="9525">
+                  <a14:hiddenLine xmlns="" xmlns:a14="http://schemas.microsoft.com/office/drawing/2010/main" w="9525">
                     <a:solidFill>
                       <a:srgbClr val="000000"/>
                     </a:solidFill>
@@ -9228,7 +9228,7 @@
               </a:ln>
               <a:extLst>
                 <a:ext uri="{91240B29-F687-4f45-9708-019B960494DF}">
-                  <a14:hiddenLine xmlns:a14="http://schemas.microsoft.com/office/drawing/2010/main" xmlns="" w="9525">
+                  <a14:hiddenLine xmlns="" xmlns:a14="http://schemas.microsoft.com/office/drawing/2010/main" w="9525">
                     <a:solidFill>
                       <a:srgbClr val="000000"/>
                     </a:solidFill>
@@ -9318,7 +9318,7 @@
               </a:ln>
               <a:extLst>
                 <a:ext uri="{91240B29-F687-4f45-9708-019B960494DF}">
-                  <a14:hiddenLine xmlns:a14="http://schemas.microsoft.com/office/drawing/2010/main" xmlns="" w="9525">
+                  <a14:hiddenLine xmlns="" xmlns:a14="http://schemas.microsoft.com/office/drawing/2010/main" w="9525">
                     <a:solidFill>
                       <a:srgbClr val="000000"/>
                     </a:solidFill>
@@ -9380,7 +9380,7 @@
               </a:ln>
               <a:extLst>
                 <a:ext uri="{91240B29-F687-4f45-9708-019B960494DF}">
-                  <a14:hiddenLine xmlns:a14="http://schemas.microsoft.com/office/drawing/2010/main" xmlns="" w="9525">
+                  <a14:hiddenLine xmlns="" xmlns:a14="http://schemas.microsoft.com/office/drawing/2010/main" w="9525">
                     <a:solidFill>
                       <a:srgbClr val="000000"/>
                     </a:solidFill>
@@ -9470,7 +9470,7 @@
               </a:ln>
               <a:extLst>
                 <a:ext uri="{91240B29-F687-4f45-9708-019B960494DF}">
-                  <a14:hiddenLine xmlns:a14="http://schemas.microsoft.com/office/drawing/2010/main" xmlns="" w="9525">
+                  <a14:hiddenLine xmlns="" xmlns:a14="http://schemas.microsoft.com/office/drawing/2010/main" w="9525">
                     <a:solidFill>
                       <a:srgbClr val="000000"/>
                     </a:solidFill>
@@ -9532,7 +9532,7 @@
               </a:ln>
               <a:extLst>
                 <a:ext uri="{91240B29-F687-4f45-9708-019B960494DF}">
-                  <a14:hiddenLine xmlns:a14="http://schemas.microsoft.com/office/drawing/2010/main" xmlns="" w="9525">
+                  <a14:hiddenLine xmlns="" xmlns:a14="http://schemas.microsoft.com/office/drawing/2010/main" w="9525">
                     <a:solidFill>
                       <a:srgbClr val="000000"/>
                     </a:solidFill>
@@ -9594,7 +9594,7 @@
               </a:ln>
               <a:extLst>
                 <a:ext uri="{91240B29-F687-4f45-9708-019B960494DF}">
-                  <a14:hiddenLine xmlns:a14="http://schemas.microsoft.com/office/drawing/2010/main" xmlns="" w="9525">
+                  <a14:hiddenLine xmlns="" xmlns:a14="http://schemas.microsoft.com/office/drawing/2010/main" w="9525">
                     <a:solidFill>
                       <a:srgbClr val="000000"/>
                     </a:solidFill>
@@ -9684,7 +9684,7 @@
               </a:ln>
               <a:extLst>
                 <a:ext uri="{91240B29-F687-4f45-9708-019B960494DF}">
-                  <a14:hiddenLine xmlns:a14="http://schemas.microsoft.com/office/drawing/2010/main" xmlns="" w="9525">
+                  <a14:hiddenLine xmlns="" xmlns:a14="http://schemas.microsoft.com/office/drawing/2010/main" w="9525">
                     <a:solidFill>
                       <a:srgbClr val="000000"/>
                     </a:solidFill>
@@ -9774,7 +9774,7 @@
               </a:ln>
               <a:extLst>
                 <a:ext uri="{91240B29-F687-4f45-9708-019B960494DF}">
-                  <a14:hiddenLine xmlns:a14="http://schemas.microsoft.com/office/drawing/2010/main" xmlns="" w="9525">
+                  <a14:hiddenLine xmlns="" xmlns:a14="http://schemas.microsoft.com/office/drawing/2010/main" w="9525">
                     <a:solidFill>
                       <a:srgbClr val="000000"/>
                     </a:solidFill>
@@ -9836,7 +9836,7 @@
               </a:ln>
               <a:extLst>
                 <a:ext uri="{91240B29-F687-4f45-9708-019B960494DF}">
-                  <a14:hiddenLine xmlns:a14="http://schemas.microsoft.com/office/drawing/2010/main" xmlns="" w="9525">
+                  <a14:hiddenLine xmlns="" xmlns:a14="http://schemas.microsoft.com/office/drawing/2010/main" w="9525">
                     <a:solidFill>
                       <a:srgbClr val="000000"/>
                     </a:solidFill>
@@ -9946,7 +9946,7 @@
               </a:ln>
               <a:extLst>
                 <a:ext uri="{91240B29-F687-4f45-9708-019B960494DF}">
-                  <a14:hiddenLine xmlns:a14="http://schemas.microsoft.com/office/drawing/2010/main" xmlns="" w="9525">
+                  <a14:hiddenLine xmlns="" xmlns:a14="http://schemas.microsoft.com/office/drawing/2010/main" w="9525">
                     <a:solidFill>
                       <a:srgbClr val="000000"/>
                     </a:solidFill>
@@ -10030,7 +10030,7 @@
               </a:ln>
               <a:extLst>
                 <a:ext uri="{91240B29-F687-4f45-9708-019B960494DF}">
-                  <a14:hiddenLine xmlns:a14="http://schemas.microsoft.com/office/drawing/2010/main" xmlns="" w="9525">
+                  <a14:hiddenLine xmlns="" xmlns:a14="http://schemas.microsoft.com/office/drawing/2010/main" w="9525">
                     <a:solidFill>
                       <a:srgbClr val="000000"/>
                     </a:solidFill>
@@ -10092,7 +10092,7 @@
               </a:ln>
               <a:extLst>
                 <a:ext uri="{91240B29-F687-4f45-9708-019B960494DF}">
-                  <a14:hiddenLine xmlns:a14="http://schemas.microsoft.com/office/drawing/2010/main" xmlns="" w="9525">
+                  <a14:hiddenLine xmlns="" xmlns:a14="http://schemas.microsoft.com/office/drawing/2010/main" w="9525">
                     <a:solidFill>
                       <a:srgbClr val="000000"/>
                     </a:solidFill>
@@ -10154,7 +10154,7 @@
               </a:ln>
               <a:extLst>
                 <a:ext uri="{91240B29-F687-4f45-9708-019B960494DF}">
-                  <a14:hiddenLine xmlns:a14="http://schemas.microsoft.com/office/drawing/2010/main" xmlns="" w="9525">
+                  <a14:hiddenLine xmlns="" xmlns:a14="http://schemas.microsoft.com/office/drawing/2010/main" w="9525">
                     <a:solidFill>
                       <a:srgbClr val="000000"/>
                     </a:solidFill>
@@ -10244,7 +10244,7 @@
               </a:ln>
               <a:extLst>
                 <a:ext uri="{91240B29-F687-4f45-9708-019B960494DF}">
-                  <a14:hiddenLine xmlns:a14="http://schemas.microsoft.com/office/drawing/2010/main" xmlns="" w="9525">
+                  <a14:hiddenLine xmlns="" xmlns:a14="http://schemas.microsoft.com/office/drawing/2010/main" w="9525">
                     <a:solidFill>
                       <a:srgbClr val="000000"/>
                     </a:solidFill>
@@ -10278,7 +10278,7 @@
               </a:ln>
               <a:extLst>
                 <a:ext uri="{91240B29-F687-4f45-9708-019B960494DF}">
-                  <a14:hiddenLine xmlns:a14="http://schemas.microsoft.com/office/drawing/2010/main" xmlns="" w="9525">
+                  <a14:hiddenLine xmlns="" xmlns:a14="http://schemas.microsoft.com/office/drawing/2010/main" w="9525">
                     <a:solidFill>
                       <a:srgbClr val="000000"/>
                     </a:solidFill>
@@ -10343,7 +10343,7 @@
               </a:ln>
               <a:extLst>
                 <a:ext uri="{91240B29-F687-4f45-9708-019B960494DF}">
-                  <a14:hiddenLine xmlns:a14="http://schemas.microsoft.com/office/drawing/2010/main" xmlns="" w="9525">
+                  <a14:hiddenLine xmlns="" xmlns:a14="http://schemas.microsoft.com/office/drawing/2010/main" w="9525">
                     <a:solidFill>
                       <a:srgbClr val="000000"/>
                     </a:solidFill>
@@ -10433,7 +10433,7 @@
               </a:ln>
               <a:extLst>
                 <a:ext uri="{91240B29-F687-4f45-9708-019B960494DF}">
-                  <a14:hiddenLine xmlns:a14="http://schemas.microsoft.com/office/drawing/2010/main" xmlns="" w="9525">
+                  <a14:hiddenLine xmlns="" xmlns:a14="http://schemas.microsoft.com/office/drawing/2010/main" w="9525">
                     <a:solidFill>
                       <a:srgbClr val="000000"/>
                     </a:solidFill>
@@ -10495,7 +10495,7 @@
               </a:ln>
               <a:extLst>
                 <a:ext uri="{91240B29-F687-4f45-9708-019B960494DF}">
-                  <a14:hiddenLine xmlns:a14="http://schemas.microsoft.com/office/drawing/2010/main" xmlns="" w="9525">
+                  <a14:hiddenLine xmlns="" xmlns:a14="http://schemas.microsoft.com/office/drawing/2010/main" w="9525">
                     <a:solidFill>
                       <a:srgbClr val="000000"/>
                     </a:solidFill>
@@ -10585,7 +10585,7 @@
               </a:ln>
               <a:extLst>
                 <a:ext uri="{91240B29-F687-4f45-9708-019B960494DF}">
-                  <a14:hiddenLine xmlns:a14="http://schemas.microsoft.com/office/drawing/2010/main" xmlns="" w="9525">
+                  <a14:hiddenLine xmlns="" xmlns:a14="http://schemas.microsoft.com/office/drawing/2010/main" w="9525">
                     <a:solidFill>
                       <a:srgbClr val="000000"/>
                     </a:solidFill>
@@ -10650,7 +10650,7 @@
               </a:ln>
               <a:extLst>
                 <a:ext uri="{91240B29-F687-4f45-9708-019B960494DF}">
-                  <a14:hiddenLine xmlns:a14="http://schemas.microsoft.com/office/drawing/2010/main" xmlns="" w="9525">
+                  <a14:hiddenLine xmlns="" xmlns:a14="http://schemas.microsoft.com/office/drawing/2010/main" w="9525">
                     <a:solidFill>
                       <a:srgbClr val="000000"/>
                     </a:solidFill>
@@ -10712,7 +10712,7 @@
               </a:ln>
               <a:extLst>
                 <a:ext uri="{91240B29-F687-4f45-9708-019B960494DF}">
-                  <a14:hiddenLine xmlns:a14="http://schemas.microsoft.com/office/drawing/2010/main" xmlns="" w="9525">
+                  <a14:hiddenLine xmlns="" xmlns:a14="http://schemas.microsoft.com/office/drawing/2010/main" w="9525">
                     <a:solidFill>
                       <a:srgbClr val="000000"/>
                     </a:solidFill>
@@ -10802,7 +10802,7 @@
               </a:ln>
               <a:extLst>
                 <a:ext uri="{91240B29-F687-4f45-9708-019B960494DF}">
-                  <a14:hiddenLine xmlns:a14="http://schemas.microsoft.com/office/drawing/2010/main" xmlns="" w="9525">
+                  <a14:hiddenLine xmlns="" xmlns:a14="http://schemas.microsoft.com/office/drawing/2010/main" w="9525">
                     <a:solidFill>
                       <a:srgbClr val="000000"/>
                     </a:solidFill>
@@ -10892,7 +10892,7 @@
               </a:ln>
               <a:extLst>
                 <a:ext uri="{91240B29-F687-4f45-9708-019B960494DF}">
-                  <a14:hiddenLine xmlns:a14="http://schemas.microsoft.com/office/drawing/2010/main" xmlns="" w="9525">
+                  <a14:hiddenLine xmlns="" xmlns:a14="http://schemas.microsoft.com/office/drawing/2010/main" w="9525">
                     <a:solidFill>
                       <a:srgbClr val="000000"/>
                     </a:solidFill>
@@ -10957,7 +10957,7 @@
               </a:ln>
               <a:extLst>
                 <a:ext uri="{91240B29-F687-4f45-9708-019B960494DF}">
-                  <a14:hiddenLine xmlns:a14="http://schemas.microsoft.com/office/drawing/2010/main" xmlns="" w="9525">
+                  <a14:hiddenLine xmlns="" xmlns:a14="http://schemas.microsoft.com/office/drawing/2010/main" w="9525">
                     <a:solidFill>
                       <a:srgbClr val="000000"/>
                     </a:solidFill>
@@ -11077,7 +11077,7 @@
               </a:ln>
               <a:extLst>
                 <a:ext uri="{91240B29-F687-4f45-9708-019B960494DF}">
-                  <a14:hiddenLine xmlns:a14="http://schemas.microsoft.com/office/drawing/2010/main" xmlns="" w="9525">
+                  <a14:hiddenLine xmlns="" xmlns:a14="http://schemas.microsoft.com/office/drawing/2010/main" w="9525">
                     <a:solidFill>
                       <a:srgbClr val="000000"/>
                     </a:solidFill>
@@ -11175,7 +11175,7 @@
               </a:ln>
               <a:extLst>
                 <a:ext uri="{91240B29-F687-4f45-9708-019B960494DF}">
-                  <a14:hiddenLine xmlns:a14="http://schemas.microsoft.com/office/drawing/2010/main" xmlns="" w="9525">
+                  <a14:hiddenLine xmlns="" xmlns:a14="http://schemas.microsoft.com/office/drawing/2010/main" w="9525">
                     <a:solidFill>
                       <a:srgbClr val="000000"/>
                     </a:solidFill>
@@ -11290,7 +11290,7 @@
               </a:ln>
               <a:extLst>
                 <a:ext uri="{91240B29-F687-4f45-9708-019B960494DF}">
-                  <a14:hiddenLine xmlns:a14="http://schemas.microsoft.com/office/drawing/2010/main" xmlns="" w="9525">
+                  <a14:hiddenLine xmlns="" xmlns:a14="http://schemas.microsoft.com/office/drawing/2010/main" w="9525">
                     <a:solidFill>
                       <a:srgbClr val="000000"/>
                     </a:solidFill>
@@ -11380,7 +11380,7 @@
               </a:ln>
               <a:extLst>
                 <a:ext uri="{91240B29-F687-4f45-9708-019B960494DF}">
-                  <a14:hiddenLine xmlns:a14="http://schemas.microsoft.com/office/drawing/2010/main" xmlns="" w="9525">
+                  <a14:hiddenLine xmlns="" xmlns:a14="http://schemas.microsoft.com/office/drawing/2010/main" w="9525">
                     <a:solidFill>
                       <a:srgbClr val="000000"/>
                     </a:solidFill>
@@ -11445,7 +11445,7 @@
               </a:ln>
               <a:extLst>
                 <a:ext uri="{91240B29-F687-4f45-9708-019B960494DF}">
-                  <a14:hiddenLine xmlns:a14="http://schemas.microsoft.com/office/drawing/2010/main" xmlns="" w="9525">
+                  <a14:hiddenLine xmlns="" xmlns:a14="http://schemas.microsoft.com/office/drawing/2010/main" w="9525">
                     <a:solidFill>
                       <a:srgbClr val="000000"/>
                     </a:solidFill>
@@ -11535,7 +11535,7 @@
               </a:ln>
               <a:extLst>
                 <a:ext uri="{91240B29-F687-4f45-9708-019B960494DF}">
-                  <a14:hiddenLine xmlns:a14="http://schemas.microsoft.com/office/drawing/2010/main" xmlns="" w="9525">
+                  <a14:hiddenLine xmlns="" xmlns:a14="http://schemas.microsoft.com/office/drawing/2010/main" w="9525">
                     <a:solidFill>
                       <a:srgbClr val="000000"/>
                     </a:solidFill>
@@ -11603,7 +11603,7 @@
               </a:ln>
               <a:extLst>
                 <a:ext uri="{91240B29-F687-4f45-9708-019B960494DF}">
-                  <a14:hiddenLine xmlns:a14="http://schemas.microsoft.com/office/drawing/2010/main" xmlns="" w="9525">
+                  <a14:hiddenLine xmlns="" xmlns:a14="http://schemas.microsoft.com/office/drawing/2010/main" w="9525">
                     <a:solidFill>
                       <a:srgbClr val="000000"/>
                     </a:solidFill>
@@ -11693,7 +11693,7 @@
               </a:ln>
               <a:extLst>
                 <a:ext uri="{91240B29-F687-4f45-9708-019B960494DF}">
-                  <a14:hiddenLine xmlns:a14="http://schemas.microsoft.com/office/drawing/2010/main" xmlns="" w="9525">
+                  <a14:hiddenLine xmlns="" xmlns:a14="http://schemas.microsoft.com/office/drawing/2010/main" w="9525">
                     <a:solidFill>
                       <a:srgbClr val="000000"/>
                     </a:solidFill>
@@ -11761,7 +11761,7 @@
               </a:ln>
               <a:extLst>
                 <a:ext uri="{91240B29-F687-4f45-9708-019B960494DF}">
-                  <a14:hiddenLine xmlns:a14="http://schemas.microsoft.com/office/drawing/2010/main" xmlns="" w="9525">
+                  <a14:hiddenLine xmlns="" xmlns:a14="http://schemas.microsoft.com/office/drawing/2010/main" w="9525">
                     <a:solidFill>
                       <a:srgbClr val="000000"/>
                     </a:solidFill>
@@ -11851,7 +11851,7 @@
               </a:ln>
               <a:extLst>
                 <a:ext uri="{91240B29-F687-4f45-9708-019B960494DF}">
-                  <a14:hiddenLine xmlns:a14="http://schemas.microsoft.com/office/drawing/2010/main" xmlns="" w="9525">
+                  <a14:hiddenLine xmlns="" xmlns:a14="http://schemas.microsoft.com/office/drawing/2010/main" w="9525">
                     <a:solidFill>
                       <a:srgbClr val="000000"/>
                     </a:solidFill>
@@ -11885,7 +11885,7 @@
               </a:ln>
               <a:extLst>
                 <a:ext uri="{91240B29-F687-4f45-9708-019B960494DF}">
-                  <a14:hiddenLine xmlns:a14="http://schemas.microsoft.com/office/drawing/2010/main" xmlns="" w="9525">
+                  <a14:hiddenLine xmlns="" xmlns:a14="http://schemas.microsoft.com/office/drawing/2010/main" w="9525">
                     <a:solidFill>
                       <a:srgbClr val="000000"/>
                     </a:solidFill>
@@ -12562,7 +12562,7 @@
             <a:noFill/>
             <a:extLst>
               <a:ext uri="{909E8E84-426E-40dd-AFC4-6F175D3DCCD1}">
-                <a14:hiddenFill xmlns="" xmlns:a14="http://schemas.microsoft.com/office/drawing/2010/main">
+                <a14:hiddenFill xmlns:a14="http://schemas.microsoft.com/office/drawing/2010/main" xmlns="">
                   <a:solidFill>
                     <a:srgbClr val="FFFFFF"/>
                   </a:solidFill>
@@ -14528,13 +14528,13 @@
         </p:nvSpPr>
         <p:spPr>
           <a:xfrm>
-            <a:off x="1141412" y="1177787"/>
-            <a:ext cx="7416179" cy="5431735"/>
+            <a:off x="1141412" y="1177788"/>
+            <a:ext cx="7416179" cy="5332070"/>
           </a:xfrm>
         </p:spPr>
         <p:txBody>
           <a:bodyPr>
-            <a:normAutofit fontScale="92500"/>
+            <a:normAutofit fontScale="85000" lnSpcReduction="10000"/>
           </a:bodyPr>
           <a:lstStyle/>
           <a:p>
@@ -14546,13 +14546,26 @@
           <a:p>
             <a:r>
               <a:rPr lang="en-US" dirty="0"/>
+              <a:t>As far as what went right, we did get the database to work with out application, as well as, we did create a working application that executes the processes needed to run a movie theater. </a:t>
+            </a:r>
+            <a:endParaRPr lang="en-US" dirty="0"/>
+          </a:p>
+          <a:p>
+            <a:r>
+              <a:rPr lang="en-US" dirty="0"/>
+              <a:t>We collaborated and worked to make a functioning project that met most of our goals.</a:t>
+            </a:r>
+          </a:p>
+          <a:p>
+            <a:r>
+              <a:rPr lang="en-US" dirty="0"/>
               <a:t>What could have been done better?</a:t>
             </a:r>
           </a:p>
           <a:p>
             <a:r>
               <a:rPr lang="en-US" dirty="0"/>
-              <a:t>As far as what went right, we did get the database to work with out application, as well as, we did create a working application that executes the processes needed to run a movie theater. </a:t>
+              <a:t>We could have potentially made a more detailed application. </a:t>
             </a:r>
           </a:p>
           <a:p>
@@ -16200,7 +16213,6 @@
               <a:rPr lang="en-US" sz="1500" dirty="0"/>
               <a:t>}</a:t>
             </a:r>
-            <a:endParaRPr lang="en-US" sz="1500" dirty="0"/>
           </a:p>
         </p:txBody>
       </p:sp>
@@ -16236,6 +16248,101 @@
       </p:grpSpPr>
       <p:sp>
         <p:nvSpPr>
+          <p:cNvPr id="6" name="Round Diagonal Corner Rectangle 11"/>
+          <p:cNvSpPr>
+            <a:spLocks noGrp="1" noRot="1" noChangeAspect="1" noMove="1" noResize="1" noEditPoints="1" noAdjustHandles="1" noChangeArrowheads="1" noChangeShapeType="1" noTextEdit="1"/>
+          </p:cNvSpPr>
+          <p:nvPr>
+            <p:extLst>
+              <p:ext uri="{386F3935-93C4-4BCD-93E2-E3B085C9AB24}">
+                <p16:designElem xmlns:p16="http://schemas.microsoft.com/office/powerpoint/2015/main" val="1"/>
+              </p:ext>
+            </p:extLst>
+          </p:nvPr>
+        </p:nvSpPr>
+        <p:spPr>
+          <a:xfrm>
+            <a:off x="798949" y="808057"/>
+            <a:ext cx="6752461" cy="5234394"/>
+          </a:xfrm>
+          <a:prstGeom prst="round2DiagRect">
+            <a:avLst>
+              <a:gd name="adj1" fmla="val 7418"/>
+              <a:gd name="adj2" fmla="val 0"/>
+            </a:avLst>
+          </a:prstGeom>
+          <a:solidFill>
+            <a:srgbClr val="FFFFFF"/>
+          </a:solidFill>
+          <a:ln w="19050" cap="sq">
+            <a:solidFill>
+              <a:schemeClr val="tx2">
+                <a:lumMod val="60000"/>
+                <a:lumOff val="40000"/>
+                <a:alpha val="60000"/>
+              </a:schemeClr>
+            </a:solidFill>
+            <a:miter lim="800000"/>
+          </a:ln>
+          <a:effectLst>
+            <a:outerShdw blurRad="88900" dist="38100" dir="5400000" algn="t" rotWithShape="0">
+              <a:prstClr val="black">
+                <a:alpha val="40000"/>
+              </a:prstClr>
+            </a:outerShdw>
+          </a:effectLst>
+        </p:spPr>
+        <p:style>
+          <a:lnRef idx="2">
+            <a:schemeClr val="accent1">
+              <a:shade val="50000"/>
+            </a:schemeClr>
+          </a:lnRef>
+          <a:fillRef idx="1">
+            <a:schemeClr val="accent1"/>
+          </a:fillRef>
+          <a:effectRef idx="0">
+            <a:schemeClr val="accent1"/>
+          </a:effectRef>
+          <a:fontRef idx="minor">
+            <a:schemeClr val="lt1"/>
+          </a:fontRef>
+        </p:style>
+        <p:txBody>
+          <a:bodyPr rtlCol="0" anchor="ctr"/>
+          <a:lstStyle/>
+          <a:p>
+            <a:pPr algn="ctr"/>
+            <a:endParaRPr lang="en-US"/>
+          </a:p>
+        </p:txBody>
+      </p:sp>
+      <p:pic>
+        <p:nvPicPr>
+          <p:cNvPr id="4" name="Picture 3"/>
+          <p:cNvPicPr>
+            <a:picLocks noChangeAspect="1"/>
+          </p:cNvPicPr>
+          <p:nvPr/>
+        </p:nvPicPr>
+        <p:blipFill>
+          <a:blip r:embed="rId2"/>
+          <a:stretch>
+            <a:fillRect/>
+          </a:stretch>
+        </p:blipFill>
+        <p:spPr>
+          <a:xfrm>
+            <a:off x="1118988" y="1416824"/>
+            <a:ext cx="6112382" cy="4018891"/>
+          </a:xfrm>
+          <a:prstGeom prst="rect">
+            <a:avLst/>
+          </a:prstGeom>
+        </p:spPr>
+      </p:pic>
+      <p:sp>
+        <p:nvSpPr>
           <p:cNvPr id="2" name="Title 1"/>
           <p:cNvSpPr>
             <a:spLocks noGrp="1"/>
@@ -16244,13 +16351,20 @@
             <p:ph type="title"/>
           </p:nvPr>
         </p:nvSpPr>
-        <p:spPr/>
+        <p:spPr>
+          <a:xfrm>
+            <a:off x="8036041" y="618518"/>
+            <a:ext cx="3281003" cy="1478570"/>
+          </a:xfrm>
+        </p:spPr>
         <p:txBody>
-          <a:bodyPr/>
+          <a:bodyPr anchor="b">
+            <a:normAutofit/>
+          </a:bodyPr>
           <a:lstStyle/>
           <a:p>
             <a:r>
-              <a:rPr lang="en-US" dirty="0"/>
+              <a:rPr lang="en-US" sz="2800"/>
               <a:t>Project Application Demo</a:t>
             </a:r>
           </a:p>
@@ -16266,31 +16380,38 @@
             <p:ph idx="1"/>
           </p:nvPr>
         </p:nvSpPr>
-        <p:spPr/>
+        <p:spPr>
+          <a:xfrm>
+            <a:off x="8036041" y="2249487"/>
+            <a:ext cx="3281004" cy="3541714"/>
+          </a:xfrm>
+        </p:spPr>
         <p:txBody>
-          <a:bodyPr/>
+          <a:bodyPr>
+            <a:normAutofit/>
+          </a:bodyPr>
           <a:lstStyle/>
           <a:p>
             <a:r>
-              <a:rPr lang="en-US" dirty="0"/>
+              <a:rPr lang="en-US" sz="1800"/>
               <a:t>Our project is made in C#</a:t>
             </a:r>
           </a:p>
           <a:p>
             <a:r>
-              <a:rPr lang="en-US" dirty="0"/>
+              <a:rPr lang="en-US" sz="1800"/>
               <a:t>It is a Windows Forms application. </a:t>
             </a:r>
           </a:p>
           <a:p>
             <a:r>
-              <a:rPr lang="en-US" dirty="0"/>
+              <a:rPr lang="en-US" sz="1800"/>
               <a:t>Our program uses a 3 panel approach to display data to the user. </a:t>
             </a:r>
           </a:p>
           <a:p>
             <a:r>
-              <a:rPr lang="en-US" dirty="0"/>
+              <a:rPr lang="en-US" sz="1800"/>
               <a:t>We can access each panel through separate functions that load data from the database.</a:t>
             </a:r>
           </a:p>
